--- a/assets/pptx/exam_R.pptx
+++ b/assets/pptx/exam_R.pptx
@@ -1,26 +1,444 @@
 
 <file path=ppt/presentation.xml><?xml version="1.0" encoding="utf-8"?>
-<p:presentation xmlns:a="http://schemas.openxmlformats.org/drawingml/2006/main" xmlns:p="http://schemas.openxmlformats.org/presentationml/2006/main" xmlns:r="http://schemas.openxmlformats.org/officeDocument/2006/relationships" xmlns:p14="http://schemas.microsoft.com/office/powerpoint/2010/main" xmlns:p15="http://schemas.microsoft.com/office/powerpoint/2012/main" xmlns:mc="http://schemas.openxmlformats.org/markup-compatibility/2006">
+<p:presentation xmlns:a="http://schemas.openxmlformats.org/drawingml/2006/main" xmlns:r="http://schemas.openxmlformats.org/officeDocument/2006/relationships" xmlns:p="http://schemas.openxmlformats.org/presentationml/2006/main">
   <p:sldMasterIdLst>
-    <p:sldMasterId id="2147483648" r:id="rId2"/>
-    <p:sldMasterId id="2147483661" r:id="rId3"/>
+    <p:sldMasterId id="2147483648" r:id="rId1"/>
+    <p:sldMasterId id="2147483661" r:id="rId2"/>
   </p:sldMasterIdLst>
   <p:notesMasterIdLst>
-    <p:notesMasterId r:id="rId4"/>
+    <p:notesMasterId r:id="rId7"/>
   </p:notesMasterIdLst>
   <p:sldIdLst>
-    <p:sldId id="256" r:id="rId5"/>
-    <p:sldId id="257" r:id="rId6"/>
-    <p:sldId id="258" r:id="rId7"/>
-    <p:sldId id="259" r:id="rId8"/>
+    <p:sldId id="256" r:id="rId3"/>
+    <p:sldId id="257" r:id="rId4"/>
+    <p:sldId id="258" r:id="rId5"/>
+    <p:sldId id="259" r:id="rId6"/>
   </p:sldIdLst>
-  <p:sldSz cx="9144000" cy="6858000"/>
+  <p:sldSz cx="9144000" cy="6858000" type="screen4x3"/>
   <p:notesSz cx="6858000" cy="9144000"/>
+  <p:defaultTextStyle>
+    <a:defPPr>
+      <a:defRPr lang="en-CH"/>
+    </a:defPPr>
+    <a:lvl1pPr marL="0" algn="l" defTabSz="914400" rtl="0" eaLnBrk="1" latinLnBrk="0" hangingPunct="1">
+      <a:defRPr sz="1800" kern="1200">
+        <a:solidFill>
+          <a:schemeClr val="tx1"/>
+        </a:solidFill>
+        <a:latin typeface="+mn-lt"/>
+        <a:ea typeface="+mn-ea"/>
+        <a:cs typeface="+mn-cs"/>
+      </a:defRPr>
+    </a:lvl1pPr>
+    <a:lvl2pPr marL="457200" algn="l" defTabSz="914400" rtl="0" eaLnBrk="1" latinLnBrk="0" hangingPunct="1">
+      <a:defRPr sz="1800" kern="1200">
+        <a:solidFill>
+          <a:schemeClr val="tx1"/>
+        </a:solidFill>
+        <a:latin typeface="+mn-lt"/>
+        <a:ea typeface="+mn-ea"/>
+        <a:cs typeface="+mn-cs"/>
+      </a:defRPr>
+    </a:lvl2pPr>
+    <a:lvl3pPr marL="914400" algn="l" defTabSz="914400" rtl="0" eaLnBrk="1" latinLnBrk="0" hangingPunct="1">
+      <a:defRPr sz="1800" kern="1200">
+        <a:solidFill>
+          <a:schemeClr val="tx1"/>
+        </a:solidFill>
+        <a:latin typeface="+mn-lt"/>
+        <a:ea typeface="+mn-ea"/>
+        <a:cs typeface="+mn-cs"/>
+      </a:defRPr>
+    </a:lvl3pPr>
+    <a:lvl4pPr marL="1371600" algn="l" defTabSz="914400" rtl="0" eaLnBrk="1" latinLnBrk="0" hangingPunct="1">
+      <a:defRPr sz="1800" kern="1200">
+        <a:solidFill>
+          <a:schemeClr val="tx1"/>
+        </a:solidFill>
+        <a:latin typeface="+mn-lt"/>
+        <a:ea typeface="+mn-ea"/>
+        <a:cs typeface="+mn-cs"/>
+      </a:defRPr>
+    </a:lvl4pPr>
+    <a:lvl5pPr marL="1828800" algn="l" defTabSz="914400" rtl="0" eaLnBrk="1" latinLnBrk="0" hangingPunct="1">
+      <a:defRPr sz="1800" kern="1200">
+        <a:solidFill>
+          <a:schemeClr val="tx1"/>
+        </a:solidFill>
+        <a:latin typeface="+mn-lt"/>
+        <a:ea typeface="+mn-ea"/>
+        <a:cs typeface="+mn-cs"/>
+      </a:defRPr>
+    </a:lvl5pPr>
+    <a:lvl6pPr marL="2286000" algn="l" defTabSz="914400" rtl="0" eaLnBrk="1" latinLnBrk="0" hangingPunct="1">
+      <a:defRPr sz="1800" kern="1200">
+        <a:solidFill>
+          <a:schemeClr val="tx1"/>
+        </a:solidFill>
+        <a:latin typeface="+mn-lt"/>
+        <a:ea typeface="+mn-ea"/>
+        <a:cs typeface="+mn-cs"/>
+      </a:defRPr>
+    </a:lvl6pPr>
+    <a:lvl7pPr marL="2743200" algn="l" defTabSz="914400" rtl="0" eaLnBrk="1" latinLnBrk="0" hangingPunct="1">
+      <a:defRPr sz="1800" kern="1200">
+        <a:solidFill>
+          <a:schemeClr val="tx1"/>
+        </a:solidFill>
+        <a:latin typeface="+mn-lt"/>
+        <a:ea typeface="+mn-ea"/>
+        <a:cs typeface="+mn-cs"/>
+      </a:defRPr>
+    </a:lvl7pPr>
+    <a:lvl8pPr marL="3200400" algn="l" defTabSz="914400" rtl="0" eaLnBrk="1" latinLnBrk="0" hangingPunct="1">
+      <a:defRPr sz="1800" kern="1200">
+        <a:solidFill>
+          <a:schemeClr val="tx1"/>
+        </a:solidFill>
+        <a:latin typeface="+mn-lt"/>
+        <a:ea typeface="+mn-ea"/>
+        <a:cs typeface="+mn-cs"/>
+      </a:defRPr>
+    </a:lvl8pPr>
+    <a:lvl9pPr marL="3657600" algn="l" defTabSz="914400" rtl="0" eaLnBrk="1" latinLnBrk="0" hangingPunct="1">
+      <a:defRPr sz="1800" kern="1200">
+        <a:solidFill>
+          <a:schemeClr val="tx1"/>
+        </a:solidFill>
+        <a:latin typeface="+mn-lt"/>
+        <a:ea typeface="+mn-ea"/>
+        <a:cs typeface="+mn-cs"/>
+      </a:defRPr>
+    </a:lvl9pPr>
+  </p:defaultTextStyle>
+  <p:extLst>
+    <p:ext uri="{EFAFB233-063F-42B5-8137-9DF3F51BA10A}">
+      <p15:sldGuideLst xmlns:p15="http://schemas.microsoft.com/office/powerpoint/2012/main"/>
+    </p:ext>
+  </p:extLst>
 </p:presentation>
 </file>
 
 <file path=ppt/notesMasters/notesMaster1.xml><?xml version="1.0" encoding="utf-8"?>
-<p:notesMaster xmlns:a="http://schemas.openxmlformats.org/drawingml/2006/main" xmlns:p="http://schemas.openxmlformats.org/presentationml/2006/main" xmlns:r="http://schemas.openxmlformats.org/officeDocument/2006/relationships" xmlns:p14="http://schemas.microsoft.com/office/powerpoint/2010/main" xmlns:p15="http://schemas.microsoft.com/office/powerpoint/2012/main" xmlns:mc="http://schemas.openxmlformats.org/markup-compatibility/2006">
+<p:notesMaster xmlns:a="http://schemas.openxmlformats.org/drawingml/2006/main" xmlns:r="http://schemas.openxmlformats.org/officeDocument/2006/relationships" xmlns:p="http://schemas.openxmlformats.org/presentationml/2006/main">
+  <p:cSld>
+    <p:bg>
+      <p:bgRef idx="1001">
+        <a:schemeClr val="bg1"/>
+      </p:bgRef>
+    </p:bg>
+    <p:spTree>
+      <p:nvGrpSpPr>
+        <p:cNvPr id="1" name=""/>
+        <p:cNvGrpSpPr/>
+        <p:nvPr/>
+      </p:nvGrpSpPr>
+      <p:grpSpPr>
+        <a:xfrm>
+          <a:off x="0" y="0"/>
+          <a:ext cx="0" cy="0"/>
+          <a:chOff x="0" y="0"/>
+          <a:chExt cx="0" cy="0"/>
+        </a:xfrm>
+      </p:grpSpPr>
+      <p:sp>
+        <p:nvSpPr>
+          <p:cNvPr id="76" name="PlaceHolder 1"/>
+          <p:cNvSpPr>
+            <a:spLocks noGrp="1" noRot="1" noChangeAspect="1"/>
+          </p:cNvSpPr>
+          <p:nvPr>
+            <p:ph type="sldImg"/>
+          </p:nvPr>
+        </p:nvSpPr>
+        <p:spPr>
+          <a:xfrm>
+            <a:off x="533520" y="764280"/>
+            <a:ext cx="6704640" cy="3771360"/>
+          </a:xfrm>
+          <a:prstGeom prst="rect">
+            <a:avLst/>
+          </a:prstGeom>
+        </p:spPr>
+        <p:txBody>
+          <a:bodyPr lIns="0" tIns="0" rIns="0" bIns="0" anchor="ctr"/>
+          <a:lstStyle/>
+          <a:p>
+            <a:pPr algn="ctr"/>
+            <a:r>
+              <a:rPr lang="en-US" sz="4400" b="0" strike="noStrike" spc="-1">
+                <a:latin typeface="Arial"/>
+              </a:rPr>
+              <a:t>Click to move the slide</a:t>
+            </a:r>
+          </a:p>
+        </p:txBody>
+      </p:sp>
+      <p:sp>
+        <p:nvSpPr>
+          <p:cNvPr id="77" name="PlaceHolder 2"/>
+          <p:cNvSpPr>
+            <a:spLocks noGrp="1"/>
+          </p:cNvSpPr>
+          <p:nvPr>
+            <p:ph type="body"/>
+          </p:nvPr>
+        </p:nvSpPr>
+        <p:spPr>
+          <a:xfrm>
+            <a:off x="777240" y="4777560"/>
+            <a:ext cx="6217560" cy="4525920"/>
+          </a:xfrm>
+          <a:prstGeom prst="rect">
+            <a:avLst/>
+          </a:prstGeom>
+        </p:spPr>
+        <p:txBody>
+          <a:bodyPr lIns="0" tIns="0" rIns="0" bIns="0"/>
+          <a:lstStyle/>
+          <a:p>
+            <a:r>
+              <a:rPr lang="en-US" sz="2000" b="0" strike="noStrike" spc="-1">
+                <a:latin typeface="Arial"/>
+              </a:rPr>
+              <a:t>Click to edit the notes format</a:t>
+            </a:r>
+          </a:p>
+        </p:txBody>
+      </p:sp>
+      <p:sp>
+        <p:nvSpPr>
+          <p:cNvPr id="78" name="PlaceHolder 3"/>
+          <p:cNvSpPr>
+            <a:spLocks noGrp="1"/>
+          </p:cNvSpPr>
+          <p:nvPr>
+            <p:ph type="hdr"/>
+          </p:nvPr>
+        </p:nvSpPr>
+        <p:spPr>
+          <a:xfrm>
+            <a:off x="0" y="0"/>
+            <a:ext cx="3372840" cy="502560"/>
+          </a:xfrm>
+          <a:prstGeom prst="rect">
+            <a:avLst/>
+          </a:prstGeom>
+        </p:spPr>
+        <p:txBody>
+          <a:bodyPr lIns="0" tIns="0" rIns="0" bIns="0"/>
+          <a:lstStyle/>
+          <a:p>
+            <a:r>
+              <a:rPr lang="en-US" sz="1400" b="0" strike="noStrike" spc="-1">
+                <a:latin typeface="Times New Roman"/>
+              </a:rPr>
+              <a:t>&lt;header&gt;</a:t>
+            </a:r>
+          </a:p>
+        </p:txBody>
+      </p:sp>
+      <p:sp>
+        <p:nvSpPr>
+          <p:cNvPr id="79" name="PlaceHolder 4"/>
+          <p:cNvSpPr>
+            <a:spLocks noGrp="1"/>
+          </p:cNvSpPr>
+          <p:nvPr>
+            <p:ph type="dt"/>
+          </p:nvPr>
+        </p:nvSpPr>
+        <p:spPr>
+          <a:xfrm>
+            <a:off x="4399200" y="0"/>
+            <a:ext cx="3372840" cy="502560"/>
+          </a:xfrm>
+          <a:prstGeom prst="rect">
+            <a:avLst/>
+          </a:prstGeom>
+        </p:spPr>
+        <p:txBody>
+          <a:bodyPr lIns="0" tIns="0" rIns="0" bIns="0"/>
+          <a:lstStyle/>
+          <a:p>
+            <a:pPr algn="r"/>
+            <a:r>
+              <a:rPr lang="en-US" sz="1400" b="0" strike="noStrike" spc="-1">
+                <a:latin typeface="Times New Roman"/>
+              </a:rPr>
+              <a:t>&lt;date/time&gt;</a:t>
+            </a:r>
+          </a:p>
+        </p:txBody>
+      </p:sp>
+      <p:sp>
+        <p:nvSpPr>
+          <p:cNvPr id="80" name="PlaceHolder 5"/>
+          <p:cNvSpPr>
+            <a:spLocks noGrp="1"/>
+          </p:cNvSpPr>
+          <p:nvPr>
+            <p:ph type="ftr"/>
+          </p:nvPr>
+        </p:nvSpPr>
+        <p:spPr>
+          <a:xfrm>
+            <a:off x="0" y="9555480"/>
+            <a:ext cx="3372840" cy="502560"/>
+          </a:xfrm>
+          <a:prstGeom prst="rect">
+            <a:avLst/>
+          </a:prstGeom>
+        </p:spPr>
+        <p:txBody>
+          <a:bodyPr lIns="0" tIns="0" rIns="0" bIns="0" anchor="b"/>
+          <a:lstStyle/>
+          <a:p>
+            <a:r>
+              <a:rPr lang="en-US" sz="1400" b="0" strike="noStrike" spc="-1">
+                <a:latin typeface="Times New Roman"/>
+              </a:rPr>
+              <a:t>&lt;footer&gt;</a:t>
+            </a:r>
+          </a:p>
+        </p:txBody>
+      </p:sp>
+      <p:sp>
+        <p:nvSpPr>
+          <p:cNvPr id="81" name="PlaceHolder 6"/>
+          <p:cNvSpPr>
+            <a:spLocks noGrp="1"/>
+          </p:cNvSpPr>
+          <p:nvPr>
+            <p:ph type="sldNum"/>
+          </p:nvPr>
+        </p:nvSpPr>
+        <p:spPr>
+          <a:xfrm>
+            <a:off x="4399200" y="9555480"/>
+            <a:ext cx="3372840" cy="502560"/>
+          </a:xfrm>
+          <a:prstGeom prst="rect">
+            <a:avLst/>
+          </a:prstGeom>
+        </p:spPr>
+        <p:txBody>
+          <a:bodyPr lIns="0" tIns="0" rIns="0" bIns="0" anchor="b"/>
+          <a:lstStyle/>
+          <a:p>
+            <a:pPr algn="r"/>
+            <a:fld id="{084D5F69-C09A-49D6-A3E7-9C0333002B93}" type="slidenum">
+              <a:rPr lang="en-US" sz="1400" b="0" strike="noStrike" spc="-1">
+                <a:latin typeface="Times New Roman"/>
+              </a:rPr>
+              <a:t>‹#›</a:t>
+            </a:fld>
+            <a:endParaRPr lang="en-US" sz="1400" b="0" strike="noStrike" spc="-1">
+              <a:latin typeface="Times New Roman"/>
+            </a:endParaRPr>
+          </a:p>
+        </p:txBody>
+      </p:sp>
+    </p:spTree>
+  </p:cSld>
+  <p:clrMap bg1="lt1" tx1="dk1" bg2="lt2" tx2="dk2" accent1="accent1" accent2="accent2" accent3="accent3" accent4="accent4" accent5="accent5" accent6="accent6" hlink="hlink" folHlink="folHlink"/>
+  <p:notesStyle>
+    <a:lvl1pPr marL="0" algn="l" defTabSz="914400" rtl="0" eaLnBrk="1" latinLnBrk="0" hangingPunct="1">
+      <a:defRPr sz="1200" kern="1200">
+        <a:solidFill>
+          <a:schemeClr val="tx1"/>
+        </a:solidFill>
+        <a:latin typeface="+mn-lt"/>
+        <a:ea typeface="+mn-ea"/>
+        <a:cs typeface="+mn-cs"/>
+      </a:defRPr>
+    </a:lvl1pPr>
+    <a:lvl2pPr marL="457200" algn="l" defTabSz="914400" rtl="0" eaLnBrk="1" latinLnBrk="0" hangingPunct="1">
+      <a:defRPr sz="1200" kern="1200">
+        <a:solidFill>
+          <a:schemeClr val="tx1"/>
+        </a:solidFill>
+        <a:latin typeface="+mn-lt"/>
+        <a:ea typeface="+mn-ea"/>
+        <a:cs typeface="+mn-cs"/>
+      </a:defRPr>
+    </a:lvl2pPr>
+    <a:lvl3pPr marL="914400" algn="l" defTabSz="914400" rtl="0" eaLnBrk="1" latinLnBrk="0" hangingPunct="1">
+      <a:defRPr sz="1200" kern="1200">
+        <a:solidFill>
+          <a:schemeClr val="tx1"/>
+        </a:solidFill>
+        <a:latin typeface="+mn-lt"/>
+        <a:ea typeface="+mn-ea"/>
+        <a:cs typeface="+mn-cs"/>
+      </a:defRPr>
+    </a:lvl3pPr>
+    <a:lvl4pPr marL="1371600" algn="l" defTabSz="914400" rtl="0" eaLnBrk="1" latinLnBrk="0" hangingPunct="1">
+      <a:defRPr sz="1200" kern="1200">
+        <a:solidFill>
+          <a:schemeClr val="tx1"/>
+        </a:solidFill>
+        <a:latin typeface="+mn-lt"/>
+        <a:ea typeface="+mn-ea"/>
+        <a:cs typeface="+mn-cs"/>
+      </a:defRPr>
+    </a:lvl4pPr>
+    <a:lvl5pPr marL="1828800" algn="l" defTabSz="914400" rtl="0" eaLnBrk="1" latinLnBrk="0" hangingPunct="1">
+      <a:defRPr sz="1200" kern="1200">
+        <a:solidFill>
+          <a:schemeClr val="tx1"/>
+        </a:solidFill>
+        <a:latin typeface="+mn-lt"/>
+        <a:ea typeface="+mn-ea"/>
+        <a:cs typeface="+mn-cs"/>
+      </a:defRPr>
+    </a:lvl5pPr>
+    <a:lvl6pPr marL="2286000" algn="l" defTabSz="914400" rtl="0" eaLnBrk="1" latinLnBrk="0" hangingPunct="1">
+      <a:defRPr sz="1200" kern="1200">
+        <a:solidFill>
+          <a:schemeClr val="tx1"/>
+        </a:solidFill>
+        <a:latin typeface="+mn-lt"/>
+        <a:ea typeface="+mn-ea"/>
+        <a:cs typeface="+mn-cs"/>
+      </a:defRPr>
+    </a:lvl6pPr>
+    <a:lvl7pPr marL="2743200" algn="l" defTabSz="914400" rtl="0" eaLnBrk="1" latinLnBrk="0" hangingPunct="1">
+      <a:defRPr sz="1200" kern="1200">
+        <a:solidFill>
+          <a:schemeClr val="tx1"/>
+        </a:solidFill>
+        <a:latin typeface="+mn-lt"/>
+        <a:ea typeface="+mn-ea"/>
+        <a:cs typeface="+mn-cs"/>
+      </a:defRPr>
+    </a:lvl7pPr>
+    <a:lvl8pPr marL="3200400" algn="l" defTabSz="914400" rtl="0" eaLnBrk="1" latinLnBrk="0" hangingPunct="1">
+      <a:defRPr sz="1200" kern="1200">
+        <a:solidFill>
+          <a:schemeClr val="tx1"/>
+        </a:solidFill>
+        <a:latin typeface="+mn-lt"/>
+        <a:ea typeface="+mn-ea"/>
+        <a:cs typeface="+mn-cs"/>
+      </a:defRPr>
+    </a:lvl8pPr>
+    <a:lvl9pPr marL="3657600" algn="l" defTabSz="914400" rtl="0" eaLnBrk="1" latinLnBrk="0" hangingPunct="1">
+      <a:defRPr sz="1200" kern="1200">
+        <a:solidFill>
+          <a:schemeClr val="tx1"/>
+        </a:solidFill>
+        <a:latin typeface="+mn-lt"/>
+        <a:ea typeface="+mn-ea"/>
+        <a:cs typeface="+mn-cs"/>
+      </a:defRPr>
+    </a:lvl9pPr>
+  </p:notesStyle>
+</p:notesMaster>
+</file>
+
+<file path=ppt/notesSlides/notesSlide1.xml><?xml version="1.0" encoding="utf-8"?>
+<p:notes xmlns:a="http://schemas.openxmlformats.org/drawingml/2006/main" xmlns:r="http://schemas.openxmlformats.org/officeDocument/2006/relationships" xmlns:p="http://schemas.openxmlformats.org/presentationml/2006/main">
   <p:cSld>
     <p:spTree>
       <p:nvGrpSpPr>
@@ -38,239 +456,9 @@
       </p:grpSpPr>
       <p:sp>
         <p:nvSpPr>
-          <p:cNvPr id="76" name="PlaceHolder 1"/>
-          <p:cNvSpPr>
-            <a:spLocks noGrp="1"/>
-          </p:cNvSpPr>
-          <p:nvPr>
-            <p:ph type="sldImg"/>
-          </p:nvPr>
-        </p:nvSpPr>
-        <p:spPr>
-          <a:xfrm>
-            <a:off x="533520" y="764280"/>
-            <a:ext cx="6704640" cy="3771360"/>
-          </a:xfrm>
-          <a:prstGeom prst="rect">
-            <a:avLst/>
-          </a:prstGeom>
-        </p:spPr>
-        <p:txBody>
-          <a:bodyPr lIns="0" rIns="0" tIns="0" bIns="0" anchor="ctr"/>
-          <a:p>
-            <a:pPr algn="ctr"/>
-            <a:r>
-              <a:rPr b="0" lang="en-US" sz="4400" spc="-1" strike="noStrike">
-                <a:latin typeface="Arial"/>
-              </a:rPr>
-              <a:t>Click to move the slide</a:t>
-            </a:r>
-            <a:endParaRPr b="0" lang="en-US" sz="4400" spc="-1" strike="noStrike">
-              <a:latin typeface="Arial"/>
-            </a:endParaRPr>
-          </a:p>
-        </p:txBody>
-      </p:sp>
-      <p:sp>
-        <p:nvSpPr>
-          <p:cNvPr id="77" name="PlaceHolder 2"/>
-          <p:cNvSpPr>
-            <a:spLocks noGrp="1"/>
-          </p:cNvSpPr>
-          <p:nvPr>
-            <p:ph type="body"/>
-          </p:nvPr>
-        </p:nvSpPr>
-        <p:spPr>
-          <a:xfrm>
-            <a:off x="777240" y="4777560"/>
-            <a:ext cx="6217560" cy="4525920"/>
-          </a:xfrm>
-          <a:prstGeom prst="rect">
-            <a:avLst/>
-          </a:prstGeom>
-        </p:spPr>
-        <p:txBody>
-          <a:bodyPr lIns="0" rIns="0" tIns="0" bIns="0"/>
-          <a:p>
-            <a:r>
-              <a:rPr b="0" lang="en-US" sz="2000" spc="-1" strike="noStrike">
-                <a:latin typeface="Arial"/>
-              </a:rPr>
-              <a:t>Click to edit the notes format</a:t>
-            </a:r>
-            <a:endParaRPr b="0" lang="en-US" sz="2000" spc="-1" strike="noStrike">
-              <a:latin typeface="Arial"/>
-            </a:endParaRPr>
-          </a:p>
-        </p:txBody>
-      </p:sp>
-      <p:sp>
-        <p:nvSpPr>
-          <p:cNvPr id="78" name="PlaceHolder 3"/>
-          <p:cNvSpPr>
-            <a:spLocks noGrp="1"/>
-          </p:cNvSpPr>
-          <p:nvPr>
-            <p:ph type="hdr"/>
-          </p:nvPr>
-        </p:nvSpPr>
-        <p:spPr>
-          <a:xfrm>
-            <a:off x="0" y="0"/>
-            <a:ext cx="3372840" cy="502560"/>
-          </a:xfrm>
-          <a:prstGeom prst="rect">
-            <a:avLst/>
-          </a:prstGeom>
-        </p:spPr>
-        <p:txBody>
-          <a:bodyPr lIns="0" rIns="0" tIns="0" bIns="0"/>
-          <a:p>
-            <a:r>
-              <a:rPr b="0" lang="en-US" sz="1400" spc="-1" strike="noStrike">
-                <a:latin typeface="Times New Roman"/>
-              </a:rPr>
-              <a:t>&lt;header&gt;</a:t>
-            </a:r>
-            <a:endParaRPr b="0" lang="en-US" sz="1400" spc="-1" strike="noStrike">
-              <a:latin typeface="Times New Roman"/>
-            </a:endParaRPr>
-          </a:p>
-        </p:txBody>
-      </p:sp>
-      <p:sp>
-        <p:nvSpPr>
-          <p:cNvPr id="79" name="PlaceHolder 4"/>
-          <p:cNvSpPr>
-            <a:spLocks noGrp="1"/>
-          </p:cNvSpPr>
-          <p:nvPr>
-            <p:ph type="dt"/>
-          </p:nvPr>
-        </p:nvSpPr>
-        <p:spPr>
-          <a:xfrm>
-            <a:off x="4399200" y="0"/>
-            <a:ext cx="3372840" cy="502560"/>
-          </a:xfrm>
-          <a:prstGeom prst="rect">
-            <a:avLst/>
-          </a:prstGeom>
-        </p:spPr>
-        <p:txBody>
-          <a:bodyPr lIns="0" rIns="0" tIns="0" bIns="0"/>
-          <a:p>
-            <a:pPr algn="r"/>
-            <a:r>
-              <a:rPr b="0" lang="en-US" sz="1400" spc="-1" strike="noStrike">
-                <a:latin typeface="Times New Roman"/>
-              </a:rPr>
-              <a:t>&lt;date/time&gt;</a:t>
-            </a:r>
-            <a:endParaRPr b="0" lang="en-US" sz="1400" spc="-1" strike="noStrike">
-              <a:latin typeface="Times New Roman"/>
-            </a:endParaRPr>
-          </a:p>
-        </p:txBody>
-      </p:sp>
-      <p:sp>
-        <p:nvSpPr>
-          <p:cNvPr id="80" name="PlaceHolder 5"/>
-          <p:cNvSpPr>
-            <a:spLocks noGrp="1"/>
-          </p:cNvSpPr>
-          <p:nvPr>
-            <p:ph type="ftr"/>
-          </p:nvPr>
-        </p:nvSpPr>
-        <p:spPr>
-          <a:xfrm>
-            <a:off x="0" y="9555480"/>
-            <a:ext cx="3372840" cy="502560"/>
-          </a:xfrm>
-          <a:prstGeom prst="rect">
-            <a:avLst/>
-          </a:prstGeom>
-        </p:spPr>
-        <p:txBody>
-          <a:bodyPr lIns="0" rIns="0" tIns="0" bIns="0" anchor="b"/>
-          <a:p>
-            <a:r>
-              <a:rPr b="0" lang="en-US" sz="1400" spc="-1" strike="noStrike">
-                <a:latin typeface="Times New Roman"/>
-              </a:rPr>
-              <a:t>&lt;footer&gt;</a:t>
-            </a:r>
-            <a:endParaRPr b="0" lang="en-US" sz="1400" spc="-1" strike="noStrike">
-              <a:latin typeface="Times New Roman"/>
-            </a:endParaRPr>
-          </a:p>
-        </p:txBody>
-      </p:sp>
-      <p:sp>
-        <p:nvSpPr>
-          <p:cNvPr id="81" name="PlaceHolder 6"/>
-          <p:cNvSpPr>
-            <a:spLocks noGrp="1"/>
-          </p:cNvSpPr>
-          <p:nvPr>
-            <p:ph type="sldNum"/>
-          </p:nvPr>
-        </p:nvSpPr>
-        <p:spPr>
-          <a:xfrm>
-            <a:off x="4399200" y="9555480"/>
-            <a:ext cx="3372840" cy="502560"/>
-          </a:xfrm>
-          <a:prstGeom prst="rect">
-            <a:avLst/>
-          </a:prstGeom>
-        </p:spPr>
-        <p:txBody>
-          <a:bodyPr lIns="0" rIns="0" tIns="0" bIns="0" anchor="b"/>
-          <a:p>
-            <a:pPr algn="r"/>
-            <a:fld id="{084D5F69-C09A-49D6-A3E7-9C0333002B93}" type="slidenum">
-              <a:rPr b="0" lang="en-US" sz="1400" spc="-1" strike="noStrike">
-                <a:latin typeface="Times New Roman"/>
-              </a:rPr>
-              <a:t>&lt;number&gt;</a:t>
-            </a:fld>
-            <a:endParaRPr b="0" lang="en-US" sz="1400" spc="-1" strike="noStrike">
-              <a:latin typeface="Times New Roman"/>
-            </a:endParaRPr>
-          </a:p>
-        </p:txBody>
-      </p:sp>
-    </p:spTree>
-  </p:cSld>
-  <p:clrMap bg1="lt1" bg2="lt2" tx1="dk1" tx2="dk2" accent1="accent1" accent2="accent2" accent3="accent3" accent4="accent4" accent5="accent5" accent6="accent6" hlink="hlink" folHlink="folHlink"/>
-</p:notesMaster>
-</file>
-
-<file path=ppt/notesSlides/notesSlide4.xml><?xml version="1.0" encoding="utf-8"?>
-<p:notes xmlns:a="http://schemas.openxmlformats.org/drawingml/2006/main" xmlns:p="http://schemas.openxmlformats.org/presentationml/2006/main" xmlns:r="http://schemas.openxmlformats.org/officeDocument/2006/relationships" xmlns:p14="http://schemas.microsoft.com/office/powerpoint/2010/main" xmlns:p15="http://schemas.microsoft.com/office/powerpoint/2012/main" xmlns:mc="http://schemas.openxmlformats.org/markup-compatibility/2006">
-  <p:cSld>
-    <p:spTree>
-      <p:nvGrpSpPr>
-        <p:cNvPr id="1" name=""/>
-        <p:cNvGrpSpPr/>
-        <p:nvPr/>
-      </p:nvGrpSpPr>
-      <p:grpSpPr>
-        <a:xfrm>
-          <a:off x="0" y="0"/>
-          <a:ext cx="0" cy="0"/>
-          <a:chOff x="0" y="0"/>
-          <a:chExt cx="0" cy="0"/>
-        </a:xfrm>
-      </p:grpSpPr>
-      <p:sp>
-        <p:nvSpPr>
           <p:cNvPr id="90" name="PlaceHolder 1"/>
           <p:cNvSpPr>
-            <a:spLocks noGrp="1"/>
+            <a:spLocks noGrp="1" noRot="1" noChangeAspect="1"/>
           </p:cNvSpPr>
           <p:nvPr>
             <p:ph type="sldImg"/>
@@ -306,7 +494,8 @@
           </a:prstGeom>
         </p:spPr>
         <p:txBody>
-          <a:bodyPr lIns="0" rIns="0" tIns="0" bIns="0"/>
+          <a:bodyPr lIns="0" tIns="0" rIns="0" bIns="0"/>
+          <a:lstStyle/>
           <a:p>
             <a:pPr marL="216000" indent="-211320">
               <a:lnSpc>
@@ -314,14 +503,11 @@
               </a:lnSpc>
             </a:pPr>
             <a:r>
-              <a:rPr b="0" lang="en-US" sz="2000" spc="-1" strike="noStrike">
+              <a:rPr lang="en-US" sz="2000" b="0" strike="noStrike" spc="-1">
                 <a:latin typeface="Arial"/>
               </a:rPr>
               <a:t>-specify your question very clearly. </a:t>
             </a:r>
-            <a:endParaRPr b="0" lang="en-US" sz="2000" spc="-1" strike="noStrike">
-              <a:latin typeface="Arial"/>
-            </a:endParaRPr>
           </a:p>
           <a:p>
             <a:pPr marL="216000" indent="-211320">
@@ -330,14 +516,11 @@
               </a:lnSpc>
             </a:pPr>
             <a:r>
-              <a:rPr b="0" lang="en-US" sz="2000" spc="-1" strike="noStrike">
+              <a:rPr lang="en-US" sz="2000" b="0" strike="noStrike" spc="-1">
                 <a:latin typeface="Arial"/>
               </a:rPr>
               <a:t>Your Question, what hypothesis you're making, what data you will collect, coming from different type of experiment ( simulation study, field study, lab study, measurement machine ) – this will be your dataset(s)</a:t>
             </a:r>
-            <a:endParaRPr b="0" lang="en-US" sz="2000" spc="-1" strike="noStrike">
-              <a:latin typeface="Arial"/>
-            </a:endParaRPr>
           </a:p>
           <a:p>
             <a:pPr marL="216000" indent="-211320">
@@ -346,14 +529,11 @@
               </a:lnSpc>
             </a:pPr>
             <a:r>
-              <a:rPr b="0" lang="en-US" sz="2000" spc="-1" strike="noStrike">
+              <a:rPr lang="en-US" sz="2000" b="0" strike="noStrike" spc="-1">
                 <a:latin typeface="Arial"/>
               </a:rPr>
               <a:t>Statistics to confirm your answer</a:t>
             </a:r>
-            <a:endParaRPr b="0" lang="en-US" sz="2000" spc="-1" strike="noStrike">
-              <a:latin typeface="Arial"/>
-            </a:endParaRPr>
           </a:p>
           <a:p>
             <a:pPr marL="216000" indent="-211320">
@@ -362,14 +542,11 @@
               </a:lnSpc>
             </a:pPr>
             <a:r>
-              <a:rPr b="0" lang="en-US" sz="2000" spc="-1" strike="noStrike">
+              <a:rPr lang="en-US" sz="2000" b="0" strike="noStrike" spc="-1">
                 <a:latin typeface="Arial"/>
               </a:rPr>
               <a:t>-design your experiment  very well</a:t>
             </a:r>
-            <a:endParaRPr b="0" lang="en-US" sz="2000" spc="-1" strike="noStrike">
-              <a:latin typeface="Arial"/>
-            </a:endParaRPr>
           </a:p>
           <a:p>
             <a:pPr marL="216000" indent="-211320">
@@ -378,14 +555,11 @@
               </a:lnSpc>
             </a:pPr>
             <a:r>
-              <a:rPr b="0" lang="en-US" sz="2000" spc="-1" strike="noStrike">
+              <a:rPr lang="en-US" sz="2000" b="0" strike="noStrike" spc="-1">
                 <a:latin typeface="Arial"/>
               </a:rPr>
               <a:t>-format your dataset nicely</a:t>
             </a:r>
-            <a:endParaRPr b="0" lang="en-US" sz="2000" spc="-1" strike="noStrike">
-              <a:latin typeface="Arial"/>
-            </a:endParaRPr>
           </a:p>
           <a:p>
             <a:pPr marL="216000" indent="-211320">
@@ -393,7 +567,7 @@
                 <a:spcPct val="100000"/>
               </a:lnSpc>
             </a:pPr>
-            <a:endParaRPr b="0" lang="en-US" sz="2000" spc="-1" strike="noStrike">
+            <a:endParaRPr lang="en-US" sz="2000" b="0" strike="noStrike" spc="-1">
               <a:latin typeface="Arial"/>
             </a:endParaRPr>
           </a:p>
@@ -404,14 +578,11 @@
               </a:lnSpc>
             </a:pPr>
             <a:r>
-              <a:rPr b="0" lang="en-US" sz="2000" spc="-1" strike="noStrike">
+              <a:rPr lang="en-US" sz="2000" b="0" strike="noStrike" spc="-1">
                 <a:latin typeface="Arial"/>
               </a:rPr>
               <a:t>Tidy step: checking some variables are of the correct type, manipulating the structure of the data</a:t>
             </a:r>
-            <a:endParaRPr b="0" lang="en-US" sz="2000" spc="-1" strike="noStrike">
-              <a:latin typeface="Arial"/>
-            </a:endParaRPr>
           </a:p>
           <a:p>
             <a:pPr marL="216000" indent="-211320">
@@ -420,14 +591,11 @@
               </a:lnSpc>
             </a:pPr>
             <a:r>
-              <a:rPr b="0" lang="en-US" sz="2000" spc="-1" strike="noStrike">
+              <a:rPr lang="en-US" sz="2000" b="0" strike="noStrike" spc="-1">
                 <a:latin typeface="Arial"/>
               </a:rPr>
               <a:t>Explore in terms of graph, table, summary stats to get an idea of the answer or the answer</a:t>
             </a:r>
-            <a:endParaRPr b="0" lang="en-US" sz="2000" spc="-1" strike="noStrike">
-              <a:latin typeface="Arial"/>
-            </a:endParaRPr>
           </a:p>
           <a:p>
             <a:pPr marL="216000" indent="-211320">
@@ -435,7 +603,7 @@
                 <a:spcPct val="100000"/>
               </a:lnSpc>
             </a:pPr>
-            <a:endParaRPr b="0" lang="en-US" sz="2000" spc="-1" strike="noStrike">
+            <a:endParaRPr lang="en-US" sz="2000" b="0" strike="noStrike" spc="-1">
               <a:latin typeface="Arial"/>
             </a:endParaRPr>
           </a:p>
@@ -446,14 +614,11 @@
               </a:lnSpc>
             </a:pPr>
             <a:r>
-              <a:rPr b="0" lang="en-US" sz="2000" spc="-1" strike="noStrike">
+              <a:rPr lang="en-US" sz="2000" b="0" strike="noStrike" spc="-1">
                 <a:latin typeface="Arial"/>
               </a:rPr>
               <a:t>Stats will give you a reliable Answer to confirm the question, confirming that the graphs gave you a reliable answer</a:t>
             </a:r>
-            <a:endParaRPr b="0" lang="en-US" sz="2000" spc="-1" strike="noStrike">
-              <a:latin typeface="Arial"/>
-            </a:endParaRPr>
           </a:p>
           <a:p>
             <a:pPr marL="216000" indent="-211320">
@@ -461,7 +626,7 @@
                 <a:spcPct val="100000"/>
               </a:lnSpc>
             </a:pPr>
-            <a:endParaRPr b="0" lang="en-US" sz="2000" spc="-1" strike="noStrike">
+            <a:endParaRPr lang="en-US" sz="2000" b="0" strike="noStrike" spc="-1">
               <a:latin typeface="Arial"/>
             </a:endParaRPr>
           </a:p>
@@ -472,14 +637,11 @@
               </a:lnSpc>
             </a:pPr>
             <a:r>
-              <a:rPr b="0" lang="en-US" sz="2000" spc="-1" strike="noStrike">
+              <a:rPr lang="en-US" sz="2000" b="0" strike="noStrike" spc="-1">
                 <a:latin typeface="Arial"/>
               </a:rPr>
               <a:t>Communicate answer, data, graphs to colleages, boss: report, publication , summary – reproducible research and it is essential otherwise the previous steps were meaningless</a:t>
             </a:r>
-            <a:endParaRPr b="0" lang="en-US" sz="2000" spc="-1" strike="noStrike">
-              <a:latin typeface="Arial"/>
-            </a:endParaRPr>
           </a:p>
           <a:p>
             <a:pPr marL="216000" indent="-211320">
@@ -487,7 +649,7 @@
                 <a:spcPct val="100000"/>
               </a:lnSpc>
             </a:pPr>
-            <a:endParaRPr b="0" lang="en-US" sz="2000" spc="-1" strike="noStrike">
+            <a:endParaRPr lang="en-US" sz="2000" b="0" strike="noStrike" spc="-1">
               <a:latin typeface="Arial"/>
             </a:endParaRPr>
           </a:p>
@@ -497,7 +659,7 @@
                 <a:spcPct val="100000"/>
               </a:lnSpc>
             </a:pPr>
-            <a:endParaRPr b="0" lang="en-US" sz="2000" spc="-1" strike="noStrike">
+            <a:endParaRPr lang="en-US" sz="2000" b="0" strike="noStrike" spc="-1">
               <a:latin typeface="Arial"/>
             </a:endParaRPr>
           </a:p>
@@ -523,19 +685,28 @@
           </a:ln>
         </p:spPr>
         <p:style>
-          <a:lnRef idx="0"/>
-          <a:fillRef idx="0"/>
-          <a:effectRef idx="0"/>
+          <a:lnRef idx="0">
+            <a:scrgbClr r="0" g="0" b="0"/>
+          </a:lnRef>
+          <a:fillRef idx="0">
+            <a:scrgbClr r="0" g="0" b="0"/>
+          </a:fillRef>
+          <a:effectRef idx="0">
+            <a:scrgbClr r="0" g="0" b="0"/>
+          </a:effectRef>
           <a:fontRef idx="minor"/>
         </p:style>
       </p:sp>
     </p:spTree>
   </p:cSld>
+  <p:clrMapOvr>
+    <a:masterClrMapping/>
+  </p:clrMapOvr>
 </p:notes>
 </file>
 
 <file path=ppt/slideLayouts/slideLayout1.xml><?xml version="1.0" encoding="utf-8"?>
-<p:sldLayout xmlns:a="http://schemas.openxmlformats.org/drawingml/2006/main" xmlns:p="http://schemas.openxmlformats.org/presentationml/2006/main" xmlns:r="http://schemas.openxmlformats.org/officeDocument/2006/relationships" xmlns:p14="http://schemas.microsoft.com/office/powerpoint/2010/main" xmlns:p15="http://schemas.microsoft.com/office/powerpoint/2012/main" xmlns:mc="http://schemas.openxmlformats.org/markup-compatibility/2006" type="blank" preserve="1">
+<p:sldLayout xmlns:a="http://schemas.openxmlformats.org/drawingml/2006/main" xmlns:r="http://schemas.openxmlformats.org/officeDocument/2006/relationships" xmlns:p="http://schemas.openxmlformats.org/presentationml/2006/main" type="blank" preserve="1">
   <p:cSld name="Blank Slide">
     <p:spTree>
       <p:nvGrpSpPr>
@@ -553,11 +724,14 @@
       </p:grpSpPr>
     </p:spTree>
   </p:cSld>
+  <p:clrMapOvr>
+    <a:masterClrMapping/>
+  </p:clrMapOvr>
 </p:sldLayout>
 </file>
 
 <file path=ppt/slideLayouts/slideLayout10.xml><?xml version="1.0" encoding="utf-8"?>
-<p:sldLayout xmlns:a="http://schemas.openxmlformats.org/drawingml/2006/main" xmlns:p="http://schemas.openxmlformats.org/presentationml/2006/main" xmlns:r="http://schemas.openxmlformats.org/officeDocument/2006/relationships" xmlns:p14="http://schemas.microsoft.com/office/powerpoint/2010/main" xmlns:p15="http://schemas.microsoft.com/office/powerpoint/2012/main" xmlns:mc="http://schemas.openxmlformats.org/markup-compatibility/2006" type="objOverTx" preserve="1">
+<p:sldLayout xmlns:a="http://schemas.openxmlformats.org/drawingml/2006/main" xmlns:r="http://schemas.openxmlformats.org/officeDocument/2006/relationships" xmlns:p="http://schemas.openxmlformats.org/presentationml/2006/main" type="objOverTx" preserve="1">
   <p:cSld name="Title, Content over Content">
     <p:spTree>
       <p:nvGrpSpPr>
@@ -593,10 +767,11 @@
           </a:prstGeom>
         </p:spPr>
         <p:txBody>
-          <a:bodyPr lIns="0" rIns="0" tIns="0" bIns="0" anchor="ctr"/>
+          <a:bodyPr lIns="0" tIns="0" rIns="0" bIns="0" anchor="ctr"/>
+          <a:lstStyle/>
           <a:p>
             <a:pPr algn="ctr"/>
-            <a:endParaRPr b="0" lang="en-US" sz="4400" spc="-1" strike="noStrike">
+            <a:endParaRPr lang="en-US" sz="4400" b="0" strike="noStrike" spc="-1">
               <a:latin typeface="Arial"/>
             </a:endParaRPr>
           </a:p>
@@ -622,11 +797,12 @@
           </a:prstGeom>
         </p:spPr>
         <p:txBody>
-          <a:bodyPr lIns="0" rIns="0" tIns="0" bIns="0">
+          <a:bodyPr lIns="0" tIns="0" rIns="0" bIns="0">
             <a:normAutofit/>
           </a:bodyPr>
-          <a:p>
-            <a:endParaRPr b="0" lang="en-US" sz="3200" spc="-1" strike="noStrike">
+          <a:lstStyle/>
+          <a:p>
+            <a:endParaRPr lang="en-US" sz="3200" b="0" strike="noStrike" spc="-1">
               <a:latin typeface="Arial"/>
             </a:endParaRPr>
           </a:p>
@@ -652,11 +828,12 @@
           </a:prstGeom>
         </p:spPr>
         <p:txBody>
-          <a:bodyPr lIns="0" rIns="0" tIns="0" bIns="0">
+          <a:bodyPr lIns="0" tIns="0" rIns="0" bIns="0">
             <a:normAutofit/>
           </a:bodyPr>
-          <a:p>
-            <a:endParaRPr b="0" lang="en-US" sz="3200" spc="-1" strike="noStrike">
+          <a:lstStyle/>
+          <a:p>
+            <a:endParaRPr lang="en-US" sz="3200" b="0" strike="noStrike" spc="-1">
               <a:latin typeface="Arial"/>
             </a:endParaRPr>
           </a:p>
@@ -664,11 +841,14 @@
       </p:sp>
     </p:spTree>
   </p:cSld>
+  <p:clrMapOvr>
+    <a:masterClrMapping/>
+  </p:clrMapOvr>
 </p:sldLayout>
 </file>
 
 <file path=ppt/slideLayouts/slideLayout11.xml><?xml version="1.0" encoding="utf-8"?>
-<p:sldLayout xmlns:a="http://schemas.openxmlformats.org/drawingml/2006/main" xmlns:p="http://schemas.openxmlformats.org/presentationml/2006/main" xmlns:r="http://schemas.openxmlformats.org/officeDocument/2006/relationships" xmlns:p14="http://schemas.microsoft.com/office/powerpoint/2010/main" xmlns:p15="http://schemas.microsoft.com/office/powerpoint/2012/main" xmlns:mc="http://schemas.openxmlformats.org/markup-compatibility/2006" type="fourObj" preserve="1">
+<p:sldLayout xmlns:a="http://schemas.openxmlformats.org/drawingml/2006/main" xmlns:r="http://schemas.openxmlformats.org/officeDocument/2006/relationships" xmlns:p="http://schemas.openxmlformats.org/presentationml/2006/main" type="fourObj" preserve="1">
   <p:cSld name="Title, 4 Content">
     <p:spTree>
       <p:nvGrpSpPr>
@@ -704,10 +884,11 @@
           </a:prstGeom>
         </p:spPr>
         <p:txBody>
-          <a:bodyPr lIns="0" rIns="0" tIns="0" bIns="0" anchor="ctr"/>
+          <a:bodyPr lIns="0" tIns="0" rIns="0" bIns="0" anchor="ctr"/>
+          <a:lstStyle/>
           <a:p>
             <a:pPr algn="ctr"/>
-            <a:endParaRPr b="0" lang="en-US" sz="4400" spc="-1" strike="noStrike">
+            <a:endParaRPr lang="en-US" sz="4400" b="0" strike="noStrike" spc="-1">
               <a:latin typeface="Arial"/>
             </a:endParaRPr>
           </a:p>
@@ -733,11 +914,12 @@
           </a:prstGeom>
         </p:spPr>
         <p:txBody>
-          <a:bodyPr lIns="0" rIns="0" tIns="0" bIns="0">
+          <a:bodyPr lIns="0" tIns="0" rIns="0" bIns="0">
             <a:normAutofit/>
           </a:bodyPr>
-          <a:p>
-            <a:endParaRPr b="0" lang="en-US" sz="3200" spc="-1" strike="noStrike">
+          <a:lstStyle/>
+          <a:p>
+            <a:endParaRPr lang="en-US" sz="3200" b="0" strike="noStrike" spc="-1">
               <a:latin typeface="Arial"/>
             </a:endParaRPr>
           </a:p>
@@ -763,11 +945,12 @@
           </a:prstGeom>
         </p:spPr>
         <p:txBody>
-          <a:bodyPr lIns="0" rIns="0" tIns="0" bIns="0">
+          <a:bodyPr lIns="0" tIns="0" rIns="0" bIns="0">
             <a:normAutofit/>
           </a:bodyPr>
-          <a:p>
-            <a:endParaRPr b="0" lang="en-US" sz="3200" spc="-1" strike="noStrike">
+          <a:lstStyle/>
+          <a:p>
+            <a:endParaRPr lang="en-US" sz="3200" b="0" strike="noStrike" spc="-1">
               <a:latin typeface="Arial"/>
             </a:endParaRPr>
           </a:p>
@@ -793,11 +976,12 @@
           </a:prstGeom>
         </p:spPr>
         <p:txBody>
-          <a:bodyPr lIns="0" rIns="0" tIns="0" bIns="0">
+          <a:bodyPr lIns="0" tIns="0" rIns="0" bIns="0">
             <a:normAutofit/>
           </a:bodyPr>
-          <a:p>
-            <a:endParaRPr b="0" lang="en-US" sz="3200" spc="-1" strike="noStrike">
+          <a:lstStyle/>
+          <a:p>
+            <a:endParaRPr lang="en-US" sz="3200" b="0" strike="noStrike" spc="-1">
               <a:latin typeface="Arial"/>
             </a:endParaRPr>
           </a:p>
@@ -823,11 +1007,12 @@
           </a:prstGeom>
         </p:spPr>
         <p:txBody>
-          <a:bodyPr lIns="0" rIns="0" tIns="0" bIns="0">
+          <a:bodyPr lIns="0" tIns="0" rIns="0" bIns="0">
             <a:normAutofit/>
           </a:bodyPr>
-          <a:p>
-            <a:endParaRPr b="0" lang="en-US" sz="3200" spc="-1" strike="noStrike">
+          <a:lstStyle/>
+          <a:p>
+            <a:endParaRPr lang="en-US" sz="3200" b="0" strike="noStrike" spc="-1">
               <a:latin typeface="Arial"/>
             </a:endParaRPr>
           </a:p>
@@ -835,11 +1020,14 @@
       </p:sp>
     </p:spTree>
   </p:cSld>
+  <p:clrMapOvr>
+    <a:masterClrMapping/>
+  </p:clrMapOvr>
 </p:sldLayout>
 </file>
 
 <file path=ppt/slideLayouts/slideLayout12.xml><?xml version="1.0" encoding="utf-8"?>
-<p:sldLayout xmlns:a="http://schemas.openxmlformats.org/drawingml/2006/main" xmlns:p="http://schemas.openxmlformats.org/presentationml/2006/main" xmlns:r="http://schemas.openxmlformats.org/officeDocument/2006/relationships" xmlns:p14="http://schemas.microsoft.com/office/powerpoint/2010/main" xmlns:p15="http://schemas.microsoft.com/office/powerpoint/2012/main" xmlns:mc="http://schemas.openxmlformats.org/markup-compatibility/2006" type="blank" preserve="1">
+<p:sldLayout xmlns:a="http://schemas.openxmlformats.org/drawingml/2006/main" xmlns:r="http://schemas.openxmlformats.org/officeDocument/2006/relationships" xmlns:p="http://schemas.openxmlformats.org/presentationml/2006/main" type="blank" preserve="1">
   <p:cSld name="Title, 6 Content">
     <p:spTree>
       <p:nvGrpSpPr>
@@ -875,10 +1063,11 @@
           </a:prstGeom>
         </p:spPr>
         <p:txBody>
-          <a:bodyPr lIns="0" rIns="0" tIns="0" bIns="0" anchor="ctr"/>
+          <a:bodyPr lIns="0" tIns="0" rIns="0" bIns="0" anchor="ctr"/>
+          <a:lstStyle/>
           <a:p>
             <a:pPr algn="ctr"/>
-            <a:endParaRPr b="0" lang="en-US" sz="4400" spc="-1" strike="noStrike">
+            <a:endParaRPr lang="en-US" sz="4400" b="0" strike="noStrike" spc="-1">
               <a:latin typeface="Arial"/>
             </a:endParaRPr>
           </a:p>
@@ -904,11 +1093,12 @@
           </a:prstGeom>
         </p:spPr>
         <p:txBody>
-          <a:bodyPr lIns="0" rIns="0" tIns="0" bIns="0">
+          <a:bodyPr lIns="0" tIns="0" rIns="0" bIns="0">
             <a:normAutofit/>
           </a:bodyPr>
-          <a:p>
-            <a:endParaRPr b="0" lang="en-US" sz="3200" spc="-1" strike="noStrike">
+          <a:lstStyle/>
+          <a:p>
+            <a:endParaRPr lang="en-US" sz="3200" b="0" strike="noStrike" spc="-1">
               <a:latin typeface="Arial"/>
             </a:endParaRPr>
           </a:p>
@@ -934,11 +1124,12 @@
           </a:prstGeom>
         </p:spPr>
         <p:txBody>
-          <a:bodyPr lIns="0" rIns="0" tIns="0" bIns="0">
+          <a:bodyPr lIns="0" tIns="0" rIns="0" bIns="0">
             <a:normAutofit/>
           </a:bodyPr>
-          <a:p>
-            <a:endParaRPr b="0" lang="en-US" sz="3200" spc="-1" strike="noStrike">
+          <a:lstStyle/>
+          <a:p>
+            <a:endParaRPr lang="en-US" sz="3200" b="0" strike="noStrike" spc="-1">
               <a:latin typeface="Arial"/>
             </a:endParaRPr>
           </a:p>
@@ -964,11 +1155,12 @@
           </a:prstGeom>
         </p:spPr>
         <p:txBody>
-          <a:bodyPr lIns="0" rIns="0" tIns="0" bIns="0">
+          <a:bodyPr lIns="0" tIns="0" rIns="0" bIns="0">
             <a:normAutofit/>
           </a:bodyPr>
-          <a:p>
-            <a:endParaRPr b="0" lang="en-US" sz="3200" spc="-1" strike="noStrike">
+          <a:lstStyle/>
+          <a:p>
+            <a:endParaRPr lang="en-US" sz="3200" b="0" strike="noStrike" spc="-1">
               <a:latin typeface="Arial"/>
             </a:endParaRPr>
           </a:p>
@@ -994,11 +1186,12 @@
           </a:prstGeom>
         </p:spPr>
         <p:txBody>
-          <a:bodyPr lIns="0" rIns="0" tIns="0" bIns="0">
+          <a:bodyPr lIns="0" tIns="0" rIns="0" bIns="0">
             <a:normAutofit/>
           </a:bodyPr>
-          <a:p>
-            <a:endParaRPr b="0" lang="en-US" sz="3200" spc="-1" strike="noStrike">
+          <a:lstStyle/>
+          <a:p>
+            <a:endParaRPr lang="en-US" sz="3200" b="0" strike="noStrike" spc="-1">
               <a:latin typeface="Arial"/>
             </a:endParaRPr>
           </a:p>
@@ -1024,11 +1217,12 @@
           </a:prstGeom>
         </p:spPr>
         <p:txBody>
-          <a:bodyPr lIns="0" rIns="0" tIns="0" bIns="0">
+          <a:bodyPr lIns="0" tIns="0" rIns="0" bIns="0">
             <a:normAutofit/>
           </a:bodyPr>
-          <a:p>
-            <a:endParaRPr b="0" lang="en-US" sz="3200" spc="-1" strike="noStrike">
+          <a:lstStyle/>
+          <a:p>
+            <a:endParaRPr lang="en-US" sz="3200" b="0" strike="noStrike" spc="-1">
               <a:latin typeface="Arial"/>
             </a:endParaRPr>
           </a:p>
@@ -1054,11 +1248,12 @@
           </a:prstGeom>
         </p:spPr>
         <p:txBody>
-          <a:bodyPr lIns="0" rIns="0" tIns="0" bIns="0">
+          <a:bodyPr lIns="0" tIns="0" rIns="0" bIns="0">
             <a:normAutofit/>
           </a:bodyPr>
-          <a:p>
-            <a:endParaRPr b="0" lang="en-US" sz="3200" spc="-1" strike="noStrike">
+          <a:lstStyle/>
+          <a:p>
+            <a:endParaRPr lang="en-US" sz="3200" b="0" strike="noStrike" spc="-1">
               <a:latin typeface="Arial"/>
             </a:endParaRPr>
           </a:p>
@@ -1066,11 +1261,14 @@
       </p:sp>
     </p:spTree>
   </p:cSld>
+  <p:clrMapOvr>
+    <a:masterClrMapping/>
+  </p:clrMapOvr>
 </p:sldLayout>
 </file>
 
 <file path=ppt/slideLayouts/slideLayout13.xml><?xml version="1.0" encoding="utf-8"?>
-<p:sldLayout xmlns:a="http://schemas.openxmlformats.org/drawingml/2006/main" xmlns:p="http://schemas.openxmlformats.org/presentationml/2006/main" xmlns:r="http://schemas.openxmlformats.org/officeDocument/2006/relationships" xmlns:p14="http://schemas.microsoft.com/office/powerpoint/2010/main" xmlns:p15="http://schemas.microsoft.com/office/powerpoint/2012/main" xmlns:mc="http://schemas.openxmlformats.org/markup-compatibility/2006" type="blank" preserve="1">
+<p:sldLayout xmlns:a="http://schemas.openxmlformats.org/drawingml/2006/main" xmlns:r="http://schemas.openxmlformats.org/officeDocument/2006/relationships" xmlns:p="http://schemas.openxmlformats.org/presentationml/2006/main" type="blank" preserve="1">
   <p:cSld name="Blank Slide">
     <p:spTree>
       <p:nvGrpSpPr>
@@ -1088,11 +1286,14 @@
       </p:grpSpPr>
     </p:spTree>
   </p:cSld>
+  <p:clrMapOvr>
+    <a:masterClrMapping/>
+  </p:clrMapOvr>
 </p:sldLayout>
 </file>
 
 <file path=ppt/slideLayouts/slideLayout14.xml><?xml version="1.0" encoding="utf-8"?>
-<p:sldLayout xmlns:a="http://schemas.openxmlformats.org/drawingml/2006/main" xmlns:p="http://schemas.openxmlformats.org/presentationml/2006/main" xmlns:r="http://schemas.openxmlformats.org/officeDocument/2006/relationships" xmlns:p14="http://schemas.microsoft.com/office/powerpoint/2010/main" xmlns:p15="http://schemas.microsoft.com/office/powerpoint/2012/main" xmlns:mc="http://schemas.openxmlformats.org/markup-compatibility/2006" type="tx" preserve="1">
+<p:sldLayout xmlns:a="http://schemas.openxmlformats.org/drawingml/2006/main" xmlns:r="http://schemas.openxmlformats.org/officeDocument/2006/relationships" xmlns:p="http://schemas.openxmlformats.org/presentationml/2006/main" type="tx" preserve="1">
   <p:cSld name="Title Slide">
     <p:spTree>
       <p:nvGrpSpPr>
@@ -1128,10 +1329,11 @@
           </a:prstGeom>
         </p:spPr>
         <p:txBody>
-          <a:bodyPr lIns="0" rIns="0" tIns="0" bIns="0" anchor="ctr"/>
+          <a:bodyPr lIns="0" tIns="0" rIns="0" bIns="0" anchor="ctr"/>
+          <a:lstStyle/>
           <a:p>
             <a:pPr algn="ctr"/>
-            <a:endParaRPr b="0" lang="en-US" sz="4400" spc="-1" strike="noStrike">
+            <a:endParaRPr lang="en-US" sz="4400" b="0" strike="noStrike" spc="-1">
               <a:latin typeface="Arial"/>
             </a:endParaRPr>
           </a:p>
@@ -1157,10 +1359,11 @@
           </a:prstGeom>
         </p:spPr>
         <p:txBody>
-          <a:bodyPr lIns="0" rIns="0" tIns="0" bIns="0" anchor="ctr"/>
+          <a:bodyPr lIns="0" tIns="0" rIns="0" bIns="0" anchor="ctr"/>
+          <a:lstStyle/>
           <a:p>
             <a:pPr algn="ctr"/>
-            <a:endParaRPr b="0" lang="en-US" sz="3200" spc="-1" strike="noStrike">
+            <a:endParaRPr lang="en-US" sz="3200" b="0" strike="noStrike" spc="-1">
               <a:latin typeface="Arial"/>
             </a:endParaRPr>
           </a:p>
@@ -1168,11 +1371,14 @@
       </p:sp>
     </p:spTree>
   </p:cSld>
+  <p:clrMapOvr>
+    <a:masterClrMapping/>
+  </p:clrMapOvr>
 </p:sldLayout>
 </file>
 
 <file path=ppt/slideLayouts/slideLayout15.xml><?xml version="1.0" encoding="utf-8"?>
-<p:sldLayout xmlns:a="http://schemas.openxmlformats.org/drawingml/2006/main" xmlns:p="http://schemas.openxmlformats.org/presentationml/2006/main" xmlns:r="http://schemas.openxmlformats.org/officeDocument/2006/relationships" xmlns:p14="http://schemas.microsoft.com/office/powerpoint/2010/main" xmlns:p15="http://schemas.microsoft.com/office/powerpoint/2012/main" xmlns:mc="http://schemas.openxmlformats.org/markup-compatibility/2006" type="obj" preserve="1">
+<p:sldLayout xmlns:a="http://schemas.openxmlformats.org/drawingml/2006/main" xmlns:r="http://schemas.openxmlformats.org/officeDocument/2006/relationships" xmlns:p="http://schemas.openxmlformats.org/presentationml/2006/main" type="obj" preserve="1">
   <p:cSld name="Title, Content">
     <p:spTree>
       <p:nvGrpSpPr>
@@ -1208,10 +1414,11 @@
           </a:prstGeom>
         </p:spPr>
         <p:txBody>
-          <a:bodyPr lIns="0" rIns="0" tIns="0" bIns="0" anchor="ctr"/>
+          <a:bodyPr lIns="0" tIns="0" rIns="0" bIns="0" anchor="ctr"/>
+          <a:lstStyle/>
           <a:p>
             <a:pPr algn="ctr"/>
-            <a:endParaRPr b="0" lang="en-US" sz="4400" spc="-1" strike="noStrike">
+            <a:endParaRPr lang="en-US" sz="4400" b="0" strike="noStrike" spc="-1">
               <a:latin typeface="Arial"/>
             </a:endParaRPr>
           </a:p>
@@ -1237,11 +1444,12 @@
           </a:prstGeom>
         </p:spPr>
         <p:txBody>
-          <a:bodyPr lIns="0" rIns="0" tIns="0" bIns="0">
+          <a:bodyPr lIns="0" tIns="0" rIns="0" bIns="0">
             <a:normAutofit/>
           </a:bodyPr>
-          <a:p>
-            <a:endParaRPr b="0" lang="en-US" sz="3200" spc="-1" strike="noStrike">
+          <a:lstStyle/>
+          <a:p>
+            <a:endParaRPr lang="en-US" sz="3200" b="0" strike="noStrike" spc="-1">
               <a:latin typeface="Arial"/>
             </a:endParaRPr>
           </a:p>
@@ -1249,11 +1457,14 @@
       </p:sp>
     </p:spTree>
   </p:cSld>
+  <p:clrMapOvr>
+    <a:masterClrMapping/>
+  </p:clrMapOvr>
 </p:sldLayout>
 </file>
 
 <file path=ppt/slideLayouts/slideLayout16.xml><?xml version="1.0" encoding="utf-8"?>
-<p:sldLayout xmlns:a="http://schemas.openxmlformats.org/drawingml/2006/main" xmlns:p="http://schemas.openxmlformats.org/presentationml/2006/main" xmlns:r="http://schemas.openxmlformats.org/officeDocument/2006/relationships" xmlns:p14="http://schemas.microsoft.com/office/powerpoint/2010/main" xmlns:p15="http://schemas.microsoft.com/office/powerpoint/2012/main" xmlns:mc="http://schemas.openxmlformats.org/markup-compatibility/2006" type="twoObj" preserve="1">
+<p:sldLayout xmlns:a="http://schemas.openxmlformats.org/drawingml/2006/main" xmlns:r="http://schemas.openxmlformats.org/officeDocument/2006/relationships" xmlns:p="http://schemas.openxmlformats.org/presentationml/2006/main" type="twoObj" preserve="1">
   <p:cSld name="Title, 2 Content">
     <p:spTree>
       <p:nvGrpSpPr>
@@ -1289,10 +1500,11 @@
           </a:prstGeom>
         </p:spPr>
         <p:txBody>
-          <a:bodyPr lIns="0" rIns="0" tIns="0" bIns="0" anchor="ctr"/>
+          <a:bodyPr lIns="0" tIns="0" rIns="0" bIns="0" anchor="ctr"/>
+          <a:lstStyle/>
           <a:p>
             <a:pPr algn="ctr"/>
-            <a:endParaRPr b="0" lang="en-US" sz="4400" spc="-1" strike="noStrike">
+            <a:endParaRPr lang="en-US" sz="4400" b="0" strike="noStrike" spc="-1">
               <a:latin typeface="Arial"/>
             </a:endParaRPr>
           </a:p>
@@ -1318,11 +1530,12 @@
           </a:prstGeom>
         </p:spPr>
         <p:txBody>
-          <a:bodyPr lIns="0" rIns="0" tIns="0" bIns="0">
+          <a:bodyPr lIns="0" tIns="0" rIns="0" bIns="0">
             <a:normAutofit/>
           </a:bodyPr>
-          <a:p>
-            <a:endParaRPr b="0" lang="en-US" sz="3200" spc="-1" strike="noStrike">
+          <a:lstStyle/>
+          <a:p>
+            <a:endParaRPr lang="en-US" sz="3200" b="0" strike="noStrike" spc="-1">
               <a:latin typeface="Arial"/>
             </a:endParaRPr>
           </a:p>
@@ -1348,11 +1561,12 @@
           </a:prstGeom>
         </p:spPr>
         <p:txBody>
-          <a:bodyPr lIns="0" rIns="0" tIns="0" bIns="0">
+          <a:bodyPr lIns="0" tIns="0" rIns="0" bIns="0">
             <a:normAutofit/>
           </a:bodyPr>
-          <a:p>
-            <a:endParaRPr b="0" lang="en-US" sz="3200" spc="-1" strike="noStrike">
+          <a:lstStyle/>
+          <a:p>
+            <a:endParaRPr lang="en-US" sz="3200" b="0" strike="noStrike" spc="-1">
               <a:latin typeface="Arial"/>
             </a:endParaRPr>
           </a:p>
@@ -1360,11 +1574,14 @@
       </p:sp>
     </p:spTree>
   </p:cSld>
+  <p:clrMapOvr>
+    <a:masterClrMapping/>
+  </p:clrMapOvr>
 </p:sldLayout>
 </file>
 
 <file path=ppt/slideLayouts/slideLayout17.xml><?xml version="1.0" encoding="utf-8"?>
-<p:sldLayout xmlns:a="http://schemas.openxmlformats.org/drawingml/2006/main" xmlns:p="http://schemas.openxmlformats.org/presentationml/2006/main" xmlns:r="http://schemas.openxmlformats.org/officeDocument/2006/relationships" xmlns:p14="http://schemas.microsoft.com/office/powerpoint/2010/main" xmlns:p15="http://schemas.microsoft.com/office/powerpoint/2012/main" xmlns:mc="http://schemas.openxmlformats.org/markup-compatibility/2006" type="titleOnly" preserve="1">
+<p:sldLayout xmlns:a="http://schemas.openxmlformats.org/drawingml/2006/main" xmlns:r="http://schemas.openxmlformats.org/officeDocument/2006/relationships" xmlns:p="http://schemas.openxmlformats.org/presentationml/2006/main" type="titleOnly" preserve="1">
   <p:cSld name="Title Only">
     <p:spTree>
       <p:nvGrpSpPr>
@@ -1400,10 +1617,11 @@
           </a:prstGeom>
         </p:spPr>
         <p:txBody>
-          <a:bodyPr lIns="0" rIns="0" tIns="0" bIns="0" anchor="ctr"/>
+          <a:bodyPr lIns="0" tIns="0" rIns="0" bIns="0" anchor="ctr"/>
+          <a:lstStyle/>
           <a:p>
             <a:pPr algn="ctr"/>
-            <a:endParaRPr b="0" lang="en-US" sz="4400" spc="-1" strike="noStrike">
+            <a:endParaRPr lang="en-US" sz="4400" b="0" strike="noStrike" spc="-1">
               <a:latin typeface="Arial"/>
             </a:endParaRPr>
           </a:p>
@@ -1411,11 +1629,14 @@
       </p:sp>
     </p:spTree>
   </p:cSld>
+  <p:clrMapOvr>
+    <a:masterClrMapping/>
+  </p:clrMapOvr>
 </p:sldLayout>
 </file>
 
 <file path=ppt/slideLayouts/slideLayout18.xml><?xml version="1.0" encoding="utf-8"?>
-<p:sldLayout xmlns:a="http://schemas.openxmlformats.org/drawingml/2006/main" xmlns:p="http://schemas.openxmlformats.org/presentationml/2006/main" xmlns:r="http://schemas.openxmlformats.org/officeDocument/2006/relationships" xmlns:p14="http://schemas.microsoft.com/office/powerpoint/2010/main" xmlns:p15="http://schemas.microsoft.com/office/powerpoint/2012/main" xmlns:mc="http://schemas.openxmlformats.org/markup-compatibility/2006" type="objOnly" preserve="1">
+<p:sldLayout xmlns:a="http://schemas.openxmlformats.org/drawingml/2006/main" xmlns:r="http://schemas.openxmlformats.org/officeDocument/2006/relationships" xmlns:p="http://schemas.openxmlformats.org/presentationml/2006/main" type="objOnly" preserve="1">
   <p:cSld name="Centered Text">
     <p:spTree>
       <p:nvGrpSpPr>
@@ -1451,10 +1672,11 @@
           </a:prstGeom>
         </p:spPr>
         <p:txBody>
-          <a:bodyPr lIns="0" rIns="0" tIns="0" bIns="0" anchor="ctr"/>
+          <a:bodyPr lIns="0" tIns="0" rIns="0" bIns="0" anchor="ctr"/>
+          <a:lstStyle/>
           <a:p>
             <a:pPr algn="ctr"/>
-            <a:endParaRPr b="0" lang="en-US" sz="3200" spc="-1" strike="noStrike">
+            <a:endParaRPr lang="en-US" sz="3200" b="0" strike="noStrike" spc="-1">
               <a:latin typeface="Arial"/>
             </a:endParaRPr>
           </a:p>
@@ -1462,11 +1684,14 @@
       </p:sp>
     </p:spTree>
   </p:cSld>
+  <p:clrMapOvr>
+    <a:masterClrMapping/>
+  </p:clrMapOvr>
 </p:sldLayout>
 </file>
 
 <file path=ppt/slideLayouts/slideLayout19.xml><?xml version="1.0" encoding="utf-8"?>
-<p:sldLayout xmlns:a="http://schemas.openxmlformats.org/drawingml/2006/main" xmlns:p="http://schemas.openxmlformats.org/presentationml/2006/main" xmlns:r="http://schemas.openxmlformats.org/officeDocument/2006/relationships" xmlns:p14="http://schemas.microsoft.com/office/powerpoint/2010/main" xmlns:p15="http://schemas.microsoft.com/office/powerpoint/2012/main" xmlns:mc="http://schemas.openxmlformats.org/markup-compatibility/2006" type="twoObjAndObj" preserve="1">
+<p:sldLayout xmlns:a="http://schemas.openxmlformats.org/drawingml/2006/main" xmlns:r="http://schemas.openxmlformats.org/officeDocument/2006/relationships" xmlns:p="http://schemas.openxmlformats.org/presentationml/2006/main" type="twoObjAndObj" preserve="1">
   <p:cSld name="Title, 2 Content and Content">
     <p:spTree>
       <p:nvGrpSpPr>
@@ -1502,10 +1727,11 @@
           </a:prstGeom>
         </p:spPr>
         <p:txBody>
-          <a:bodyPr lIns="0" rIns="0" tIns="0" bIns="0" anchor="ctr"/>
+          <a:bodyPr lIns="0" tIns="0" rIns="0" bIns="0" anchor="ctr"/>
+          <a:lstStyle/>
           <a:p>
             <a:pPr algn="ctr"/>
-            <a:endParaRPr b="0" lang="en-US" sz="4400" spc="-1" strike="noStrike">
+            <a:endParaRPr lang="en-US" sz="4400" b="0" strike="noStrike" spc="-1">
               <a:latin typeface="Arial"/>
             </a:endParaRPr>
           </a:p>
@@ -1531,11 +1757,12 @@
           </a:prstGeom>
         </p:spPr>
         <p:txBody>
-          <a:bodyPr lIns="0" rIns="0" tIns="0" bIns="0">
+          <a:bodyPr lIns="0" tIns="0" rIns="0" bIns="0">
             <a:normAutofit/>
           </a:bodyPr>
-          <a:p>
-            <a:endParaRPr b="0" lang="en-US" sz="3200" spc="-1" strike="noStrike">
+          <a:lstStyle/>
+          <a:p>
+            <a:endParaRPr lang="en-US" sz="3200" b="0" strike="noStrike" spc="-1">
               <a:latin typeface="Arial"/>
             </a:endParaRPr>
           </a:p>
@@ -1561,11 +1788,12 @@
           </a:prstGeom>
         </p:spPr>
         <p:txBody>
-          <a:bodyPr lIns="0" rIns="0" tIns="0" bIns="0">
+          <a:bodyPr lIns="0" tIns="0" rIns="0" bIns="0">
             <a:normAutofit/>
           </a:bodyPr>
-          <a:p>
-            <a:endParaRPr b="0" lang="en-US" sz="3200" spc="-1" strike="noStrike">
+          <a:lstStyle/>
+          <a:p>
+            <a:endParaRPr lang="en-US" sz="3200" b="0" strike="noStrike" spc="-1">
               <a:latin typeface="Arial"/>
             </a:endParaRPr>
           </a:p>
@@ -1591,11 +1819,12 @@
           </a:prstGeom>
         </p:spPr>
         <p:txBody>
-          <a:bodyPr lIns="0" rIns="0" tIns="0" bIns="0">
+          <a:bodyPr lIns="0" tIns="0" rIns="0" bIns="0">
             <a:normAutofit/>
           </a:bodyPr>
-          <a:p>
-            <a:endParaRPr b="0" lang="en-US" sz="3200" spc="-1" strike="noStrike">
+          <a:lstStyle/>
+          <a:p>
+            <a:endParaRPr lang="en-US" sz="3200" b="0" strike="noStrike" spc="-1">
               <a:latin typeface="Arial"/>
             </a:endParaRPr>
           </a:p>
@@ -1603,11 +1832,14 @@
       </p:sp>
     </p:spTree>
   </p:cSld>
+  <p:clrMapOvr>
+    <a:masterClrMapping/>
+  </p:clrMapOvr>
 </p:sldLayout>
 </file>
 
 <file path=ppt/slideLayouts/slideLayout2.xml><?xml version="1.0" encoding="utf-8"?>
-<p:sldLayout xmlns:a="http://schemas.openxmlformats.org/drawingml/2006/main" xmlns:p="http://schemas.openxmlformats.org/presentationml/2006/main" xmlns:r="http://schemas.openxmlformats.org/officeDocument/2006/relationships" xmlns:p14="http://schemas.microsoft.com/office/powerpoint/2010/main" xmlns:p15="http://schemas.microsoft.com/office/powerpoint/2012/main" xmlns:mc="http://schemas.openxmlformats.org/markup-compatibility/2006" type="tx" preserve="1">
+<p:sldLayout xmlns:a="http://schemas.openxmlformats.org/drawingml/2006/main" xmlns:r="http://schemas.openxmlformats.org/officeDocument/2006/relationships" xmlns:p="http://schemas.openxmlformats.org/presentationml/2006/main" type="tx" preserve="1">
   <p:cSld name="Title Slide">
     <p:spTree>
       <p:nvGrpSpPr>
@@ -1643,10 +1875,11 @@
           </a:prstGeom>
         </p:spPr>
         <p:txBody>
-          <a:bodyPr lIns="0" rIns="0" tIns="0" bIns="0" anchor="ctr"/>
+          <a:bodyPr lIns="0" tIns="0" rIns="0" bIns="0" anchor="ctr"/>
+          <a:lstStyle/>
           <a:p>
             <a:pPr algn="ctr"/>
-            <a:endParaRPr b="0" lang="en-US" sz="4400" spc="-1" strike="noStrike">
+            <a:endParaRPr lang="en-US" sz="4400" b="0" strike="noStrike" spc="-1">
               <a:latin typeface="Arial"/>
             </a:endParaRPr>
           </a:p>
@@ -1672,10 +1905,11 @@
           </a:prstGeom>
         </p:spPr>
         <p:txBody>
-          <a:bodyPr lIns="0" rIns="0" tIns="0" bIns="0" anchor="ctr"/>
+          <a:bodyPr lIns="0" tIns="0" rIns="0" bIns="0" anchor="ctr"/>
+          <a:lstStyle/>
           <a:p>
             <a:pPr algn="ctr"/>
-            <a:endParaRPr b="0" lang="en-US" sz="3200" spc="-1" strike="noStrike">
+            <a:endParaRPr lang="en-US" sz="3200" b="0" strike="noStrike" spc="-1">
               <a:latin typeface="Arial"/>
             </a:endParaRPr>
           </a:p>
@@ -1683,11 +1917,14 @@
       </p:sp>
     </p:spTree>
   </p:cSld>
+  <p:clrMapOvr>
+    <a:masterClrMapping/>
+  </p:clrMapOvr>
 </p:sldLayout>
 </file>
 
 <file path=ppt/slideLayouts/slideLayout20.xml><?xml version="1.0" encoding="utf-8"?>
-<p:sldLayout xmlns:a="http://schemas.openxmlformats.org/drawingml/2006/main" xmlns:p="http://schemas.openxmlformats.org/presentationml/2006/main" xmlns:r="http://schemas.openxmlformats.org/officeDocument/2006/relationships" xmlns:p14="http://schemas.microsoft.com/office/powerpoint/2010/main" xmlns:p15="http://schemas.microsoft.com/office/powerpoint/2012/main" xmlns:mc="http://schemas.openxmlformats.org/markup-compatibility/2006" type="objAndTwoObj" preserve="1">
+<p:sldLayout xmlns:a="http://schemas.openxmlformats.org/drawingml/2006/main" xmlns:r="http://schemas.openxmlformats.org/officeDocument/2006/relationships" xmlns:p="http://schemas.openxmlformats.org/presentationml/2006/main" type="objAndTwoObj" preserve="1">
   <p:cSld name="Title Content and 2 Content">
     <p:spTree>
       <p:nvGrpSpPr>
@@ -1723,10 +1960,11 @@
           </a:prstGeom>
         </p:spPr>
         <p:txBody>
-          <a:bodyPr lIns="0" rIns="0" tIns="0" bIns="0" anchor="ctr"/>
+          <a:bodyPr lIns="0" tIns="0" rIns="0" bIns="0" anchor="ctr"/>
+          <a:lstStyle/>
           <a:p>
             <a:pPr algn="ctr"/>
-            <a:endParaRPr b="0" lang="en-US" sz="4400" spc="-1" strike="noStrike">
+            <a:endParaRPr lang="en-US" sz="4400" b="0" strike="noStrike" spc="-1">
               <a:latin typeface="Arial"/>
             </a:endParaRPr>
           </a:p>
@@ -1752,11 +1990,12 @@
           </a:prstGeom>
         </p:spPr>
         <p:txBody>
-          <a:bodyPr lIns="0" rIns="0" tIns="0" bIns="0">
+          <a:bodyPr lIns="0" tIns="0" rIns="0" bIns="0">
             <a:normAutofit/>
           </a:bodyPr>
-          <a:p>
-            <a:endParaRPr b="0" lang="en-US" sz="3200" spc="-1" strike="noStrike">
+          <a:lstStyle/>
+          <a:p>
+            <a:endParaRPr lang="en-US" sz="3200" b="0" strike="noStrike" spc="-1">
               <a:latin typeface="Arial"/>
             </a:endParaRPr>
           </a:p>
@@ -1782,11 +2021,12 @@
           </a:prstGeom>
         </p:spPr>
         <p:txBody>
-          <a:bodyPr lIns="0" rIns="0" tIns="0" bIns="0">
+          <a:bodyPr lIns="0" tIns="0" rIns="0" bIns="0">
             <a:normAutofit/>
           </a:bodyPr>
-          <a:p>
-            <a:endParaRPr b="0" lang="en-US" sz="3200" spc="-1" strike="noStrike">
+          <a:lstStyle/>
+          <a:p>
+            <a:endParaRPr lang="en-US" sz="3200" b="0" strike="noStrike" spc="-1">
               <a:latin typeface="Arial"/>
             </a:endParaRPr>
           </a:p>
@@ -1812,11 +2052,12 @@
           </a:prstGeom>
         </p:spPr>
         <p:txBody>
-          <a:bodyPr lIns="0" rIns="0" tIns="0" bIns="0">
+          <a:bodyPr lIns="0" tIns="0" rIns="0" bIns="0">
             <a:normAutofit/>
           </a:bodyPr>
-          <a:p>
-            <a:endParaRPr b="0" lang="en-US" sz="3200" spc="-1" strike="noStrike">
+          <a:lstStyle/>
+          <a:p>
+            <a:endParaRPr lang="en-US" sz="3200" b="0" strike="noStrike" spc="-1">
               <a:latin typeface="Arial"/>
             </a:endParaRPr>
           </a:p>
@@ -1824,11 +2065,14 @@
       </p:sp>
     </p:spTree>
   </p:cSld>
+  <p:clrMapOvr>
+    <a:masterClrMapping/>
+  </p:clrMapOvr>
 </p:sldLayout>
 </file>
 
 <file path=ppt/slideLayouts/slideLayout21.xml><?xml version="1.0" encoding="utf-8"?>
-<p:sldLayout xmlns:a="http://schemas.openxmlformats.org/drawingml/2006/main" xmlns:p="http://schemas.openxmlformats.org/presentationml/2006/main" xmlns:r="http://schemas.openxmlformats.org/officeDocument/2006/relationships" xmlns:p14="http://schemas.microsoft.com/office/powerpoint/2010/main" xmlns:p15="http://schemas.microsoft.com/office/powerpoint/2012/main" xmlns:mc="http://schemas.openxmlformats.org/markup-compatibility/2006" type="twoObjOverTx" preserve="1">
+<p:sldLayout xmlns:a="http://schemas.openxmlformats.org/drawingml/2006/main" xmlns:r="http://schemas.openxmlformats.org/officeDocument/2006/relationships" xmlns:p="http://schemas.openxmlformats.org/presentationml/2006/main" type="twoObjOverTx" preserve="1">
   <p:cSld name="Title, 2 Content over Content">
     <p:spTree>
       <p:nvGrpSpPr>
@@ -1864,10 +2108,11 @@
           </a:prstGeom>
         </p:spPr>
         <p:txBody>
-          <a:bodyPr lIns="0" rIns="0" tIns="0" bIns="0" anchor="ctr"/>
+          <a:bodyPr lIns="0" tIns="0" rIns="0" bIns="0" anchor="ctr"/>
+          <a:lstStyle/>
           <a:p>
             <a:pPr algn="ctr"/>
-            <a:endParaRPr b="0" lang="en-US" sz="4400" spc="-1" strike="noStrike">
+            <a:endParaRPr lang="en-US" sz="4400" b="0" strike="noStrike" spc="-1">
               <a:latin typeface="Arial"/>
             </a:endParaRPr>
           </a:p>
@@ -1893,11 +2138,12 @@
           </a:prstGeom>
         </p:spPr>
         <p:txBody>
-          <a:bodyPr lIns="0" rIns="0" tIns="0" bIns="0">
+          <a:bodyPr lIns="0" tIns="0" rIns="0" bIns="0">
             <a:normAutofit/>
           </a:bodyPr>
-          <a:p>
-            <a:endParaRPr b="0" lang="en-US" sz="3200" spc="-1" strike="noStrike">
+          <a:lstStyle/>
+          <a:p>
+            <a:endParaRPr lang="en-US" sz="3200" b="0" strike="noStrike" spc="-1">
               <a:latin typeface="Arial"/>
             </a:endParaRPr>
           </a:p>
@@ -1923,11 +2169,12 @@
           </a:prstGeom>
         </p:spPr>
         <p:txBody>
-          <a:bodyPr lIns="0" rIns="0" tIns="0" bIns="0">
+          <a:bodyPr lIns="0" tIns="0" rIns="0" bIns="0">
             <a:normAutofit/>
           </a:bodyPr>
-          <a:p>
-            <a:endParaRPr b="0" lang="en-US" sz="3200" spc="-1" strike="noStrike">
+          <a:lstStyle/>
+          <a:p>
+            <a:endParaRPr lang="en-US" sz="3200" b="0" strike="noStrike" spc="-1">
               <a:latin typeface="Arial"/>
             </a:endParaRPr>
           </a:p>
@@ -1953,11 +2200,12 @@
           </a:prstGeom>
         </p:spPr>
         <p:txBody>
-          <a:bodyPr lIns="0" rIns="0" tIns="0" bIns="0">
+          <a:bodyPr lIns="0" tIns="0" rIns="0" bIns="0">
             <a:normAutofit/>
           </a:bodyPr>
-          <a:p>
-            <a:endParaRPr b="0" lang="en-US" sz="3200" spc="-1" strike="noStrike">
+          <a:lstStyle/>
+          <a:p>
+            <a:endParaRPr lang="en-US" sz="3200" b="0" strike="noStrike" spc="-1">
               <a:latin typeface="Arial"/>
             </a:endParaRPr>
           </a:p>
@@ -1965,11 +2213,14 @@
       </p:sp>
     </p:spTree>
   </p:cSld>
+  <p:clrMapOvr>
+    <a:masterClrMapping/>
+  </p:clrMapOvr>
 </p:sldLayout>
 </file>
 
 <file path=ppt/slideLayouts/slideLayout22.xml><?xml version="1.0" encoding="utf-8"?>
-<p:sldLayout xmlns:a="http://schemas.openxmlformats.org/drawingml/2006/main" xmlns:p="http://schemas.openxmlformats.org/presentationml/2006/main" xmlns:r="http://schemas.openxmlformats.org/officeDocument/2006/relationships" xmlns:p14="http://schemas.microsoft.com/office/powerpoint/2010/main" xmlns:p15="http://schemas.microsoft.com/office/powerpoint/2012/main" xmlns:mc="http://schemas.openxmlformats.org/markup-compatibility/2006" type="objOverTx" preserve="1">
+<p:sldLayout xmlns:a="http://schemas.openxmlformats.org/drawingml/2006/main" xmlns:r="http://schemas.openxmlformats.org/officeDocument/2006/relationships" xmlns:p="http://schemas.openxmlformats.org/presentationml/2006/main" type="objOverTx" preserve="1">
   <p:cSld name="Title, Content over Content">
     <p:spTree>
       <p:nvGrpSpPr>
@@ -2005,10 +2256,11 @@
           </a:prstGeom>
         </p:spPr>
         <p:txBody>
-          <a:bodyPr lIns="0" rIns="0" tIns="0" bIns="0" anchor="ctr"/>
+          <a:bodyPr lIns="0" tIns="0" rIns="0" bIns="0" anchor="ctr"/>
+          <a:lstStyle/>
           <a:p>
             <a:pPr algn="ctr"/>
-            <a:endParaRPr b="0" lang="en-US" sz="4400" spc="-1" strike="noStrike">
+            <a:endParaRPr lang="en-US" sz="4400" b="0" strike="noStrike" spc="-1">
               <a:latin typeface="Arial"/>
             </a:endParaRPr>
           </a:p>
@@ -2034,11 +2286,12 @@
           </a:prstGeom>
         </p:spPr>
         <p:txBody>
-          <a:bodyPr lIns="0" rIns="0" tIns="0" bIns="0">
+          <a:bodyPr lIns="0" tIns="0" rIns="0" bIns="0">
             <a:normAutofit/>
           </a:bodyPr>
-          <a:p>
-            <a:endParaRPr b="0" lang="en-US" sz="3200" spc="-1" strike="noStrike">
+          <a:lstStyle/>
+          <a:p>
+            <a:endParaRPr lang="en-US" sz="3200" b="0" strike="noStrike" spc="-1">
               <a:latin typeface="Arial"/>
             </a:endParaRPr>
           </a:p>
@@ -2064,11 +2317,12 @@
           </a:prstGeom>
         </p:spPr>
         <p:txBody>
-          <a:bodyPr lIns="0" rIns="0" tIns="0" bIns="0">
+          <a:bodyPr lIns="0" tIns="0" rIns="0" bIns="0">
             <a:normAutofit/>
           </a:bodyPr>
-          <a:p>
-            <a:endParaRPr b="0" lang="en-US" sz="3200" spc="-1" strike="noStrike">
+          <a:lstStyle/>
+          <a:p>
+            <a:endParaRPr lang="en-US" sz="3200" b="0" strike="noStrike" spc="-1">
               <a:latin typeface="Arial"/>
             </a:endParaRPr>
           </a:p>
@@ -2076,11 +2330,14 @@
       </p:sp>
     </p:spTree>
   </p:cSld>
+  <p:clrMapOvr>
+    <a:masterClrMapping/>
+  </p:clrMapOvr>
 </p:sldLayout>
 </file>
 
 <file path=ppt/slideLayouts/slideLayout23.xml><?xml version="1.0" encoding="utf-8"?>
-<p:sldLayout xmlns:a="http://schemas.openxmlformats.org/drawingml/2006/main" xmlns:p="http://schemas.openxmlformats.org/presentationml/2006/main" xmlns:r="http://schemas.openxmlformats.org/officeDocument/2006/relationships" xmlns:p14="http://schemas.microsoft.com/office/powerpoint/2010/main" xmlns:p15="http://schemas.microsoft.com/office/powerpoint/2012/main" xmlns:mc="http://schemas.openxmlformats.org/markup-compatibility/2006" type="fourObj" preserve="1">
+<p:sldLayout xmlns:a="http://schemas.openxmlformats.org/drawingml/2006/main" xmlns:r="http://schemas.openxmlformats.org/officeDocument/2006/relationships" xmlns:p="http://schemas.openxmlformats.org/presentationml/2006/main" type="fourObj" preserve="1">
   <p:cSld name="Title, 4 Content">
     <p:spTree>
       <p:nvGrpSpPr>
@@ -2116,10 +2373,11 @@
           </a:prstGeom>
         </p:spPr>
         <p:txBody>
-          <a:bodyPr lIns="0" rIns="0" tIns="0" bIns="0" anchor="ctr"/>
+          <a:bodyPr lIns="0" tIns="0" rIns="0" bIns="0" anchor="ctr"/>
+          <a:lstStyle/>
           <a:p>
             <a:pPr algn="ctr"/>
-            <a:endParaRPr b="0" lang="en-US" sz="4400" spc="-1" strike="noStrike">
+            <a:endParaRPr lang="en-US" sz="4400" b="0" strike="noStrike" spc="-1">
               <a:latin typeface="Arial"/>
             </a:endParaRPr>
           </a:p>
@@ -2145,11 +2403,12 @@
           </a:prstGeom>
         </p:spPr>
         <p:txBody>
-          <a:bodyPr lIns="0" rIns="0" tIns="0" bIns="0">
+          <a:bodyPr lIns="0" tIns="0" rIns="0" bIns="0">
             <a:normAutofit/>
           </a:bodyPr>
-          <a:p>
-            <a:endParaRPr b="0" lang="en-US" sz="3200" spc="-1" strike="noStrike">
+          <a:lstStyle/>
+          <a:p>
+            <a:endParaRPr lang="en-US" sz="3200" b="0" strike="noStrike" spc="-1">
               <a:latin typeface="Arial"/>
             </a:endParaRPr>
           </a:p>
@@ -2175,11 +2434,12 @@
           </a:prstGeom>
         </p:spPr>
         <p:txBody>
-          <a:bodyPr lIns="0" rIns="0" tIns="0" bIns="0">
+          <a:bodyPr lIns="0" tIns="0" rIns="0" bIns="0">
             <a:normAutofit/>
           </a:bodyPr>
-          <a:p>
-            <a:endParaRPr b="0" lang="en-US" sz="3200" spc="-1" strike="noStrike">
+          <a:lstStyle/>
+          <a:p>
+            <a:endParaRPr lang="en-US" sz="3200" b="0" strike="noStrike" spc="-1">
               <a:latin typeface="Arial"/>
             </a:endParaRPr>
           </a:p>
@@ -2205,11 +2465,12 @@
           </a:prstGeom>
         </p:spPr>
         <p:txBody>
-          <a:bodyPr lIns="0" rIns="0" tIns="0" bIns="0">
+          <a:bodyPr lIns="0" tIns="0" rIns="0" bIns="0">
             <a:normAutofit/>
           </a:bodyPr>
-          <a:p>
-            <a:endParaRPr b="0" lang="en-US" sz="3200" spc="-1" strike="noStrike">
+          <a:lstStyle/>
+          <a:p>
+            <a:endParaRPr lang="en-US" sz="3200" b="0" strike="noStrike" spc="-1">
               <a:latin typeface="Arial"/>
             </a:endParaRPr>
           </a:p>
@@ -2235,11 +2496,12 @@
           </a:prstGeom>
         </p:spPr>
         <p:txBody>
-          <a:bodyPr lIns="0" rIns="0" tIns="0" bIns="0">
+          <a:bodyPr lIns="0" tIns="0" rIns="0" bIns="0">
             <a:normAutofit/>
           </a:bodyPr>
-          <a:p>
-            <a:endParaRPr b="0" lang="en-US" sz="3200" spc="-1" strike="noStrike">
+          <a:lstStyle/>
+          <a:p>
+            <a:endParaRPr lang="en-US" sz="3200" b="0" strike="noStrike" spc="-1">
               <a:latin typeface="Arial"/>
             </a:endParaRPr>
           </a:p>
@@ -2247,11 +2509,14 @@
       </p:sp>
     </p:spTree>
   </p:cSld>
+  <p:clrMapOvr>
+    <a:masterClrMapping/>
+  </p:clrMapOvr>
 </p:sldLayout>
 </file>
 
 <file path=ppt/slideLayouts/slideLayout24.xml><?xml version="1.0" encoding="utf-8"?>
-<p:sldLayout xmlns:a="http://schemas.openxmlformats.org/drawingml/2006/main" xmlns:p="http://schemas.openxmlformats.org/presentationml/2006/main" xmlns:r="http://schemas.openxmlformats.org/officeDocument/2006/relationships" xmlns:p14="http://schemas.microsoft.com/office/powerpoint/2010/main" xmlns:p15="http://schemas.microsoft.com/office/powerpoint/2012/main" xmlns:mc="http://schemas.openxmlformats.org/markup-compatibility/2006" type="blank" preserve="1">
+<p:sldLayout xmlns:a="http://schemas.openxmlformats.org/drawingml/2006/main" xmlns:r="http://schemas.openxmlformats.org/officeDocument/2006/relationships" xmlns:p="http://schemas.openxmlformats.org/presentationml/2006/main" type="blank" preserve="1">
   <p:cSld name="Title, 6 Content">
     <p:spTree>
       <p:nvGrpSpPr>
@@ -2287,10 +2552,11 @@
           </a:prstGeom>
         </p:spPr>
         <p:txBody>
-          <a:bodyPr lIns="0" rIns="0" tIns="0" bIns="0" anchor="ctr"/>
+          <a:bodyPr lIns="0" tIns="0" rIns="0" bIns="0" anchor="ctr"/>
+          <a:lstStyle/>
           <a:p>
             <a:pPr algn="ctr"/>
-            <a:endParaRPr b="0" lang="en-US" sz="4400" spc="-1" strike="noStrike">
+            <a:endParaRPr lang="en-US" sz="4400" b="0" strike="noStrike" spc="-1">
               <a:latin typeface="Arial"/>
             </a:endParaRPr>
           </a:p>
@@ -2316,11 +2582,12 @@
           </a:prstGeom>
         </p:spPr>
         <p:txBody>
-          <a:bodyPr lIns="0" rIns="0" tIns="0" bIns="0">
+          <a:bodyPr lIns="0" tIns="0" rIns="0" bIns="0">
             <a:normAutofit/>
           </a:bodyPr>
-          <a:p>
-            <a:endParaRPr b="0" lang="en-US" sz="3200" spc="-1" strike="noStrike">
+          <a:lstStyle/>
+          <a:p>
+            <a:endParaRPr lang="en-US" sz="3200" b="0" strike="noStrike" spc="-1">
               <a:latin typeface="Arial"/>
             </a:endParaRPr>
           </a:p>
@@ -2346,11 +2613,12 @@
           </a:prstGeom>
         </p:spPr>
         <p:txBody>
-          <a:bodyPr lIns="0" rIns="0" tIns="0" bIns="0">
+          <a:bodyPr lIns="0" tIns="0" rIns="0" bIns="0">
             <a:normAutofit/>
           </a:bodyPr>
-          <a:p>
-            <a:endParaRPr b="0" lang="en-US" sz="3200" spc="-1" strike="noStrike">
+          <a:lstStyle/>
+          <a:p>
+            <a:endParaRPr lang="en-US" sz="3200" b="0" strike="noStrike" spc="-1">
               <a:latin typeface="Arial"/>
             </a:endParaRPr>
           </a:p>
@@ -2376,11 +2644,12 @@
           </a:prstGeom>
         </p:spPr>
         <p:txBody>
-          <a:bodyPr lIns="0" rIns="0" tIns="0" bIns="0">
+          <a:bodyPr lIns="0" tIns="0" rIns="0" bIns="0">
             <a:normAutofit/>
           </a:bodyPr>
-          <a:p>
-            <a:endParaRPr b="0" lang="en-US" sz="3200" spc="-1" strike="noStrike">
+          <a:lstStyle/>
+          <a:p>
+            <a:endParaRPr lang="en-US" sz="3200" b="0" strike="noStrike" spc="-1">
               <a:latin typeface="Arial"/>
             </a:endParaRPr>
           </a:p>
@@ -2406,11 +2675,12 @@
           </a:prstGeom>
         </p:spPr>
         <p:txBody>
-          <a:bodyPr lIns="0" rIns="0" tIns="0" bIns="0">
+          <a:bodyPr lIns="0" tIns="0" rIns="0" bIns="0">
             <a:normAutofit/>
           </a:bodyPr>
-          <a:p>
-            <a:endParaRPr b="0" lang="en-US" sz="3200" spc="-1" strike="noStrike">
+          <a:lstStyle/>
+          <a:p>
+            <a:endParaRPr lang="en-US" sz="3200" b="0" strike="noStrike" spc="-1">
               <a:latin typeface="Arial"/>
             </a:endParaRPr>
           </a:p>
@@ -2436,11 +2706,12 @@
           </a:prstGeom>
         </p:spPr>
         <p:txBody>
-          <a:bodyPr lIns="0" rIns="0" tIns="0" bIns="0">
+          <a:bodyPr lIns="0" tIns="0" rIns="0" bIns="0">
             <a:normAutofit/>
           </a:bodyPr>
-          <a:p>
-            <a:endParaRPr b="0" lang="en-US" sz="3200" spc="-1" strike="noStrike">
+          <a:lstStyle/>
+          <a:p>
+            <a:endParaRPr lang="en-US" sz="3200" b="0" strike="noStrike" spc="-1">
               <a:latin typeface="Arial"/>
             </a:endParaRPr>
           </a:p>
@@ -2466,11 +2737,12 @@
           </a:prstGeom>
         </p:spPr>
         <p:txBody>
-          <a:bodyPr lIns="0" rIns="0" tIns="0" bIns="0">
+          <a:bodyPr lIns="0" tIns="0" rIns="0" bIns="0">
             <a:normAutofit/>
           </a:bodyPr>
-          <a:p>
-            <a:endParaRPr b="0" lang="en-US" sz="3200" spc="-1" strike="noStrike">
+          <a:lstStyle/>
+          <a:p>
+            <a:endParaRPr lang="en-US" sz="3200" b="0" strike="noStrike" spc="-1">
               <a:latin typeface="Arial"/>
             </a:endParaRPr>
           </a:p>
@@ -2478,11 +2750,14 @@
       </p:sp>
     </p:spTree>
   </p:cSld>
+  <p:clrMapOvr>
+    <a:masterClrMapping/>
+  </p:clrMapOvr>
 </p:sldLayout>
 </file>
 
 <file path=ppt/slideLayouts/slideLayout3.xml><?xml version="1.0" encoding="utf-8"?>
-<p:sldLayout xmlns:a="http://schemas.openxmlformats.org/drawingml/2006/main" xmlns:p="http://schemas.openxmlformats.org/presentationml/2006/main" xmlns:r="http://schemas.openxmlformats.org/officeDocument/2006/relationships" xmlns:p14="http://schemas.microsoft.com/office/powerpoint/2010/main" xmlns:p15="http://schemas.microsoft.com/office/powerpoint/2012/main" xmlns:mc="http://schemas.openxmlformats.org/markup-compatibility/2006" type="obj" preserve="1">
+<p:sldLayout xmlns:a="http://schemas.openxmlformats.org/drawingml/2006/main" xmlns:r="http://schemas.openxmlformats.org/officeDocument/2006/relationships" xmlns:p="http://schemas.openxmlformats.org/presentationml/2006/main" type="obj" preserve="1">
   <p:cSld name="Title, Content">
     <p:spTree>
       <p:nvGrpSpPr>
@@ -2518,10 +2793,11 @@
           </a:prstGeom>
         </p:spPr>
         <p:txBody>
-          <a:bodyPr lIns="0" rIns="0" tIns="0" bIns="0" anchor="ctr"/>
+          <a:bodyPr lIns="0" tIns="0" rIns="0" bIns="0" anchor="ctr"/>
+          <a:lstStyle/>
           <a:p>
             <a:pPr algn="ctr"/>
-            <a:endParaRPr b="0" lang="en-US" sz="4400" spc="-1" strike="noStrike">
+            <a:endParaRPr lang="en-US" sz="4400" b="0" strike="noStrike" spc="-1">
               <a:latin typeface="Arial"/>
             </a:endParaRPr>
           </a:p>
@@ -2547,11 +2823,12 @@
           </a:prstGeom>
         </p:spPr>
         <p:txBody>
-          <a:bodyPr lIns="0" rIns="0" tIns="0" bIns="0">
+          <a:bodyPr lIns="0" tIns="0" rIns="0" bIns="0">
             <a:normAutofit/>
           </a:bodyPr>
-          <a:p>
-            <a:endParaRPr b="0" lang="en-US" sz="3200" spc="-1" strike="noStrike">
+          <a:lstStyle/>
+          <a:p>
+            <a:endParaRPr lang="en-US" sz="3200" b="0" strike="noStrike" spc="-1">
               <a:latin typeface="Arial"/>
             </a:endParaRPr>
           </a:p>
@@ -2559,11 +2836,14 @@
       </p:sp>
     </p:spTree>
   </p:cSld>
+  <p:clrMapOvr>
+    <a:masterClrMapping/>
+  </p:clrMapOvr>
 </p:sldLayout>
 </file>
 
 <file path=ppt/slideLayouts/slideLayout4.xml><?xml version="1.0" encoding="utf-8"?>
-<p:sldLayout xmlns:a="http://schemas.openxmlformats.org/drawingml/2006/main" xmlns:p="http://schemas.openxmlformats.org/presentationml/2006/main" xmlns:r="http://schemas.openxmlformats.org/officeDocument/2006/relationships" xmlns:p14="http://schemas.microsoft.com/office/powerpoint/2010/main" xmlns:p15="http://schemas.microsoft.com/office/powerpoint/2012/main" xmlns:mc="http://schemas.openxmlformats.org/markup-compatibility/2006" type="twoObj" preserve="1">
+<p:sldLayout xmlns:a="http://schemas.openxmlformats.org/drawingml/2006/main" xmlns:r="http://schemas.openxmlformats.org/officeDocument/2006/relationships" xmlns:p="http://schemas.openxmlformats.org/presentationml/2006/main" type="twoObj" preserve="1">
   <p:cSld name="Title, 2 Content">
     <p:spTree>
       <p:nvGrpSpPr>
@@ -2599,10 +2879,11 @@
           </a:prstGeom>
         </p:spPr>
         <p:txBody>
-          <a:bodyPr lIns="0" rIns="0" tIns="0" bIns="0" anchor="ctr"/>
+          <a:bodyPr lIns="0" tIns="0" rIns="0" bIns="0" anchor="ctr"/>
+          <a:lstStyle/>
           <a:p>
             <a:pPr algn="ctr"/>
-            <a:endParaRPr b="0" lang="en-US" sz="4400" spc="-1" strike="noStrike">
+            <a:endParaRPr lang="en-US" sz="4400" b="0" strike="noStrike" spc="-1">
               <a:latin typeface="Arial"/>
             </a:endParaRPr>
           </a:p>
@@ -2628,11 +2909,12 @@
           </a:prstGeom>
         </p:spPr>
         <p:txBody>
-          <a:bodyPr lIns="0" rIns="0" tIns="0" bIns="0">
+          <a:bodyPr lIns="0" tIns="0" rIns="0" bIns="0">
             <a:normAutofit/>
           </a:bodyPr>
-          <a:p>
-            <a:endParaRPr b="0" lang="en-US" sz="3200" spc="-1" strike="noStrike">
+          <a:lstStyle/>
+          <a:p>
+            <a:endParaRPr lang="en-US" sz="3200" b="0" strike="noStrike" spc="-1">
               <a:latin typeface="Arial"/>
             </a:endParaRPr>
           </a:p>
@@ -2658,11 +2940,12 @@
           </a:prstGeom>
         </p:spPr>
         <p:txBody>
-          <a:bodyPr lIns="0" rIns="0" tIns="0" bIns="0">
+          <a:bodyPr lIns="0" tIns="0" rIns="0" bIns="0">
             <a:normAutofit/>
           </a:bodyPr>
-          <a:p>
-            <a:endParaRPr b="0" lang="en-US" sz="3200" spc="-1" strike="noStrike">
+          <a:lstStyle/>
+          <a:p>
+            <a:endParaRPr lang="en-US" sz="3200" b="0" strike="noStrike" spc="-1">
               <a:latin typeface="Arial"/>
             </a:endParaRPr>
           </a:p>
@@ -2670,11 +2953,14 @@
       </p:sp>
     </p:spTree>
   </p:cSld>
+  <p:clrMapOvr>
+    <a:masterClrMapping/>
+  </p:clrMapOvr>
 </p:sldLayout>
 </file>
 
 <file path=ppt/slideLayouts/slideLayout5.xml><?xml version="1.0" encoding="utf-8"?>
-<p:sldLayout xmlns:a="http://schemas.openxmlformats.org/drawingml/2006/main" xmlns:p="http://schemas.openxmlformats.org/presentationml/2006/main" xmlns:r="http://schemas.openxmlformats.org/officeDocument/2006/relationships" xmlns:p14="http://schemas.microsoft.com/office/powerpoint/2010/main" xmlns:p15="http://schemas.microsoft.com/office/powerpoint/2012/main" xmlns:mc="http://schemas.openxmlformats.org/markup-compatibility/2006" type="titleOnly" preserve="1">
+<p:sldLayout xmlns:a="http://schemas.openxmlformats.org/drawingml/2006/main" xmlns:r="http://schemas.openxmlformats.org/officeDocument/2006/relationships" xmlns:p="http://schemas.openxmlformats.org/presentationml/2006/main" type="titleOnly" preserve="1">
   <p:cSld name="Title Only">
     <p:spTree>
       <p:nvGrpSpPr>
@@ -2710,10 +2996,11 @@
           </a:prstGeom>
         </p:spPr>
         <p:txBody>
-          <a:bodyPr lIns="0" rIns="0" tIns="0" bIns="0" anchor="ctr"/>
+          <a:bodyPr lIns="0" tIns="0" rIns="0" bIns="0" anchor="ctr"/>
+          <a:lstStyle/>
           <a:p>
             <a:pPr algn="ctr"/>
-            <a:endParaRPr b="0" lang="en-US" sz="4400" spc="-1" strike="noStrike">
+            <a:endParaRPr lang="en-US" sz="4400" b="0" strike="noStrike" spc="-1">
               <a:latin typeface="Arial"/>
             </a:endParaRPr>
           </a:p>
@@ -2721,11 +3008,14 @@
       </p:sp>
     </p:spTree>
   </p:cSld>
+  <p:clrMapOvr>
+    <a:masterClrMapping/>
+  </p:clrMapOvr>
 </p:sldLayout>
 </file>
 
 <file path=ppt/slideLayouts/slideLayout6.xml><?xml version="1.0" encoding="utf-8"?>
-<p:sldLayout xmlns:a="http://schemas.openxmlformats.org/drawingml/2006/main" xmlns:p="http://schemas.openxmlformats.org/presentationml/2006/main" xmlns:r="http://schemas.openxmlformats.org/officeDocument/2006/relationships" xmlns:p14="http://schemas.microsoft.com/office/powerpoint/2010/main" xmlns:p15="http://schemas.microsoft.com/office/powerpoint/2012/main" xmlns:mc="http://schemas.openxmlformats.org/markup-compatibility/2006" type="objOnly" preserve="1">
+<p:sldLayout xmlns:a="http://schemas.openxmlformats.org/drawingml/2006/main" xmlns:r="http://schemas.openxmlformats.org/officeDocument/2006/relationships" xmlns:p="http://schemas.openxmlformats.org/presentationml/2006/main" type="objOnly" preserve="1">
   <p:cSld name="Centered Text">
     <p:spTree>
       <p:nvGrpSpPr>
@@ -2761,10 +3051,11 @@
           </a:prstGeom>
         </p:spPr>
         <p:txBody>
-          <a:bodyPr lIns="0" rIns="0" tIns="0" bIns="0" anchor="ctr"/>
+          <a:bodyPr lIns="0" tIns="0" rIns="0" bIns="0" anchor="ctr"/>
+          <a:lstStyle/>
           <a:p>
             <a:pPr algn="ctr"/>
-            <a:endParaRPr b="0" lang="en-US" sz="3200" spc="-1" strike="noStrike">
+            <a:endParaRPr lang="en-US" sz="3200" b="0" strike="noStrike" spc="-1">
               <a:latin typeface="Arial"/>
             </a:endParaRPr>
           </a:p>
@@ -2772,11 +3063,14 @@
       </p:sp>
     </p:spTree>
   </p:cSld>
+  <p:clrMapOvr>
+    <a:masterClrMapping/>
+  </p:clrMapOvr>
 </p:sldLayout>
 </file>
 
 <file path=ppt/slideLayouts/slideLayout7.xml><?xml version="1.0" encoding="utf-8"?>
-<p:sldLayout xmlns:a="http://schemas.openxmlformats.org/drawingml/2006/main" xmlns:p="http://schemas.openxmlformats.org/presentationml/2006/main" xmlns:r="http://schemas.openxmlformats.org/officeDocument/2006/relationships" xmlns:p14="http://schemas.microsoft.com/office/powerpoint/2010/main" xmlns:p15="http://schemas.microsoft.com/office/powerpoint/2012/main" xmlns:mc="http://schemas.openxmlformats.org/markup-compatibility/2006" type="twoObjAndObj" preserve="1">
+<p:sldLayout xmlns:a="http://schemas.openxmlformats.org/drawingml/2006/main" xmlns:r="http://schemas.openxmlformats.org/officeDocument/2006/relationships" xmlns:p="http://schemas.openxmlformats.org/presentationml/2006/main" type="twoObjAndObj" preserve="1">
   <p:cSld name="Title, 2 Content and Content">
     <p:spTree>
       <p:nvGrpSpPr>
@@ -2812,10 +3106,11 @@
           </a:prstGeom>
         </p:spPr>
         <p:txBody>
-          <a:bodyPr lIns="0" rIns="0" tIns="0" bIns="0" anchor="ctr"/>
+          <a:bodyPr lIns="0" tIns="0" rIns="0" bIns="0" anchor="ctr"/>
+          <a:lstStyle/>
           <a:p>
             <a:pPr algn="ctr"/>
-            <a:endParaRPr b="0" lang="en-US" sz="4400" spc="-1" strike="noStrike">
+            <a:endParaRPr lang="en-US" sz="4400" b="0" strike="noStrike" spc="-1">
               <a:latin typeface="Arial"/>
             </a:endParaRPr>
           </a:p>
@@ -2841,11 +3136,12 @@
           </a:prstGeom>
         </p:spPr>
         <p:txBody>
-          <a:bodyPr lIns="0" rIns="0" tIns="0" bIns="0">
+          <a:bodyPr lIns="0" tIns="0" rIns="0" bIns="0">
             <a:normAutofit/>
           </a:bodyPr>
-          <a:p>
-            <a:endParaRPr b="0" lang="en-US" sz="3200" spc="-1" strike="noStrike">
+          <a:lstStyle/>
+          <a:p>
+            <a:endParaRPr lang="en-US" sz="3200" b="0" strike="noStrike" spc="-1">
               <a:latin typeface="Arial"/>
             </a:endParaRPr>
           </a:p>
@@ -2871,11 +3167,12 @@
           </a:prstGeom>
         </p:spPr>
         <p:txBody>
-          <a:bodyPr lIns="0" rIns="0" tIns="0" bIns="0">
+          <a:bodyPr lIns="0" tIns="0" rIns="0" bIns="0">
             <a:normAutofit/>
           </a:bodyPr>
-          <a:p>
-            <a:endParaRPr b="0" lang="en-US" sz="3200" spc="-1" strike="noStrike">
+          <a:lstStyle/>
+          <a:p>
+            <a:endParaRPr lang="en-US" sz="3200" b="0" strike="noStrike" spc="-1">
               <a:latin typeface="Arial"/>
             </a:endParaRPr>
           </a:p>
@@ -2901,11 +3198,12 @@
           </a:prstGeom>
         </p:spPr>
         <p:txBody>
-          <a:bodyPr lIns="0" rIns="0" tIns="0" bIns="0">
+          <a:bodyPr lIns="0" tIns="0" rIns="0" bIns="0">
             <a:normAutofit/>
           </a:bodyPr>
-          <a:p>
-            <a:endParaRPr b="0" lang="en-US" sz="3200" spc="-1" strike="noStrike">
+          <a:lstStyle/>
+          <a:p>
+            <a:endParaRPr lang="en-US" sz="3200" b="0" strike="noStrike" spc="-1">
               <a:latin typeface="Arial"/>
             </a:endParaRPr>
           </a:p>
@@ -2913,11 +3211,14 @@
       </p:sp>
     </p:spTree>
   </p:cSld>
+  <p:clrMapOvr>
+    <a:masterClrMapping/>
+  </p:clrMapOvr>
 </p:sldLayout>
 </file>
 
 <file path=ppt/slideLayouts/slideLayout8.xml><?xml version="1.0" encoding="utf-8"?>
-<p:sldLayout xmlns:a="http://schemas.openxmlformats.org/drawingml/2006/main" xmlns:p="http://schemas.openxmlformats.org/presentationml/2006/main" xmlns:r="http://schemas.openxmlformats.org/officeDocument/2006/relationships" xmlns:p14="http://schemas.microsoft.com/office/powerpoint/2010/main" xmlns:p15="http://schemas.microsoft.com/office/powerpoint/2012/main" xmlns:mc="http://schemas.openxmlformats.org/markup-compatibility/2006" type="objAndTwoObj" preserve="1">
+<p:sldLayout xmlns:a="http://schemas.openxmlformats.org/drawingml/2006/main" xmlns:r="http://schemas.openxmlformats.org/officeDocument/2006/relationships" xmlns:p="http://schemas.openxmlformats.org/presentationml/2006/main" type="objAndTwoObj" preserve="1">
   <p:cSld name="Title Content and 2 Content">
     <p:spTree>
       <p:nvGrpSpPr>
@@ -2953,10 +3254,11 @@
           </a:prstGeom>
         </p:spPr>
         <p:txBody>
-          <a:bodyPr lIns="0" rIns="0" tIns="0" bIns="0" anchor="ctr"/>
+          <a:bodyPr lIns="0" tIns="0" rIns="0" bIns="0" anchor="ctr"/>
+          <a:lstStyle/>
           <a:p>
             <a:pPr algn="ctr"/>
-            <a:endParaRPr b="0" lang="en-US" sz="4400" spc="-1" strike="noStrike">
+            <a:endParaRPr lang="en-US" sz="4400" b="0" strike="noStrike" spc="-1">
               <a:latin typeface="Arial"/>
             </a:endParaRPr>
           </a:p>
@@ -2982,11 +3284,12 @@
           </a:prstGeom>
         </p:spPr>
         <p:txBody>
-          <a:bodyPr lIns="0" rIns="0" tIns="0" bIns="0">
+          <a:bodyPr lIns="0" tIns="0" rIns="0" bIns="0">
             <a:normAutofit/>
           </a:bodyPr>
-          <a:p>
-            <a:endParaRPr b="0" lang="en-US" sz="3200" spc="-1" strike="noStrike">
+          <a:lstStyle/>
+          <a:p>
+            <a:endParaRPr lang="en-US" sz="3200" b="0" strike="noStrike" spc="-1">
               <a:latin typeface="Arial"/>
             </a:endParaRPr>
           </a:p>
@@ -3012,11 +3315,12 @@
           </a:prstGeom>
         </p:spPr>
         <p:txBody>
-          <a:bodyPr lIns="0" rIns="0" tIns="0" bIns="0">
+          <a:bodyPr lIns="0" tIns="0" rIns="0" bIns="0">
             <a:normAutofit/>
           </a:bodyPr>
-          <a:p>
-            <a:endParaRPr b="0" lang="en-US" sz="3200" spc="-1" strike="noStrike">
+          <a:lstStyle/>
+          <a:p>
+            <a:endParaRPr lang="en-US" sz="3200" b="0" strike="noStrike" spc="-1">
               <a:latin typeface="Arial"/>
             </a:endParaRPr>
           </a:p>
@@ -3042,11 +3346,12 @@
           </a:prstGeom>
         </p:spPr>
         <p:txBody>
-          <a:bodyPr lIns="0" rIns="0" tIns="0" bIns="0">
+          <a:bodyPr lIns="0" tIns="0" rIns="0" bIns="0">
             <a:normAutofit/>
           </a:bodyPr>
-          <a:p>
-            <a:endParaRPr b="0" lang="en-US" sz="3200" spc="-1" strike="noStrike">
+          <a:lstStyle/>
+          <a:p>
+            <a:endParaRPr lang="en-US" sz="3200" b="0" strike="noStrike" spc="-1">
               <a:latin typeface="Arial"/>
             </a:endParaRPr>
           </a:p>
@@ -3054,11 +3359,14 @@
       </p:sp>
     </p:spTree>
   </p:cSld>
+  <p:clrMapOvr>
+    <a:masterClrMapping/>
+  </p:clrMapOvr>
 </p:sldLayout>
 </file>
 
 <file path=ppt/slideLayouts/slideLayout9.xml><?xml version="1.0" encoding="utf-8"?>
-<p:sldLayout xmlns:a="http://schemas.openxmlformats.org/drawingml/2006/main" xmlns:p="http://schemas.openxmlformats.org/presentationml/2006/main" xmlns:r="http://schemas.openxmlformats.org/officeDocument/2006/relationships" xmlns:p14="http://schemas.microsoft.com/office/powerpoint/2010/main" xmlns:p15="http://schemas.microsoft.com/office/powerpoint/2012/main" xmlns:mc="http://schemas.openxmlformats.org/markup-compatibility/2006" type="twoObjOverTx" preserve="1">
+<p:sldLayout xmlns:a="http://schemas.openxmlformats.org/drawingml/2006/main" xmlns:r="http://schemas.openxmlformats.org/officeDocument/2006/relationships" xmlns:p="http://schemas.openxmlformats.org/presentationml/2006/main" type="twoObjOverTx" preserve="1">
   <p:cSld name="Title, 2 Content over Content">
     <p:spTree>
       <p:nvGrpSpPr>
@@ -3094,10 +3402,11 @@
           </a:prstGeom>
         </p:spPr>
         <p:txBody>
-          <a:bodyPr lIns="0" rIns="0" tIns="0" bIns="0" anchor="ctr"/>
+          <a:bodyPr lIns="0" tIns="0" rIns="0" bIns="0" anchor="ctr"/>
+          <a:lstStyle/>
           <a:p>
             <a:pPr algn="ctr"/>
-            <a:endParaRPr b="0" lang="en-US" sz="4400" spc="-1" strike="noStrike">
+            <a:endParaRPr lang="en-US" sz="4400" b="0" strike="noStrike" spc="-1">
               <a:latin typeface="Arial"/>
             </a:endParaRPr>
           </a:p>
@@ -3123,11 +3432,12 @@
           </a:prstGeom>
         </p:spPr>
         <p:txBody>
-          <a:bodyPr lIns="0" rIns="0" tIns="0" bIns="0">
+          <a:bodyPr lIns="0" tIns="0" rIns="0" bIns="0">
             <a:normAutofit/>
           </a:bodyPr>
-          <a:p>
-            <a:endParaRPr b="0" lang="en-US" sz="3200" spc="-1" strike="noStrike">
+          <a:lstStyle/>
+          <a:p>
+            <a:endParaRPr lang="en-US" sz="3200" b="0" strike="noStrike" spc="-1">
               <a:latin typeface="Arial"/>
             </a:endParaRPr>
           </a:p>
@@ -3153,11 +3463,12 @@
           </a:prstGeom>
         </p:spPr>
         <p:txBody>
-          <a:bodyPr lIns="0" rIns="0" tIns="0" bIns="0">
+          <a:bodyPr lIns="0" tIns="0" rIns="0" bIns="0">
             <a:normAutofit/>
           </a:bodyPr>
-          <a:p>
-            <a:endParaRPr b="0" lang="en-US" sz="3200" spc="-1" strike="noStrike">
+          <a:lstStyle/>
+          <a:p>
+            <a:endParaRPr lang="en-US" sz="3200" b="0" strike="noStrike" spc="-1">
               <a:latin typeface="Arial"/>
             </a:endParaRPr>
           </a:p>
@@ -3183,11 +3494,12 @@
           </a:prstGeom>
         </p:spPr>
         <p:txBody>
-          <a:bodyPr lIns="0" rIns="0" tIns="0" bIns="0">
+          <a:bodyPr lIns="0" tIns="0" rIns="0" bIns="0">
             <a:normAutofit/>
           </a:bodyPr>
-          <a:p>
-            <a:endParaRPr b="0" lang="en-US" sz="3200" spc="-1" strike="noStrike">
+          <a:lstStyle/>
+          <a:p>
+            <a:endParaRPr lang="en-US" sz="3200" b="0" strike="noStrike" spc="-1">
               <a:latin typeface="Arial"/>
             </a:endParaRPr>
           </a:p>
@@ -3195,17 +3507,21 @@
       </p:sp>
     </p:spTree>
   </p:cSld>
+  <p:clrMapOvr>
+    <a:masterClrMapping/>
+  </p:clrMapOvr>
 </p:sldLayout>
 </file>
 
 <file path=ppt/slideMasters/slideMaster1.xml><?xml version="1.0" encoding="utf-8"?>
-<p:sldMaster xmlns:a="http://schemas.openxmlformats.org/drawingml/2006/main" xmlns:p="http://schemas.openxmlformats.org/presentationml/2006/main" xmlns:r="http://schemas.openxmlformats.org/officeDocument/2006/relationships" xmlns:p14="http://schemas.microsoft.com/office/powerpoint/2010/main" xmlns:p15="http://schemas.microsoft.com/office/powerpoint/2012/main" xmlns:mc="http://schemas.openxmlformats.org/markup-compatibility/2006">
+<p:sldMaster xmlns:a="http://schemas.openxmlformats.org/drawingml/2006/main" xmlns:r="http://schemas.openxmlformats.org/officeDocument/2006/relationships" xmlns:p="http://schemas.openxmlformats.org/presentationml/2006/main">
   <p:cSld>
     <p:bg>
       <p:bgPr>
         <a:solidFill>
-          <a:srgbClr val="f2f2f2"/>
+          <a:srgbClr val="F2F2F2"/>
         </a:solidFill>
+        <a:effectLst/>
       </p:bgPr>
     </p:bg>
     <p:spTree>
@@ -3224,7 +3540,7 @@
       </p:grpSpPr>
       <p:sp>
         <p:nvSpPr>
-          <p:cNvPr id="0" name="PlaceHolder 1"/>
+          <p:cNvPr id="2" name="PlaceHolder 1"/>
           <p:cNvSpPr>
             <a:spLocks noGrp="1"/>
           </p:cNvSpPr>
@@ -3242,24 +3558,22 @@
           </a:prstGeom>
         </p:spPr>
         <p:txBody>
-          <a:bodyPr lIns="0" rIns="0" tIns="0" bIns="0" anchor="ctr"/>
+          <a:bodyPr lIns="0" tIns="0" rIns="0" bIns="0" anchor="ctr"/>
+          <a:lstStyle/>
           <a:p>
             <a:pPr algn="ctr"/>
             <a:r>
-              <a:rPr b="0" lang="en-US" sz="4400" spc="-1" strike="noStrike">
+              <a:rPr lang="en-US" sz="4400" b="0" strike="noStrike" spc="-1">
                 <a:latin typeface="Arial"/>
               </a:rPr>
               <a:t>Click to edit the title text format</a:t>
             </a:r>
-            <a:endParaRPr b="0" lang="en-US" sz="4400" spc="-1" strike="noStrike">
-              <a:latin typeface="Arial"/>
-            </a:endParaRPr>
-          </a:p>
-        </p:txBody>
-      </p:sp>
-      <p:sp>
-        <p:nvSpPr>
-          <p:cNvPr id="1" name="PlaceHolder 2"/>
+          </a:p>
+        </p:txBody>
+      </p:sp>
+      <p:sp>
+        <p:nvSpPr>
+          <p:cNvPr id="3" name="PlaceHolder 2"/>
           <p:cNvSpPr>
             <a:spLocks noGrp="1"/>
           </p:cNvSpPr>
@@ -3277,9 +3591,10 @@
           </a:prstGeom>
         </p:spPr>
         <p:txBody>
-          <a:bodyPr lIns="0" rIns="0" tIns="0" bIns="0">
+          <a:bodyPr lIns="0" tIns="0" rIns="0" bIns="0">
             <a:normAutofit/>
           </a:bodyPr>
+          <a:lstStyle/>
           <a:p>
             <a:pPr marL="432000" indent="-324000">
               <a:spcBef>
@@ -3293,17 +3608,14 @@
               <a:buChar char=""/>
             </a:pPr>
             <a:r>
-              <a:rPr b="0" lang="en-US" sz="3200" spc="-1" strike="noStrike">
+              <a:rPr lang="en-US" sz="3200" b="0" strike="noStrike" spc="-1">
                 <a:latin typeface="Arial"/>
               </a:rPr>
               <a:t>Click to edit the outline text format</a:t>
             </a:r>
-            <a:endParaRPr b="0" lang="en-US" sz="3200" spc="-1" strike="noStrike">
-              <a:latin typeface="Arial"/>
-            </a:endParaRPr>
-          </a:p>
-          <a:p>
-            <a:pPr lvl="1" marL="864000" indent="-324000">
+          </a:p>
+          <a:p>
+            <a:pPr marL="864000" lvl="1" indent="-324000">
               <a:spcBef>
                 <a:spcPts val="1134"/>
               </a:spcBef>
@@ -3315,17 +3627,14 @@
               <a:buChar char=""/>
             </a:pPr>
             <a:r>
-              <a:rPr b="0" lang="en-US" sz="2800" spc="-1" strike="noStrike">
+              <a:rPr lang="en-US" sz="2800" b="0" strike="noStrike" spc="-1">
                 <a:latin typeface="Arial"/>
               </a:rPr>
               <a:t>Second Outline Level</a:t>
             </a:r>
-            <a:endParaRPr b="0" lang="en-US" sz="2800" spc="-1" strike="noStrike">
-              <a:latin typeface="Arial"/>
-            </a:endParaRPr>
-          </a:p>
-          <a:p>
-            <a:pPr lvl="2" marL="1296000" indent="-288000">
+          </a:p>
+          <a:p>
+            <a:pPr marL="1296000" lvl="2" indent="-288000">
               <a:spcBef>
                 <a:spcPts val="850"/>
               </a:spcBef>
@@ -3337,17 +3646,14 @@
               <a:buChar char=""/>
             </a:pPr>
             <a:r>
-              <a:rPr b="0" lang="en-US" sz="2400" spc="-1" strike="noStrike">
+              <a:rPr lang="en-US" sz="2400" b="0" strike="noStrike" spc="-1">
                 <a:latin typeface="Arial"/>
               </a:rPr>
               <a:t>Third Outline Level</a:t>
             </a:r>
-            <a:endParaRPr b="0" lang="en-US" sz="2400" spc="-1" strike="noStrike">
-              <a:latin typeface="Arial"/>
-            </a:endParaRPr>
-          </a:p>
-          <a:p>
-            <a:pPr lvl="3" marL="1728000" indent="-216000">
+          </a:p>
+          <a:p>
+            <a:pPr marL="1728000" lvl="3" indent="-216000">
               <a:spcBef>
                 <a:spcPts val="567"/>
               </a:spcBef>
@@ -3359,17 +3665,14 @@
               <a:buChar char=""/>
             </a:pPr>
             <a:r>
-              <a:rPr b="0" lang="en-US" sz="2000" spc="-1" strike="noStrike">
+              <a:rPr lang="en-US" sz="2000" b="0" strike="noStrike" spc="-1">
                 <a:latin typeface="Arial"/>
               </a:rPr>
               <a:t>Fourth Outline Level</a:t>
             </a:r>
-            <a:endParaRPr b="0" lang="en-US" sz="2000" spc="-1" strike="noStrike">
-              <a:latin typeface="Arial"/>
-            </a:endParaRPr>
-          </a:p>
-          <a:p>
-            <a:pPr lvl="4" marL="2160000" indent="-216000">
+          </a:p>
+          <a:p>
+            <a:pPr marL="2160000" lvl="4" indent="-216000">
               <a:spcBef>
                 <a:spcPts val="283"/>
               </a:spcBef>
@@ -3381,17 +3684,14 @@
               <a:buChar char=""/>
             </a:pPr>
             <a:r>
-              <a:rPr b="0" lang="en-US" sz="2000" spc="-1" strike="noStrike">
+              <a:rPr lang="en-US" sz="2000" b="0" strike="noStrike" spc="-1">
                 <a:latin typeface="Arial"/>
               </a:rPr>
               <a:t>Fifth Outline Level</a:t>
             </a:r>
-            <a:endParaRPr b="0" lang="en-US" sz="2000" spc="-1" strike="noStrike">
-              <a:latin typeface="Arial"/>
-            </a:endParaRPr>
-          </a:p>
-          <a:p>
-            <a:pPr lvl="5" marL="2592000" indent="-216000">
+          </a:p>
+          <a:p>
+            <a:pPr marL="2592000" lvl="5" indent="-216000">
               <a:spcBef>
                 <a:spcPts val="283"/>
               </a:spcBef>
@@ -3403,17 +3703,14 @@
               <a:buChar char=""/>
             </a:pPr>
             <a:r>
-              <a:rPr b="0" lang="en-US" sz="2000" spc="-1" strike="noStrike">
+              <a:rPr lang="en-US" sz="2000" b="0" strike="noStrike" spc="-1">
                 <a:latin typeface="Arial"/>
               </a:rPr>
               <a:t>Sixth Outline Level</a:t>
             </a:r>
-            <a:endParaRPr b="0" lang="en-US" sz="2000" spc="-1" strike="noStrike">
-              <a:latin typeface="Arial"/>
-            </a:endParaRPr>
-          </a:p>
-          <a:p>
-            <a:pPr lvl="6" marL="3024000" indent="-216000">
+          </a:p>
+          <a:p>
+            <a:pPr marL="3024000" lvl="6" indent="-216000">
               <a:spcBef>
                 <a:spcPts val="283"/>
               </a:spcBef>
@@ -3425,45 +3722,323 @@
               <a:buChar char=""/>
             </a:pPr>
             <a:r>
-              <a:rPr b="0" lang="en-US" sz="2000" spc="-1" strike="noStrike">
+              <a:rPr lang="en-US" sz="2000" b="0" strike="noStrike" spc="-1">
                 <a:latin typeface="Arial"/>
               </a:rPr>
               <a:t>Seventh Outline Level</a:t>
             </a:r>
-            <a:endParaRPr b="0" lang="en-US" sz="2000" spc="-1" strike="noStrike">
-              <a:latin typeface="Arial"/>
-            </a:endParaRPr>
           </a:p>
         </p:txBody>
       </p:sp>
     </p:spTree>
   </p:cSld>
-  <p:clrMap bg1="lt1" bg2="lt2" tx1="dk1" tx2="dk2" accent1="accent1" accent2="accent2" accent3="accent3" accent4="accent4" accent5="accent5" accent6="accent6" hlink="hlink" folHlink="folHlink"/>
+  <p:clrMap bg1="lt1" tx1="dk1" bg2="lt2" tx2="dk2" accent1="accent1" accent2="accent2" accent3="accent3" accent4="accent4" accent5="accent5" accent6="accent6" hlink="hlink" folHlink="folHlink"/>
   <p:sldLayoutIdLst>
-    <p:sldLayoutId id="2147483649" r:id="rId2"/>
-    <p:sldLayoutId id="2147483650" r:id="rId3"/>
-    <p:sldLayoutId id="2147483651" r:id="rId4"/>
-    <p:sldLayoutId id="2147483652" r:id="rId5"/>
-    <p:sldLayoutId id="2147483653" r:id="rId6"/>
-    <p:sldLayoutId id="2147483654" r:id="rId7"/>
-    <p:sldLayoutId id="2147483655" r:id="rId8"/>
-    <p:sldLayoutId id="2147483656" r:id="rId9"/>
-    <p:sldLayoutId id="2147483657" r:id="rId10"/>
-    <p:sldLayoutId id="2147483658" r:id="rId11"/>
-    <p:sldLayoutId id="2147483659" r:id="rId12"/>
-    <p:sldLayoutId id="2147483660" r:id="rId13"/>
+    <p:sldLayoutId id="2147483649" r:id="rId1"/>
+    <p:sldLayoutId id="2147483650" r:id="rId2"/>
+    <p:sldLayoutId id="2147483651" r:id="rId3"/>
+    <p:sldLayoutId id="2147483652" r:id="rId4"/>
+    <p:sldLayoutId id="2147483653" r:id="rId5"/>
+    <p:sldLayoutId id="2147483654" r:id="rId6"/>
+    <p:sldLayoutId id="2147483655" r:id="rId7"/>
+    <p:sldLayoutId id="2147483656" r:id="rId8"/>
+    <p:sldLayoutId id="2147483657" r:id="rId9"/>
+    <p:sldLayoutId id="2147483658" r:id="rId10"/>
+    <p:sldLayoutId id="2147483659" r:id="rId11"/>
+    <p:sldLayoutId id="2147483660" r:id="rId12"/>
   </p:sldLayoutIdLst>
+  <p:txStyles>
+    <p:titleStyle>
+      <a:lvl1pPr algn="l" defTabSz="914400" rtl="0" eaLnBrk="1" latinLnBrk="0" hangingPunct="1">
+        <a:lnSpc>
+          <a:spcPct val="90000"/>
+        </a:lnSpc>
+        <a:spcBef>
+          <a:spcPct val="0"/>
+        </a:spcBef>
+        <a:buNone/>
+        <a:defRPr sz="4400" kern="1200">
+          <a:solidFill>
+            <a:schemeClr val="tx1"/>
+          </a:solidFill>
+          <a:latin typeface="+mj-lt"/>
+          <a:ea typeface="+mj-ea"/>
+          <a:cs typeface="+mj-cs"/>
+        </a:defRPr>
+      </a:lvl1pPr>
+    </p:titleStyle>
+    <p:bodyStyle>
+      <a:lvl1pPr marL="228600" indent="-228600" algn="l" defTabSz="914400" rtl="0" eaLnBrk="1" latinLnBrk="0" hangingPunct="1">
+        <a:lnSpc>
+          <a:spcPct val="90000"/>
+        </a:lnSpc>
+        <a:spcBef>
+          <a:spcPts val="1000"/>
+        </a:spcBef>
+        <a:buFont typeface="Arial" panose="020B0604020202020204" pitchFamily="34" charset="0"/>
+        <a:buChar char="•"/>
+        <a:defRPr sz="2800" kern="1200">
+          <a:solidFill>
+            <a:schemeClr val="tx1"/>
+          </a:solidFill>
+          <a:latin typeface="+mn-lt"/>
+          <a:ea typeface="+mn-ea"/>
+          <a:cs typeface="+mn-cs"/>
+        </a:defRPr>
+      </a:lvl1pPr>
+      <a:lvl2pPr marL="685800" indent="-228600" algn="l" defTabSz="914400" rtl="0" eaLnBrk="1" latinLnBrk="0" hangingPunct="1">
+        <a:lnSpc>
+          <a:spcPct val="90000"/>
+        </a:lnSpc>
+        <a:spcBef>
+          <a:spcPts val="500"/>
+        </a:spcBef>
+        <a:buFont typeface="Arial" panose="020B0604020202020204" pitchFamily="34" charset="0"/>
+        <a:buChar char="•"/>
+        <a:defRPr sz="2400" kern="1200">
+          <a:solidFill>
+            <a:schemeClr val="tx1"/>
+          </a:solidFill>
+          <a:latin typeface="+mn-lt"/>
+          <a:ea typeface="+mn-ea"/>
+          <a:cs typeface="+mn-cs"/>
+        </a:defRPr>
+      </a:lvl2pPr>
+      <a:lvl3pPr marL="1143000" indent="-228600" algn="l" defTabSz="914400" rtl="0" eaLnBrk="1" latinLnBrk="0" hangingPunct="1">
+        <a:lnSpc>
+          <a:spcPct val="90000"/>
+        </a:lnSpc>
+        <a:spcBef>
+          <a:spcPts val="500"/>
+        </a:spcBef>
+        <a:buFont typeface="Arial" panose="020B0604020202020204" pitchFamily="34" charset="0"/>
+        <a:buChar char="•"/>
+        <a:defRPr sz="2000" kern="1200">
+          <a:solidFill>
+            <a:schemeClr val="tx1"/>
+          </a:solidFill>
+          <a:latin typeface="+mn-lt"/>
+          <a:ea typeface="+mn-ea"/>
+          <a:cs typeface="+mn-cs"/>
+        </a:defRPr>
+      </a:lvl3pPr>
+      <a:lvl4pPr marL="1600200" indent="-228600" algn="l" defTabSz="914400" rtl="0" eaLnBrk="1" latinLnBrk="0" hangingPunct="1">
+        <a:lnSpc>
+          <a:spcPct val="90000"/>
+        </a:lnSpc>
+        <a:spcBef>
+          <a:spcPts val="500"/>
+        </a:spcBef>
+        <a:buFont typeface="Arial" panose="020B0604020202020204" pitchFamily="34" charset="0"/>
+        <a:buChar char="•"/>
+        <a:defRPr sz="1800" kern="1200">
+          <a:solidFill>
+            <a:schemeClr val="tx1"/>
+          </a:solidFill>
+          <a:latin typeface="+mn-lt"/>
+          <a:ea typeface="+mn-ea"/>
+          <a:cs typeface="+mn-cs"/>
+        </a:defRPr>
+      </a:lvl4pPr>
+      <a:lvl5pPr marL="2057400" indent="-228600" algn="l" defTabSz="914400" rtl="0" eaLnBrk="1" latinLnBrk="0" hangingPunct="1">
+        <a:lnSpc>
+          <a:spcPct val="90000"/>
+        </a:lnSpc>
+        <a:spcBef>
+          <a:spcPts val="500"/>
+        </a:spcBef>
+        <a:buFont typeface="Arial" panose="020B0604020202020204" pitchFamily="34" charset="0"/>
+        <a:buChar char="•"/>
+        <a:defRPr sz="1800" kern="1200">
+          <a:solidFill>
+            <a:schemeClr val="tx1"/>
+          </a:solidFill>
+          <a:latin typeface="+mn-lt"/>
+          <a:ea typeface="+mn-ea"/>
+          <a:cs typeface="+mn-cs"/>
+        </a:defRPr>
+      </a:lvl5pPr>
+      <a:lvl6pPr marL="2514600" indent="-228600" algn="l" defTabSz="914400" rtl="0" eaLnBrk="1" latinLnBrk="0" hangingPunct="1">
+        <a:lnSpc>
+          <a:spcPct val="90000"/>
+        </a:lnSpc>
+        <a:spcBef>
+          <a:spcPts val="500"/>
+        </a:spcBef>
+        <a:buFont typeface="Arial" panose="020B0604020202020204" pitchFamily="34" charset="0"/>
+        <a:buChar char="•"/>
+        <a:defRPr sz="1800" kern="1200">
+          <a:solidFill>
+            <a:schemeClr val="tx1"/>
+          </a:solidFill>
+          <a:latin typeface="+mn-lt"/>
+          <a:ea typeface="+mn-ea"/>
+          <a:cs typeface="+mn-cs"/>
+        </a:defRPr>
+      </a:lvl6pPr>
+      <a:lvl7pPr marL="2971800" indent="-228600" algn="l" defTabSz="914400" rtl="0" eaLnBrk="1" latinLnBrk="0" hangingPunct="1">
+        <a:lnSpc>
+          <a:spcPct val="90000"/>
+        </a:lnSpc>
+        <a:spcBef>
+          <a:spcPts val="500"/>
+        </a:spcBef>
+        <a:buFont typeface="Arial" panose="020B0604020202020204" pitchFamily="34" charset="0"/>
+        <a:buChar char="•"/>
+        <a:defRPr sz="1800" kern="1200">
+          <a:solidFill>
+            <a:schemeClr val="tx1"/>
+          </a:solidFill>
+          <a:latin typeface="+mn-lt"/>
+          <a:ea typeface="+mn-ea"/>
+          <a:cs typeface="+mn-cs"/>
+        </a:defRPr>
+      </a:lvl7pPr>
+      <a:lvl8pPr marL="3429000" indent="-228600" algn="l" defTabSz="914400" rtl="0" eaLnBrk="1" latinLnBrk="0" hangingPunct="1">
+        <a:lnSpc>
+          <a:spcPct val="90000"/>
+        </a:lnSpc>
+        <a:spcBef>
+          <a:spcPts val="500"/>
+        </a:spcBef>
+        <a:buFont typeface="Arial" panose="020B0604020202020204" pitchFamily="34" charset="0"/>
+        <a:buChar char="•"/>
+        <a:defRPr sz="1800" kern="1200">
+          <a:solidFill>
+            <a:schemeClr val="tx1"/>
+          </a:solidFill>
+          <a:latin typeface="+mn-lt"/>
+          <a:ea typeface="+mn-ea"/>
+          <a:cs typeface="+mn-cs"/>
+        </a:defRPr>
+      </a:lvl8pPr>
+      <a:lvl9pPr marL="3886200" indent="-228600" algn="l" defTabSz="914400" rtl="0" eaLnBrk="1" latinLnBrk="0" hangingPunct="1">
+        <a:lnSpc>
+          <a:spcPct val="90000"/>
+        </a:lnSpc>
+        <a:spcBef>
+          <a:spcPts val="500"/>
+        </a:spcBef>
+        <a:buFont typeface="Arial" panose="020B0604020202020204" pitchFamily="34" charset="0"/>
+        <a:buChar char="•"/>
+        <a:defRPr sz="1800" kern="1200">
+          <a:solidFill>
+            <a:schemeClr val="tx1"/>
+          </a:solidFill>
+          <a:latin typeface="+mn-lt"/>
+          <a:ea typeface="+mn-ea"/>
+          <a:cs typeface="+mn-cs"/>
+        </a:defRPr>
+      </a:lvl9pPr>
+    </p:bodyStyle>
+    <p:otherStyle>
+      <a:defPPr>
+        <a:defRPr lang="en-CH"/>
+      </a:defPPr>
+      <a:lvl1pPr marL="0" algn="l" defTabSz="914400" rtl="0" eaLnBrk="1" latinLnBrk="0" hangingPunct="1">
+        <a:defRPr sz="1800" kern="1200">
+          <a:solidFill>
+            <a:schemeClr val="tx1"/>
+          </a:solidFill>
+          <a:latin typeface="+mn-lt"/>
+          <a:ea typeface="+mn-ea"/>
+          <a:cs typeface="+mn-cs"/>
+        </a:defRPr>
+      </a:lvl1pPr>
+      <a:lvl2pPr marL="457200" algn="l" defTabSz="914400" rtl="0" eaLnBrk="1" latinLnBrk="0" hangingPunct="1">
+        <a:defRPr sz="1800" kern="1200">
+          <a:solidFill>
+            <a:schemeClr val="tx1"/>
+          </a:solidFill>
+          <a:latin typeface="+mn-lt"/>
+          <a:ea typeface="+mn-ea"/>
+          <a:cs typeface="+mn-cs"/>
+        </a:defRPr>
+      </a:lvl2pPr>
+      <a:lvl3pPr marL="914400" algn="l" defTabSz="914400" rtl="0" eaLnBrk="1" latinLnBrk="0" hangingPunct="1">
+        <a:defRPr sz="1800" kern="1200">
+          <a:solidFill>
+            <a:schemeClr val="tx1"/>
+          </a:solidFill>
+          <a:latin typeface="+mn-lt"/>
+          <a:ea typeface="+mn-ea"/>
+          <a:cs typeface="+mn-cs"/>
+        </a:defRPr>
+      </a:lvl3pPr>
+      <a:lvl4pPr marL="1371600" algn="l" defTabSz="914400" rtl="0" eaLnBrk="1" latinLnBrk="0" hangingPunct="1">
+        <a:defRPr sz="1800" kern="1200">
+          <a:solidFill>
+            <a:schemeClr val="tx1"/>
+          </a:solidFill>
+          <a:latin typeface="+mn-lt"/>
+          <a:ea typeface="+mn-ea"/>
+          <a:cs typeface="+mn-cs"/>
+        </a:defRPr>
+      </a:lvl4pPr>
+      <a:lvl5pPr marL="1828800" algn="l" defTabSz="914400" rtl="0" eaLnBrk="1" latinLnBrk="0" hangingPunct="1">
+        <a:defRPr sz="1800" kern="1200">
+          <a:solidFill>
+            <a:schemeClr val="tx1"/>
+          </a:solidFill>
+          <a:latin typeface="+mn-lt"/>
+          <a:ea typeface="+mn-ea"/>
+          <a:cs typeface="+mn-cs"/>
+        </a:defRPr>
+      </a:lvl5pPr>
+      <a:lvl6pPr marL="2286000" algn="l" defTabSz="914400" rtl="0" eaLnBrk="1" latinLnBrk="0" hangingPunct="1">
+        <a:defRPr sz="1800" kern="1200">
+          <a:solidFill>
+            <a:schemeClr val="tx1"/>
+          </a:solidFill>
+          <a:latin typeface="+mn-lt"/>
+          <a:ea typeface="+mn-ea"/>
+          <a:cs typeface="+mn-cs"/>
+        </a:defRPr>
+      </a:lvl6pPr>
+      <a:lvl7pPr marL="2743200" algn="l" defTabSz="914400" rtl="0" eaLnBrk="1" latinLnBrk="0" hangingPunct="1">
+        <a:defRPr sz="1800" kern="1200">
+          <a:solidFill>
+            <a:schemeClr val="tx1"/>
+          </a:solidFill>
+          <a:latin typeface="+mn-lt"/>
+          <a:ea typeface="+mn-ea"/>
+          <a:cs typeface="+mn-cs"/>
+        </a:defRPr>
+      </a:lvl7pPr>
+      <a:lvl8pPr marL="3200400" algn="l" defTabSz="914400" rtl="0" eaLnBrk="1" latinLnBrk="0" hangingPunct="1">
+        <a:defRPr sz="1800" kern="1200">
+          <a:solidFill>
+            <a:schemeClr val="tx1"/>
+          </a:solidFill>
+          <a:latin typeface="+mn-lt"/>
+          <a:ea typeface="+mn-ea"/>
+          <a:cs typeface="+mn-cs"/>
+        </a:defRPr>
+      </a:lvl8pPr>
+      <a:lvl9pPr marL="3657600" algn="l" defTabSz="914400" rtl="0" eaLnBrk="1" latinLnBrk="0" hangingPunct="1">
+        <a:defRPr sz="1800" kern="1200">
+          <a:solidFill>
+            <a:schemeClr val="tx1"/>
+          </a:solidFill>
+          <a:latin typeface="+mn-lt"/>
+          <a:ea typeface="+mn-ea"/>
+          <a:cs typeface="+mn-cs"/>
+        </a:defRPr>
+      </a:lvl9pPr>
+    </p:otherStyle>
+  </p:txStyles>
 </p:sldMaster>
 </file>
 
 <file path=ppt/slideMasters/slideMaster2.xml><?xml version="1.0" encoding="utf-8"?>
-<p:sldMaster xmlns:a="http://schemas.openxmlformats.org/drawingml/2006/main" xmlns:p="http://schemas.openxmlformats.org/presentationml/2006/main" xmlns:r="http://schemas.openxmlformats.org/officeDocument/2006/relationships" xmlns:p14="http://schemas.microsoft.com/office/powerpoint/2010/main" xmlns:p15="http://schemas.microsoft.com/office/powerpoint/2012/main" xmlns:mc="http://schemas.openxmlformats.org/markup-compatibility/2006">
+<p:sldMaster xmlns:a="http://schemas.openxmlformats.org/drawingml/2006/main" xmlns:r="http://schemas.openxmlformats.org/officeDocument/2006/relationships" xmlns:p="http://schemas.openxmlformats.org/presentationml/2006/main">
   <p:cSld>
     <p:bg>
       <p:bgPr>
         <a:solidFill>
-          <a:srgbClr val="d0cece"/>
+          <a:srgbClr val="D0CECE"/>
         </a:solidFill>
+        <a:effectLst/>
       </p:bgPr>
     </p:bg>
     <p:spTree>
@@ -3500,18 +4075,16 @@
           </a:prstGeom>
         </p:spPr>
         <p:txBody>
-          <a:bodyPr lIns="0" rIns="0" tIns="0" bIns="0" anchor="ctr"/>
+          <a:bodyPr lIns="0" tIns="0" rIns="0" bIns="0" anchor="ctr"/>
+          <a:lstStyle/>
           <a:p>
             <a:pPr algn="ctr"/>
             <a:r>
-              <a:rPr b="0" lang="en-US" sz="4400" spc="-1" strike="noStrike">
+              <a:rPr lang="en-US" sz="4400" b="0" strike="noStrike" spc="-1">
                 <a:latin typeface="Arial"/>
               </a:rPr>
               <a:t>Click to edit the title text format</a:t>
             </a:r>
-            <a:endParaRPr b="0" lang="en-US" sz="4400" spc="-1" strike="noStrike">
-              <a:latin typeface="Arial"/>
-            </a:endParaRPr>
           </a:p>
         </p:txBody>
       </p:sp>
@@ -3535,9 +4108,10 @@
           </a:prstGeom>
         </p:spPr>
         <p:txBody>
-          <a:bodyPr lIns="0" rIns="0" tIns="0" bIns="0">
+          <a:bodyPr lIns="0" tIns="0" rIns="0" bIns="0">
             <a:normAutofit/>
           </a:bodyPr>
+          <a:lstStyle/>
           <a:p>
             <a:pPr marL="432000" indent="-324000">
               <a:spcBef>
@@ -3551,17 +4125,14 @@
               <a:buChar char=""/>
             </a:pPr>
             <a:r>
-              <a:rPr b="0" lang="en-US" sz="3200" spc="-1" strike="noStrike">
+              <a:rPr lang="en-US" sz="3200" b="0" strike="noStrike" spc="-1">
                 <a:latin typeface="Arial"/>
               </a:rPr>
               <a:t>Click to edit the outline text format</a:t>
             </a:r>
-            <a:endParaRPr b="0" lang="en-US" sz="3200" spc="-1" strike="noStrike">
-              <a:latin typeface="Arial"/>
-            </a:endParaRPr>
-          </a:p>
-          <a:p>
-            <a:pPr lvl="1" marL="864000" indent="-324000">
+          </a:p>
+          <a:p>
+            <a:pPr marL="864000" lvl="1" indent="-324000">
               <a:spcBef>
                 <a:spcPts val="1134"/>
               </a:spcBef>
@@ -3573,17 +4144,14 @@
               <a:buChar char=""/>
             </a:pPr>
             <a:r>
-              <a:rPr b="0" lang="en-US" sz="2800" spc="-1" strike="noStrike">
+              <a:rPr lang="en-US" sz="2800" b="0" strike="noStrike" spc="-1">
                 <a:latin typeface="Arial"/>
               </a:rPr>
               <a:t>Second Outline Level</a:t>
             </a:r>
-            <a:endParaRPr b="0" lang="en-US" sz="2800" spc="-1" strike="noStrike">
-              <a:latin typeface="Arial"/>
-            </a:endParaRPr>
-          </a:p>
-          <a:p>
-            <a:pPr lvl="2" marL="1296000" indent="-288000">
+          </a:p>
+          <a:p>
+            <a:pPr marL="1296000" lvl="2" indent="-288000">
               <a:spcBef>
                 <a:spcPts val="850"/>
               </a:spcBef>
@@ -3595,17 +4163,14 @@
               <a:buChar char=""/>
             </a:pPr>
             <a:r>
-              <a:rPr b="0" lang="en-US" sz="2400" spc="-1" strike="noStrike">
+              <a:rPr lang="en-US" sz="2400" b="0" strike="noStrike" spc="-1">
                 <a:latin typeface="Arial"/>
               </a:rPr>
               <a:t>Third Outline Level</a:t>
             </a:r>
-            <a:endParaRPr b="0" lang="en-US" sz="2400" spc="-1" strike="noStrike">
-              <a:latin typeface="Arial"/>
-            </a:endParaRPr>
-          </a:p>
-          <a:p>
-            <a:pPr lvl="3" marL="1728000" indent="-216000">
+          </a:p>
+          <a:p>
+            <a:pPr marL="1728000" lvl="3" indent="-216000">
               <a:spcBef>
                 <a:spcPts val="567"/>
               </a:spcBef>
@@ -3617,17 +4182,14 @@
               <a:buChar char=""/>
             </a:pPr>
             <a:r>
-              <a:rPr b="0" lang="en-US" sz="2000" spc="-1" strike="noStrike">
+              <a:rPr lang="en-US" sz="2000" b="0" strike="noStrike" spc="-1">
                 <a:latin typeface="Arial"/>
               </a:rPr>
               <a:t>Fourth Outline Level</a:t>
             </a:r>
-            <a:endParaRPr b="0" lang="en-US" sz="2000" spc="-1" strike="noStrike">
-              <a:latin typeface="Arial"/>
-            </a:endParaRPr>
-          </a:p>
-          <a:p>
-            <a:pPr lvl="4" marL="2160000" indent="-216000">
+          </a:p>
+          <a:p>
+            <a:pPr marL="2160000" lvl="4" indent="-216000">
               <a:spcBef>
                 <a:spcPts val="283"/>
               </a:spcBef>
@@ -3639,17 +4201,14 @@
               <a:buChar char=""/>
             </a:pPr>
             <a:r>
-              <a:rPr b="0" lang="en-US" sz="2000" spc="-1" strike="noStrike">
+              <a:rPr lang="en-US" sz="2000" b="0" strike="noStrike" spc="-1">
                 <a:latin typeface="Arial"/>
               </a:rPr>
               <a:t>Fifth Outline Level</a:t>
             </a:r>
-            <a:endParaRPr b="0" lang="en-US" sz="2000" spc="-1" strike="noStrike">
-              <a:latin typeface="Arial"/>
-            </a:endParaRPr>
-          </a:p>
-          <a:p>
-            <a:pPr lvl="5" marL="2592000" indent="-216000">
+          </a:p>
+          <a:p>
+            <a:pPr marL="2592000" lvl="5" indent="-216000">
               <a:spcBef>
                 <a:spcPts val="283"/>
               </a:spcBef>
@@ -3661,17 +4220,14 @@
               <a:buChar char=""/>
             </a:pPr>
             <a:r>
-              <a:rPr b="0" lang="en-US" sz="2000" spc="-1" strike="noStrike">
+              <a:rPr lang="en-US" sz="2000" b="0" strike="noStrike" spc="-1">
                 <a:latin typeface="Arial"/>
               </a:rPr>
               <a:t>Sixth Outline Level</a:t>
             </a:r>
-            <a:endParaRPr b="0" lang="en-US" sz="2000" spc="-1" strike="noStrike">
-              <a:latin typeface="Arial"/>
-            </a:endParaRPr>
-          </a:p>
-          <a:p>
-            <a:pPr lvl="6" marL="3024000" indent="-216000">
+          </a:p>
+          <a:p>
+            <a:pPr marL="3024000" lvl="6" indent="-216000">
               <a:spcBef>
                 <a:spcPts val="283"/>
               </a:spcBef>
@@ -3683,45 +4239,323 @@
               <a:buChar char=""/>
             </a:pPr>
             <a:r>
-              <a:rPr b="0" lang="en-US" sz="2000" spc="-1" strike="noStrike">
+              <a:rPr lang="en-US" sz="2000" b="0" strike="noStrike" spc="-1">
                 <a:latin typeface="Arial"/>
               </a:rPr>
               <a:t>Seventh Outline Level</a:t>
             </a:r>
-            <a:endParaRPr b="0" lang="en-US" sz="2000" spc="-1" strike="noStrike">
-              <a:latin typeface="Arial"/>
-            </a:endParaRPr>
           </a:p>
         </p:txBody>
       </p:sp>
     </p:spTree>
   </p:cSld>
-  <p:clrMap bg1="lt1" bg2="lt2" tx1="dk1" tx2="dk2" accent1="accent1" accent2="accent2" accent3="accent3" accent4="accent4" accent5="accent5" accent6="accent6" hlink="hlink" folHlink="folHlink"/>
+  <p:clrMap bg1="lt1" tx1="dk1" bg2="lt2" tx2="dk2" accent1="accent1" accent2="accent2" accent3="accent3" accent4="accent4" accent5="accent5" accent6="accent6" hlink="hlink" folHlink="folHlink"/>
   <p:sldLayoutIdLst>
-    <p:sldLayoutId id="2147483662" r:id="rId2"/>
-    <p:sldLayoutId id="2147483663" r:id="rId3"/>
-    <p:sldLayoutId id="2147483664" r:id="rId4"/>
-    <p:sldLayoutId id="2147483665" r:id="rId5"/>
-    <p:sldLayoutId id="2147483666" r:id="rId6"/>
-    <p:sldLayoutId id="2147483667" r:id="rId7"/>
-    <p:sldLayoutId id="2147483668" r:id="rId8"/>
-    <p:sldLayoutId id="2147483669" r:id="rId9"/>
-    <p:sldLayoutId id="2147483670" r:id="rId10"/>
-    <p:sldLayoutId id="2147483671" r:id="rId11"/>
-    <p:sldLayoutId id="2147483672" r:id="rId12"/>
-    <p:sldLayoutId id="2147483673" r:id="rId13"/>
+    <p:sldLayoutId id="2147483662" r:id="rId1"/>
+    <p:sldLayoutId id="2147483663" r:id="rId2"/>
+    <p:sldLayoutId id="2147483664" r:id="rId3"/>
+    <p:sldLayoutId id="2147483665" r:id="rId4"/>
+    <p:sldLayoutId id="2147483666" r:id="rId5"/>
+    <p:sldLayoutId id="2147483667" r:id="rId6"/>
+    <p:sldLayoutId id="2147483668" r:id="rId7"/>
+    <p:sldLayoutId id="2147483669" r:id="rId8"/>
+    <p:sldLayoutId id="2147483670" r:id="rId9"/>
+    <p:sldLayoutId id="2147483671" r:id="rId10"/>
+    <p:sldLayoutId id="2147483672" r:id="rId11"/>
+    <p:sldLayoutId id="2147483673" r:id="rId12"/>
   </p:sldLayoutIdLst>
+  <p:txStyles>
+    <p:titleStyle>
+      <a:lvl1pPr algn="l" defTabSz="914400" rtl="0" eaLnBrk="1" latinLnBrk="0" hangingPunct="1">
+        <a:lnSpc>
+          <a:spcPct val="90000"/>
+        </a:lnSpc>
+        <a:spcBef>
+          <a:spcPct val="0"/>
+        </a:spcBef>
+        <a:buNone/>
+        <a:defRPr sz="4400" kern="1200">
+          <a:solidFill>
+            <a:schemeClr val="tx1"/>
+          </a:solidFill>
+          <a:latin typeface="+mj-lt"/>
+          <a:ea typeface="+mj-ea"/>
+          <a:cs typeface="+mj-cs"/>
+        </a:defRPr>
+      </a:lvl1pPr>
+    </p:titleStyle>
+    <p:bodyStyle>
+      <a:lvl1pPr marL="228600" indent="-228600" algn="l" defTabSz="914400" rtl="0" eaLnBrk="1" latinLnBrk="0" hangingPunct="1">
+        <a:lnSpc>
+          <a:spcPct val="90000"/>
+        </a:lnSpc>
+        <a:spcBef>
+          <a:spcPts val="1000"/>
+        </a:spcBef>
+        <a:buFont typeface="Arial" panose="020B0604020202020204" pitchFamily="34" charset="0"/>
+        <a:buChar char="•"/>
+        <a:defRPr sz="2800" kern="1200">
+          <a:solidFill>
+            <a:schemeClr val="tx1"/>
+          </a:solidFill>
+          <a:latin typeface="+mn-lt"/>
+          <a:ea typeface="+mn-ea"/>
+          <a:cs typeface="+mn-cs"/>
+        </a:defRPr>
+      </a:lvl1pPr>
+      <a:lvl2pPr marL="685800" indent="-228600" algn="l" defTabSz="914400" rtl="0" eaLnBrk="1" latinLnBrk="0" hangingPunct="1">
+        <a:lnSpc>
+          <a:spcPct val="90000"/>
+        </a:lnSpc>
+        <a:spcBef>
+          <a:spcPts val="500"/>
+        </a:spcBef>
+        <a:buFont typeface="Arial" panose="020B0604020202020204" pitchFamily="34" charset="0"/>
+        <a:buChar char="•"/>
+        <a:defRPr sz="2400" kern="1200">
+          <a:solidFill>
+            <a:schemeClr val="tx1"/>
+          </a:solidFill>
+          <a:latin typeface="+mn-lt"/>
+          <a:ea typeface="+mn-ea"/>
+          <a:cs typeface="+mn-cs"/>
+        </a:defRPr>
+      </a:lvl2pPr>
+      <a:lvl3pPr marL="1143000" indent="-228600" algn="l" defTabSz="914400" rtl="0" eaLnBrk="1" latinLnBrk="0" hangingPunct="1">
+        <a:lnSpc>
+          <a:spcPct val="90000"/>
+        </a:lnSpc>
+        <a:spcBef>
+          <a:spcPts val="500"/>
+        </a:spcBef>
+        <a:buFont typeface="Arial" panose="020B0604020202020204" pitchFamily="34" charset="0"/>
+        <a:buChar char="•"/>
+        <a:defRPr sz="2000" kern="1200">
+          <a:solidFill>
+            <a:schemeClr val="tx1"/>
+          </a:solidFill>
+          <a:latin typeface="+mn-lt"/>
+          <a:ea typeface="+mn-ea"/>
+          <a:cs typeface="+mn-cs"/>
+        </a:defRPr>
+      </a:lvl3pPr>
+      <a:lvl4pPr marL="1600200" indent="-228600" algn="l" defTabSz="914400" rtl="0" eaLnBrk="1" latinLnBrk="0" hangingPunct="1">
+        <a:lnSpc>
+          <a:spcPct val="90000"/>
+        </a:lnSpc>
+        <a:spcBef>
+          <a:spcPts val="500"/>
+        </a:spcBef>
+        <a:buFont typeface="Arial" panose="020B0604020202020204" pitchFamily="34" charset="0"/>
+        <a:buChar char="•"/>
+        <a:defRPr sz="1800" kern="1200">
+          <a:solidFill>
+            <a:schemeClr val="tx1"/>
+          </a:solidFill>
+          <a:latin typeface="+mn-lt"/>
+          <a:ea typeface="+mn-ea"/>
+          <a:cs typeface="+mn-cs"/>
+        </a:defRPr>
+      </a:lvl4pPr>
+      <a:lvl5pPr marL="2057400" indent="-228600" algn="l" defTabSz="914400" rtl="0" eaLnBrk="1" latinLnBrk="0" hangingPunct="1">
+        <a:lnSpc>
+          <a:spcPct val="90000"/>
+        </a:lnSpc>
+        <a:spcBef>
+          <a:spcPts val="500"/>
+        </a:spcBef>
+        <a:buFont typeface="Arial" panose="020B0604020202020204" pitchFamily="34" charset="0"/>
+        <a:buChar char="•"/>
+        <a:defRPr sz="1800" kern="1200">
+          <a:solidFill>
+            <a:schemeClr val="tx1"/>
+          </a:solidFill>
+          <a:latin typeface="+mn-lt"/>
+          <a:ea typeface="+mn-ea"/>
+          <a:cs typeface="+mn-cs"/>
+        </a:defRPr>
+      </a:lvl5pPr>
+      <a:lvl6pPr marL="2514600" indent="-228600" algn="l" defTabSz="914400" rtl="0" eaLnBrk="1" latinLnBrk="0" hangingPunct="1">
+        <a:lnSpc>
+          <a:spcPct val="90000"/>
+        </a:lnSpc>
+        <a:spcBef>
+          <a:spcPts val="500"/>
+        </a:spcBef>
+        <a:buFont typeface="Arial" panose="020B0604020202020204" pitchFamily="34" charset="0"/>
+        <a:buChar char="•"/>
+        <a:defRPr sz="1800" kern="1200">
+          <a:solidFill>
+            <a:schemeClr val="tx1"/>
+          </a:solidFill>
+          <a:latin typeface="+mn-lt"/>
+          <a:ea typeface="+mn-ea"/>
+          <a:cs typeface="+mn-cs"/>
+        </a:defRPr>
+      </a:lvl6pPr>
+      <a:lvl7pPr marL="2971800" indent="-228600" algn="l" defTabSz="914400" rtl="0" eaLnBrk="1" latinLnBrk="0" hangingPunct="1">
+        <a:lnSpc>
+          <a:spcPct val="90000"/>
+        </a:lnSpc>
+        <a:spcBef>
+          <a:spcPts val="500"/>
+        </a:spcBef>
+        <a:buFont typeface="Arial" panose="020B0604020202020204" pitchFamily="34" charset="0"/>
+        <a:buChar char="•"/>
+        <a:defRPr sz="1800" kern="1200">
+          <a:solidFill>
+            <a:schemeClr val="tx1"/>
+          </a:solidFill>
+          <a:latin typeface="+mn-lt"/>
+          <a:ea typeface="+mn-ea"/>
+          <a:cs typeface="+mn-cs"/>
+        </a:defRPr>
+      </a:lvl7pPr>
+      <a:lvl8pPr marL="3429000" indent="-228600" algn="l" defTabSz="914400" rtl="0" eaLnBrk="1" latinLnBrk="0" hangingPunct="1">
+        <a:lnSpc>
+          <a:spcPct val="90000"/>
+        </a:lnSpc>
+        <a:spcBef>
+          <a:spcPts val="500"/>
+        </a:spcBef>
+        <a:buFont typeface="Arial" panose="020B0604020202020204" pitchFamily="34" charset="0"/>
+        <a:buChar char="•"/>
+        <a:defRPr sz="1800" kern="1200">
+          <a:solidFill>
+            <a:schemeClr val="tx1"/>
+          </a:solidFill>
+          <a:latin typeface="+mn-lt"/>
+          <a:ea typeface="+mn-ea"/>
+          <a:cs typeface="+mn-cs"/>
+        </a:defRPr>
+      </a:lvl8pPr>
+      <a:lvl9pPr marL="3886200" indent="-228600" algn="l" defTabSz="914400" rtl="0" eaLnBrk="1" latinLnBrk="0" hangingPunct="1">
+        <a:lnSpc>
+          <a:spcPct val="90000"/>
+        </a:lnSpc>
+        <a:spcBef>
+          <a:spcPts val="500"/>
+        </a:spcBef>
+        <a:buFont typeface="Arial" panose="020B0604020202020204" pitchFamily="34" charset="0"/>
+        <a:buChar char="•"/>
+        <a:defRPr sz="1800" kern="1200">
+          <a:solidFill>
+            <a:schemeClr val="tx1"/>
+          </a:solidFill>
+          <a:latin typeface="+mn-lt"/>
+          <a:ea typeface="+mn-ea"/>
+          <a:cs typeface="+mn-cs"/>
+        </a:defRPr>
+      </a:lvl9pPr>
+    </p:bodyStyle>
+    <p:otherStyle>
+      <a:defPPr>
+        <a:defRPr lang="en-CH"/>
+      </a:defPPr>
+      <a:lvl1pPr marL="0" algn="l" defTabSz="914400" rtl="0" eaLnBrk="1" latinLnBrk="0" hangingPunct="1">
+        <a:defRPr sz="1800" kern="1200">
+          <a:solidFill>
+            <a:schemeClr val="tx1"/>
+          </a:solidFill>
+          <a:latin typeface="+mn-lt"/>
+          <a:ea typeface="+mn-ea"/>
+          <a:cs typeface="+mn-cs"/>
+        </a:defRPr>
+      </a:lvl1pPr>
+      <a:lvl2pPr marL="457200" algn="l" defTabSz="914400" rtl="0" eaLnBrk="1" latinLnBrk="0" hangingPunct="1">
+        <a:defRPr sz="1800" kern="1200">
+          <a:solidFill>
+            <a:schemeClr val="tx1"/>
+          </a:solidFill>
+          <a:latin typeface="+mn-lt"/>
+          <a:ea typeface="+mn-ea"/>
+          <a:cs typeface="+mn-cs"/>
+        </a:defRPr>
+      </a:lvl2pPr>
+      <a:lvl3pPr marL="914400" algn="l" defTabSz="914400" rtl="0" eaLnBrk="1" latinLnBrk="0" hangingPunct="1">
+        <a:defRPr sz="1800" kern="1200">
+          <a:solidFill>
+            <a:schemeClr val="tx1"/>
+          </a:solidFill>
+          <a:latin typeface="+mn-lt"/>
+          <a:ea typeface="+mn-ea"/>
+          <a:cs typeface="+mn-cs"/>
+        </a:defRPr>
+      </a:lvl3pPr>
+      <a:lvl4pPr marL="1371600" algn="l" defTabSz="914400" rtl="0" eaLnBrk="1" latinLnBrk="0" hangingPunct="1">
+        <a:defRPr sz="1800" kern="1200">
+          <a:solidFill>
+            <a:schemeClr val="tx1"/>
+          </a:solidFill>
+          <a:latin typeface="+mn-lt"/>
+          <a:ea typeface="+mn-ea"/>
+          <a:cs typeface="+mn-cs"/>
+        </a:defRPr>
+      </a:lvl4pPr>
+      <a:lvl5pPr marL="1828800" algn="l" defTabSz="914400" rtl="0" eaLnBrk="1" latinLnBrk="0" hangingPunct="1">
+        <a:defRPr sz="1800" kern="1200">
+          <a:solidFill>
+            <a:schemeClr val="tx1"/>
+          </a:solidFill>
+          <a:latin typeface="+mn-lt"/>
+          <a:ea typeface="+mn-ea"/>
+          <a:cs typeface="+mn-cs"/>
+        </a:defRPr>
+      </a:lvl5pPr>
+      <a:lvl6pPr marL="2286000" algn="l" defTabSz="914400" rtl="0" eaLnBrk="1" latinLnBrk="0" hangingPunct="1">
+        <a:defRPr sz="1800" kern="1200">
+          <a:solidFill>
+            <a:schemeClr val="tx1"/>
+          </a:solidFill>
+          <a:latin typeface="+mn-lt"/>
+          <a:ea typeface="+mn-ea"/>
+          <a:cs typeface="+mn-cs"/>
+        </a:defRPr>
+      </a:lvl6pPr>
+      <a:lvl7pPr marL="2743200" algn="l" defTabSz="914400" rtl="0" eaLnBrk="1" latinLnBrk="0" hangingPunct="1">
+        <a:defRPr sz="1800" kern="1200">
+          <a:solidFill>
+            <a:schemeClr val="tx1"/>
+          </a:solidFill>
+          <a:latin typeface="+mn-lt"/>
+          <a:ea typeface="+mn-ea"/>
+          <a:cs typeface="+mn-cs"/>
+        </a:defRPr>
+      </a:lvl7pPr>
+      <a:lvl8pPr marL="3200400" algn="l" defTabSz="914400" rtl="0" eaLnBrk="1" latinLnBrk="0" hangingPunct="1">
+        <a:defRPr sz="1800" kern="1200">
+          <a:solidFill>
+            <a:schemeClr val="tx1"/>
+          </a:solidFill>
+          <a:latin typeface="+mn-lt"/>
+          <a:ea typeface="+mn-ea"/>
+          <a:cs typeface="+mn-cs"/>
+        </a:defRPr>
+      </a:lvl8pPr>
+      <a:lvl9pPr marL="3657600" algn="l" defTabSz="914400" rtl="0" eaLnBrk="1" latinLnBrk="0" hangingPunct="1">
+        <a:defRPr sz="1800" kern="1200">
+          <a:solidFill>
+            <a:schemeClr val="tx1"/>
+          </a:solidFill>
+          <a:latin typeface="+mn-lt"/>
+          <a:ea typeface="+mn-ea"/>
+          <a:cs typeface="+mn-cs"/>
+        </a:defRPr>
+      </a:lvl9pPr>
+    </p:otherStyle>
+  </p:txStyles>
 </p:sldMaster>
 </file>
 
 <file path=ppt/slides/slide1.xml><?xml version="1.0" encoding="utf-8"?>
-<p:sld xmlns:a="http://schemas.openxmlformats.org/drawingml/2006/main" xmlns:p="http://schemas.openxmlformats.org/presentationml/2006/main" xmlns:r="http://schemas.openxmlformats.org/officeDocument/2006/relationships" xmlns:p14="http://schemas.microsoft.com/office/powerpoint/2010/main" xmlns:p15="http://schemas.microsoft.com/office/powerpoint/2012/main" xmlns:mc="http://schemas.openxmlformats.org/markup-compatibility/2006">
+<p:sld xmlns:a="http://schemas.openxmlformats.org/drawingml/2006/main" xmlns:r="http://schemas.openxmlformats.org/officeDocument/2006/relationships" xmlns:p="http://schemas.openxmlformats.org/presentationml/2006/main">
   <p:cSld>
     <p:bg>
       <p:bgPr>
         <a:solidFill>
-          <a:srgbClr val="f2f2f2"/>
+          <a:srgbClr val="F2F2F2"/>
         </a:solidFill>
+        <a:effectLst/>
       </p:bgPr>
     </p:bg>
     <p:spTree>
@@ -3758,15 +4592,22 @@
           </a:ln>
         </p:spPr>
         <p:style>
-          <a:lnRef idx="0"/>
-          <a:fillRef idx="0"/>
-          <a:effectRef idx="0"/>
+          <a:lnRef idx="0">
+            <a:scrgbClr r="0" g="0" b="0"/>
+          </a:lnRef>
+          <a:fillRef idx="0">
+            <a:scrgbClr r="0" g="0" b="0"/>
+          </a:fillRef>
+          <a:effectRef idx="0">
+            <a:scrgbClr r="0" g="0" b="0"/>
+          </a:effectRef>
           <a:fontRef idx="minor"/>
         </p:style>
         <p:txBody>
-          <a:bodyPr lIns="90000" rIns="90000" tIns="45000" bIns="45000">
-            <a:normAutofit/>
+          <a:bodyPr lIns="90000" tIns="45000" rIns="90000" bIns="45000">
+            <a:normAutofit fontScale="85000" lnSpcReduction="20000"/>
           </a:bodyPr>
+          <a:lstStyle/>
           <a:p>
             <a:pPr>
               <a:lnSpc>
@@ -3777,57 +4618,85 @@
               </a:spcBef>
             </a:pPr>
             <a:r>
-              <a:rPr b="1" lang="en-US" sz="2000" spc="-1" strike="noStrike">
+              <a:rPr lang="en-US" sz="2200" b="1" strike="noStrike" spc="-1" dirty="0">
                 <a:solidFill>
                   <a:srgbClr val="262626"/>
                 </a:solidFill>
-                <a:latin typeface="Calibri"/>
+                <a:latin typeface="Calibri" panose="020F0502020204030204" pitchFamily="34" charset="0"/>
                 <a:ea typeface="DejaVu Sans"/>
+                <a:cs typeface="Calibri" panose="020F0502020204030204" pitchFamily="34" charset="0"/>
               </a:rPr>
               <a:t>Data: </a:t>
             </a:r>
             <a:r>
-              <a:rPr b="0" lang="en-US" sz="2000" spc="-1" strike="noStrike">
+              <a:rPr lang="en-US" sz="2200" b="0" strike="noStrike" spc="-1" dirty="0">
                 <a:solidFill>
                   <a:srgbClr val="262626"/>
                 </a:solidFill>
-                <a:latin typeface="Calibri"/>
+                <a:latin typeface="Calibri" panose="020F0502020204030204" pitchFamily="34" charset="0"/>
                 <a:ea typeface="DejaVu Sans"/>
+                <a:cs typeface="Calibri" panose="020F0502020204030204" pitchFamily="34" charset="0"/>
               </a:rPr>
               <a:t>A set of data collected from students at the University of Lausanne is available in the file </a:t>
             </a:r>
             <a:r>
-              <a:rPr b="1" lang="en-US" sz="2000" spc="-1" strike="noStrike">
+              <a:rPr lang="en-US" sz="2200" b="1" strike="noStrike" spc="-1" dirty="0">
                 <a:solidFill>
                   <a:srgbClr val="000000"/>
                 </a:solidFill>
-                <a:latin typeface="Calibri"/>
+                <a:latin typeface="Calibri" panose="020F0502020204030204" pitchFamily="34" charset="0"/>
                 <a:ea typeface="DejaVu Sans"/>
+                <a:cs typeface="Calibri" panose="020F0502020204030204" pitchFamily="34" charset="0"/>
               </a:rPr>
               <a:t>etubiol.csv</a:t>
             </a:r>
             <a:r>
-              <a:rPr b="0" lang="en-US" sz="2000" spc="-1" strike="noStrike">
+              <a:rPr lang="en-US" sz="2200" b="0" strike="noStrike" spc="-1" dirty="0">
                 <a:solidFill>
                   <a:srgbClr val="000000"/>
                 </a:solidFill>
-                <a:latin typeface="Calibri"/>
+                <a:latin typeface="Calibri" panose="020F0502020204030204" pitchFamily="34" charset="0"/>
                 <a:ea typeface="DejaVu Sans"/>
-              </a:rPr>
-              <a:t> (courtesy of F. Schütz).</a:t>
-            </a:r>
-            <a:r>
-              <a:rPr b="0" lang="en-US" sz="2000" spc="-1" strike="noStrike">
+                <a:cs typeface="Calibri" panose="020F0502020204030204" pitchFamily="34" charset="0"/>
+              </a:rPr>
+              <a:t> (courtesy of F. </a:t>
+            </a:r>
+            <a:r>
+              <a:rPr lang="en-US" sz="2200" b="0" strike="noStrike" spc="-1" dirty="0" err="1">
                 <a:solidFill>
-                  <a:srgbClr val="ff0000"/>
+                  <a:srgbClr val="000000"/>
                 </a:solidFill>
-                <a:latin typeface="Calibri"/>
+                <a:latin typeface="Calibri" panose="020F0502020204030204" pitchFamily="34" charset="0"/>
                 <a:ea typeface="DejaVu Sans"/>
+                <a:cs typeface="Calibri" panose="020F0502020204030204" pitchFamily="34" charset="0"/>
+              </a:rPr>
+              <a:t>Schütz</a:t>
+            </a:r>
+            <a:r>
+              <a:rPr lang="en-US" sz="2200" b="0" strike="noStrike" spc="-1" dirty="0">
+                <a:solidFill>
+                  <a:srgbClr val="000000"/>
+                </a:solidFill>
+                <a:latin typeface="Calibri" panose="020F0502020204030204" pitchFamily="34" charset="0"/>
+                <a:ea typeface="DejaVu Sans"/>
+                <a:cs typeface="Calibri" panose="020F0502020204030204" pitchFamily="34" charset="0"/>
+              </a:rPr>
+              <a:t>).</a:t>
+            </a:r>
+            <a:r>
+              <a:rPr lang="en-US" sz="2200" b="0" strike="noStrike" spc="-1" dirty="0">
+                <a:solidFill>
+                  <a:srgbClr val="FF0000"/>
+                </a:solidFill>
+                <a:latin typeface="Calibri" panose="020F0502020204030204" pitchFamily="34" charset="0"/>
+                <a:ea typeface="DejaVu Sans"/>
+                <a:cs typeface="Calibri" panose="020F0502020204030204" pitchFamily="34" charset="0"/>
               </a:rPr>
               <a:t> </a:t>
             </a:r>
-            <a:endParaRPr b="0" lang="en-US" sz="2000" spc="-1" strike="noStrike">
-              <a:latin typeface="Arial"/>
+            <a:endParaRPr lang="en-US" sz="2200" b="0" strike="noStrike" spc="-1" dirty="0">
+              <a:latin typeface="Calibri" panose="020F0502020204030204" pitchFamily="34" charset="0"/>
+              <a:cs typeface="Calibri" panose="020F0502020204030204" pitchFamily="34" charset="0"/>
             </a:endParaRPr>
           </a:p>
           <a:p>
@@ -3840,27 +4709,30 @@
               </a:spcBef>
             </a:pPr>
             <a:r>
-              <a:rPr b="1" lang="en-US" sz="2000" spc="-1" strike="noStrike">
+              <a:rPr lang="en-US" sz="2200" b="1" strike="noStrike" spc="-1" dirty="0">
                 <a:solidFill>
                   <a:srgbClr val="262626"/>
                 </a:solidFill>
-                <a:latin typeface="Calibri"/>
+                <a:latin typeface="Calibri" panose="020F0502020204030204" pitchFamily="34" charset="0"/>
                 <a:ea typeface="DejaVu Sans"/>
+                <a:cs typeface="Calibri" panose="020F0502020204030204" pitchFamily="34" charset="0"/>
               </a:rPr>
               <a:t>Goals: </a:t>
             </a:r>
             <a:r>
-              <a:rPr b="0" lang="en-US" sz="2000" spc="-1" strike="noStrike">
+              <a:rPr lang="en-US" sz="2200" b="0" strike="noStrike" spc="-1" dirty="0">
                 <a:solidFill>
                   <a:srgbClr val="262626"/>
                 </a:solidFill>
-                <a:latin typeface="Calibri"/>
+                <a:latin typeface="Calibri" panose="020F0502020204030204" pitchFamily="34" charset="0"/>
                 <a:ea typeface="DejaVu Sans"/>
+                <a:cs typeface="Calibri" panose="020F0502020204030204" pitchFamily="34" charset="0"/>
               </a:rPr>
               <a:t>Get to know the overall structure of the data. Summarize variables numerically and graphically. Model relationships between variables.</a:t>
             </a:r>
-            <a:endParaRPr b="0" lang="en-US" sz="2000" spc="-1" strike="noStrike">
-              <a:latin typeface="Arial"/>
+            <a:endParaRPr lang="en-US" sz="2200" b="0" strike="noStrike" spc="-1" dirty="0">
+              <a:latin typeface="Calibri" panose="020F0502020204030204" pitchFamily="34" charset="0"/>
+              <a:cs typeface="Calibri" panose="020F0502020204030204" pitchFamily="34" charset="0"/>
             </a:endParaRPr>
           </a:p>
           <a:p>
@@ -3872,8 +4744,9 @@
                 <a:spcPts val="1001"/>
               </a:spcBef>
             </a:pPr>
-            <a:endParaRPr b="0" lang="en-US" sz="2000" spc="-1" strike="noStrike">
-              <a:latin typeface="Arial"/>
+            <a:endParaRPr lang="en-US" sz="2200" b="0" strike="noStrike" spc="-1" dirty="0">
+              <a:latin typeface="Calibri" panose="020F0502020204030204" pitchFamily="34" charset="0"/>
+              <a:cs typeface="Calibri" panose="020F0502020204030204" pitchFamily="34" charset="0"/>
             </a:endParaRPr>
           </a:p>
           <a:p>
@@ -3886,27 +4759,19 @@
               </a:spcBef>
             </a:pPr>
             <a:r>
-              <a:rPr b="1" lang="en-US" sz="2000" spc="-1" strike="noStrike">
+              <a:rPr lang="en-US" sz="2200" b="1" strike="noStrike" spc="-1" dirty="0">
                 <a:solidFill>
                   <a:srgbClr val="000000"/>
                 </a:solidFill>
-                <a:latin typeface="Calibri"/>
+                <a:latin typeface="Calibri" panose="020F0502020204030204" pitchFamily="34" charset="0"/>
                 <a:ea typeface="DejaVu Sans"/>
-              </a:rPr>
-              <a:t>   </a:t>
-            </a:r>
-            <a:r>
-              <a:rPr b="1" lang="en-US" sz="2000" spc="-1" strike="noStrike">
-                <a:solidFill>
-                  <a:srgbClr val="000000"/>
-                </a:solidFill>
-                <a:latin typeface="Calibri"/>
-                <a:ea typeface="DejaVu Sans"/>
-              </a:rPr>
-              <a:t>Exam is graded as "pass" or "fail".</a:t>
-            </a:r>
-            <a:endParaRPr b="0" lang="en-US" sz="2000" spc="-1" strike="noStrike">
-              <a:latin typeface="Arial"/>
+                <a:cs typeface="Calibri" panose="020F0502020204030204" pitchFamily="34" charset="0"/>
+              </a:rPr>
+              <a:t>   Exam is graded as "pass" or "fail".</a:t>
+            </a:r>
+            <a:endParaRPr lang="en-US" sz="2200" b="0" strike="noStrike" spc="-1" dirty="0">
+              <a:latin typeface="Calibri" panose="020F0502020204030204" pitchFamily="34" charset="0"/>
+              <a:cs typeface="Calibri" panose="020F0502020204030204" pitchFamily="34" charset="0"/>
             </a:endParaRPr>
           </a:p>
           <a:p>
@@ -3919,31 +4784,23 @@
               </a:spcBef>
             </a:pPr>
             <a:r>
-              <a:rPr b="0" lang="en-US" sz="2000" spc="-1" strike="noStrike">
+              <a:rPr lang="en-US" sz="2200" b="0" strike="noStrike" spc="-1" dirty="0">
                 <a:solidFill>
                   <a:srgbClr val="262626"/>
                 </a:solidFill>
-                <a:latin typeface="Calibri"/>
+                <a:latin typeface="Calibri" panose="020F0502020204030204" pitchFamily="34" charset="0"/>
                 <a:ea typeface="DejaVu Sans"/>
-              </a:rPr>
-              <a:t>    </a:t>
-            </a:r>
-            <a:r>
-              <a:rPr b="0" lang="en-US" sz="2000" spc="-1" strike="noStrike">
-                <a:solidFill>
-                  <a:srgbClr val="262626"/>
-                </a:solidFill>
-                <a:latin typeface="Calibri"/>
-                <a:ea typeface="DejaVu Sans"/>
-              </a:rPr>
-              <a:t>For a pass: </a:t>
-            </a:r>
-            <a:endParaRPr b="0" lang="en-US" sz="2000" spc="-1" strike="noStrike">
-              <a:latin typeface="Arial"/>
-            </a:endParaRPr>
-          </a:p>
-          <a:p>
-            <a:pPr lvl="2" marL="460080" indent="-226440">
+                <a:cs typeface="Calibri" panose="020F0502020204030204" pitchFamily="34" charset="0"/>
+              </a:rPr>
+              <a:t>    For a pass: </a:t>
+            </a:r>
+            <a:endParaRPr lang="en-US" sz="2200" b="0" strike="noStrike" spc="-1" dirty="0">
+              <a:latin typeface="Calibri" panose="020F0502020204030204" pitchFamily="34" charset="0"/>
+              <a:cs typeface="Calibri" panose="020F0502020204030204" pitchFamily="34" charset="0"/>
+            </a:endParaRPr>
+          </a:p>
+          <a:p>
+            <a:pPr marL="460080" lvl="2" indent="-226440">
               <a:lnSpc>
                 <a:spcPct val="90000"/>
               </a:lnSpc>
@@ -3957,21 +4814,23 @@
               <a:buChar char="•"/>
             </a:pPr>
             <a:r>
-              <a:rPr b="0" lang="en-US" sz="1800" spc="-1" strike="noStrike">
+              <a:rPr lang="en-US" sz="2200" b="0" strike="noStrike" spc="-1" dirty="0">
                 <a:solidFill>
                   <a:srgbClr val="262626"/>
                 </a:solidFill>
-                <a:latin typeface="Calibri"/>
+                <a:latin typeface="Calibri" panose="020F0502020204030204" pitchFamily="34" charset="0"/>
                 <a:ea typeface="DejaVu Sans"/>
+                <a:cs typeface="Calibri" panose="020F0502020204030204" pitchFamily="34" charset="0"/>
               </a:rPr>
               <a:t>Do all exercises, add comments to explain what you do and why</a:t>
             </a:r>
-            <a:endParaRPr b="0" lang="en-US" sz="1800" spc="-1" strike="noStrike">
-              <a:latin typeface="Arial"/>
-            </a:endParaRPr>
-          </a:p>
-          <a:p>
-            <a:pPr lvl="2" marL="460080" indent="-226440">
+            <a:endParaRPr lang="en-US" sz="2200" b="0" strike="noStrike" spc="-1" dirty="0">
+              <a:latin typeface="Calibri" panose="020F0502020204030204" pitchFamily="34" charset="0"/>
+              <a:cs typeface="Calibri" panose="020F0502020204030204" pitchFamily="34" charset="0"/>
+            </a:endParaRPr>
+          </a:p>
+          <a:p>
+            <a:pPr marL="460080" lvl="2" indent="-226440">
               <a:lnSpc>
                 <a:spcPct val="90000"/>
               </a:lnSpc>
@@ -3985,21 +4844,23 @@
               <a:buChar char="•"/>
             </a:pPr>
             <a:r>
-              <a:rPr b="0" lang="en-US" sz="1800" spc="-1" strike="noStrike">
+              <a:rPr lang="en-US" sz="2200" b="0" strike="noStrike" spc="-1" dirty="0">
                 <a:solidFill>
                   <a:srgbClr val="262626"/>
                 </a:solidFill>
-                <a:latin typeface="Calibri"/>
+                <a:latin typeface="Calibri" panose="020F0502020204030204" pitchFamily="34" charset="0"/>
                 <a:ea typeface="DejaVu Sans"/>
+                <a:cs typeface="Calibri" panose="020F0502020204030204" pitchFamily="34" charset="0"/>
               </a:rPr>
               <a:t>Copy relevant output from command line into your script file as comments</a:t>
             </a:r>
-            <a:endParaRPr b="0" lang="en-US" sz="1800" spc="-1" strike="noStrike">
-              <a:latin typeface="Arial"/>
-            </a:endParaRPr>
-          </a:p>
-          <a:p>
-            <a:pPr lvl="2" marL="460080" indent="-226440">
+            <a:endParaRPr lang="en-US" sz="2200" b="0" strike="noStrike" spc="-1" dirty="0">
+              <a:latin typeface="Calibri" panose="020F0502020204030204" pitchFamily="34" charset="0"/>
+              <a:cs typeface="Calibri" panose="020F0502020204030204" pitchFamily="34" charset="0"/>
+            </a:endParaRPr>
+          </a:p>
+          <a:p>
+            <a:pPr marL="460080" lvl="2" indent="-226440">
               <a:lnSpc>
                 <a:spcPct val="90000"/>
               </a:lnSpc>
@@ -4013,17 +4874,19 @@
               <a:buChar char="•"/>
             </a:pPr>
             <a:r>
-              <a:rPr b="0" lang="en-US" sz="1800" spc="-1" strike="noStrike">
+              <a:rPr lang="en-US" sz="2200" b="0" strike="noStrike" spc="-1" dirty="0">
                 <a:solidFill>
                   <a:srgbClr val="262626"/>
                 </a:solidFill>
-                <a:latin typeface="Calibri"/>
+                <a:latin typeface="Calibri" panose="020F0502020204030204" pitchFamily="34" charset="0"/>
                 <a:ea typeface="DejaVu Sans"/>
+                <a:cs typeface="Calibri" panose="020F0502020204030204" pitchFamily="34" charset="0"/>
               </a:rPr>
               <a:t>Use R functions to import data and export graphics (not GUI buttons)</a:t>
             </a:r>
-            <a:endParaRPr b="0" lang="en-US" sz="1800" spc="-1" strike="noStrike">
-              <a:latin typeface="Arial"/>
+            <a:endParaRPr lang="en-US" sz="2200" b="0" strike="noStrike" spc="-1" dirty="0">
+              <a:latin typeface="Calibri" panose="020F0502020204030204" pitchFamily="34" charset="0"/>
+              <a:cs typeface="Calibri" panose="020F0502020204030204" pitchFamily="34" charset="0"/>
             </a:endParaRPr>
           </a:p>
           <a:p>
@@ -4035,12 +4898,13 @@
                 <a:spcPts val="1001"/>
               </a:spcBef>
             </a:pPr>
-            <a:endParaRPr b="0" lang="en-US" sz="1800" spc="-1" strike="noStrike">
-              <a:latin typeface="Arial"/>
-            </a:endParaRPr>
-          </a:p>
-          <a:p>
-            <a:pPr lvl="1" marL="723960" indent="-261720">
+            <a:endParaRPr lang="en-US" sz="2200" b="0" strike="noStrike" spc="-1" dirty="0">
+              <a:latin typeface="Calibri" panose="020F0502020204030204" pitchFamily="34" charset="0"/>
+              <a:cs typeface="Calibri" panose="020F0502020204030204" pitchFamily="34" charset="0"/>
+            </a:endParaRPr>
+          </a:p>
+          <a:p>
+            <a:pPr marL="723960" lvl="1" indent="-261720">
               <a:lnSpc>
                 <a:spcPct val="90000"/>
               </a:lnSpc>
@@ -4054,52 +4918,51 @@
               <a:buChar char="•"/>
             </a:pPr>
             <a:r>
-              <a:rPr b="0" lang="en-US" sz="2000" spc="-1" strike="noStrike">
+              <a:rPr lang="en-US" sz="2200" b="0" strike="noStrike" spc="-1" dirty="0">
                 <a:solidFill>
                   <a:srgbClr val="262626"/>
                 </a:solidFill>
-                <a:latin typeface="Calibri"/>
+                <a:latin typeface="Calibri" panose="020F0502020204030204" pitchFamily="34" charset="0"/>
                 <a:ea typeface="DejaVu Sans"/>
-              </a:rPr>
-              <a:t>Submit analysis to </a:t>
-            </a:r>
-            <a:r>
-              <a:rPr b="0" lang="en-US" sz="2000" spc="-1" strike="noStrike" u="sng">
-                <a:solidFill>
-                  <a:srgbClr val="0563c1"/>
-                </a:solidFill>
-                <a:uFillTx/>
-                <a:latin typeface="Calibri"/>
-                <a:ea typeface="DejaVu Sans"/>
-              </a:rPr>
-              <a:t>wandrille.duchemin@unibas.ch</a:t>
-            </a:r>
-            <a:r>
-              <a:rPr b="0" lang="en-US" sz="2000" spc="-1" strike="noStrike">
+                <a:cs typeface="Calibri" panose="020F0502020204030204" pitchFamily="34" charset="0"/>
+              </a:rPr>
+              <a:t>Submit analysis by e-mail to  </a:t>
+            </a:r>
+            <a:r>
+              <a:rPr lang="en-US" sz="2200" b="0" strike="noStrike" spc="-1" dirty="0" err="1">
                 <a:solidFill>
                   <a:srgbClr val="262626"/>
                 </a:solidFill>
-                <a:latin typeface="Calibri"/>
+                <a:latin typeface="Calibri" panose="020F0502020204030204" pitchFamily="34" charset="0"/>
                 <a:ea typeface="DejaVu Sans"/>
-              </a:rPr>
-              <a:t> </a:t>
-            </a:r>
-            <a:r>
-              <a:rPr b="1" lang="en-US" sz="2000" spc="-1" strike="noStrike">
+                <a:cs typeface="Calibri" panose="020F0502020204030204" pitchFamily="34" charset="0"/>
+              </a:rPr>
+              <a:t>Leonore.wigger@sib.swiss</a:t>
+            </a:r>
+            <a:r>
+              <a:rPr lang="en-US" sz="2200" b="0" strike="noStrike" spc="-1" dirty="0">
                 <a:solidFill>
                   <a:srgbClr val="262626"/>
                 </a:solidFill>
-                <a:latin typeface="Calibri"/>
+                <a:latin typeface="Calibri" panose="020F0502020204030204" pitchFamily="34" charset="0"/>
                 <a:ea typeface="DejaVu Sans"/>
-              </a:rPr>
-              <a:t>by February 24 2022, 23:59:59.</a:t>
-            </a:r>
-            <a:endParaRPr b="0" lang="en-US" sz="2000" spc="-1" strike="noStrike">
-              <a:latin typeface="Arial"/>
-            </a:endParaRPr>
-          </a:p>
-          <a:p>
-            <a:pPr lvl="1" marL="723960" indent="-261720">
+                <a:cs typeface="Calibri" panose="020F0502020204030204" pitchFamily="34" charset="0"/>
+              </a:rPr>
+              <a:t> </a:t>
+            </a:r>
+            <a:r>
+              <a:rPr lang="en-US" sz="2200" spc="-1" dirty="0">
+                <a:solidFill>
+                  <a:srgbClr val="262626"/>
+                </a:solidFill>
+                <a:latin typeface="Calibri" panose="020F0502020204030204" pitchFamily="34" charset="0"/>
+                <a:cs typeface="Calibri" panose="020F0502020204030204" pitchFamily="34" charset="0"/>
+              </a:rPr>
+              <a:t>by June 16,2022, 23:59:59.</a:t>
+            </a:r>
+          </a:p>
+          <a:p>
+            <a:pPr marL="723960" lvl="1" indent="-261720">
               <a:lnSpc>
                 <a:spcPct val="90000"/>
               </a:lnSpc>
@@ -4113,17 +4976,57 @@
               <a:buChar char="•"/>
             </a:pPr>
             <a:r>
-              <a:rPr b="0" lang="en-US" sz="2000" spc="-1" strike="noStrike">
+              <a:rPr lang="en-US" sz="2200" spc="-1" dirty="0">
+                <a:latin typeface="Calibri" panose="020F0502020204030204" pitchFamily="34" charset="0"/>
+                <a:cs typeface="Calibri" panose="020F0502020204030204" pitchFamily="34" charset="0"/>
+              </a:rPr>
+              <a:t>Subject line: </a:t>
+            </a:r>
+            <a:r>
+              <a:rPr lang="en-CH" sz="2200" dirty="0">
+                <a:solidFill>
+                  <a:srgbClr val="323130"/>
+                </a:solidFill>
+                <a:effectLst/>
+                <a:latin typeface="Calibri" panose="020F0502020204030204" pitchFamily="34" charset="0"/>
+                <a:ea typeface="Calibri" panose="020F0502020204030204" pitchFamily="34" charset="0"/>
+                <a:cs typeface="Calibri" panose="020F0502020204030204" pitchFamily="34" charset="0"/>
+              </a:rPr>
+              <a:t>Exam FSWR</a:t>
+            </a:r>
+            <a:endParaRPr lang="en-US" sz="2200" spc="-1" dirty="0">
+              <a:latin typeface="Calibri" panose="020F0502020204030204" pitchFamily="34" charset="0"/>
+              <a:cs typeface="Calibri" panose="020F0502020204030204" pitchFamily="34" charset="0"/>
+            </a:endParaRPr>
+          </a:p>
+          <a:p>
+            <a:pPr marL="723960" lvl="1" indent="-261720">
+              <a:lnSpc>
+                <a:spcPct val="90000"/>
+              </a:lnSpc>
+              <a:spcBef>
+                <a:spcPts val="1001"/>
+              </a:spcBef>
+              <a:buClr>
+                <a:srgbClr val="262626"/>
+              </a:buClr>
+              <a:buFont typeface="Arial"/>
+              <a:buChar char="•"/>
+            </a:pPr>
+            <a:r>
+              <a:rPr lang="en-US" sz="2200" b="0" strike="noStrike" spc="-1" dirty="0">
                 <a:solidFill>
                   <a:srgbClr val="262626"/>
                 </a:solidFill>
-                <a:latin typeface="Calibri"/>
+                <a:latin typeface="Calibri" panose="020F0502020204030204" pitchFamily="34" charset="0"/>
                 <a:ea typeface="DejaVu Sans"/>
+                <a:cs typeface="Calibri" panose="020F0502020204030204" pitchFamily="34" charset="0"/>
               </a:rPr>
               <a:t>Please bundle your script and graphics in a .zip file.</a:t>
             </a:r>
-            <a:endParaRPr b="0" lang="en-US" sz="2000" spc="-1" strike="noStrike">
-              <a:latin typeface="Arial"/>
+            <a:endParaRPr lang="en-US" sz="2200" b="0" strike="noStrike" spc="-1" dirty="0">
+              <a:latin typeface="Calibri" panose="020F0502020204030204" pitchFamily="34" charset="0"/>
+              <a:cs typeface="Calibri" panose="020F0502020204030204" pitchFamily="34" charset="0"/>
             </a:endParaRPr>
           </a:p>
           <a:p>
@@ -4135,7 +5038,7 @@
                 <a:spcPts val="1001"/>
               </a:spcBef>
             </a:pPr>
-            <a:endParaRPr b="0" lang="en-US" sz="2000" spc="-1" strike="noStrike">
+            <a:endParaRPr lang="en-US" sz="2000" b="0" strike="noStrike" spc="-1" dirty="0">
               <a:latin typeface="Arial"/>
             </a:endParaRPr>
           </a:p>
@@ -4161,13 +5064,20 @@
           </a:ln>
         </p:spPr>
         <p:style>
-          <a:lnRef idx="0"/>
-          <a:fillRef idx="0"/>
-          <a:effectRef idx="0"/>
+          <a:lnRef idx="0">
+            <a:scrgbClr r="0" g="0" b="0"/>
+          </a:lnRef>
+          <a:fillRef idx="0">
+            <a:scrgbClr r="0" g="0" b="0"/>
+          </a:fillRef>
+          <a:effectRef idx="0">
+            <a:scrgbClr r="0" g="0" b="0"/>
+          </a:effectRef>
           <a:fontRef idx="minor"/>
         </p:style>
         <p:txBody>
-          <a:bodyPr lIns="90000" rIns="90000" tIns="45000" bIns="45000"/>
+          <a:bodyPr lIns="90000" tIns="45000" rIns="90000" bIns="45000"/>
+          <a:lstStyle/>
           <a:p>
             <a:pPr>
               <a:lnSpc>
@@ -4175,16 +5085,16 @@
               </a:lnSpc>
             </a:pPr>
             <a:r>
-              <a:rPr b="0" lang="en-US" sz="4000" spc="-1" strike="noStrike">
+              <a:rPr lang="en-US" sz="4000" b="0" strike="noStrike" spc="-1">
                 <a:solidFill>
-                  <a:srgbClr val="4f81bd"/>
+                  <a:srgbClr val="4F81BD"/>
                 </a:solidFill>
                 <a:latin typeface="Calibri Light"/>
                 <a:ea typeface="DejaVu Sans"/>
               </a:rPr>
               <a:t>Exam – for 0.5 ECTS credit points</a:t>
             </a:r>
-            <a:endParaRPr b="0" lang="en-US" sz="4000" spc="-1" strike="noStrike">
+            <a:endParaRPr lang="en-US" sz="4000" b="0" strike="noStrike" spc="-1">
               <a:latin typeface="Arial"/>
             </a:endParaRPr>
           </a:p>
@@ -4192,6 +5102,9 @@
       </p:sp>
     </p:spTree>
   </p:cSld>
+  <p:clrMapOvr>
+    <a:masterClrMapping/>
+  </p:clrMapOvr>
   <p:timing>
     <p:tnLst>
       <p:par>
@@ -4200,14 +5113,14 @@
             <p:seq>
               <p:cTn id="2" dur="indefinite" nodeType="mainSeq"/>
               <p:prevCondLst>
-                <p:cond delay="0" evt="onPrev">
+                <p:cond evt="onPrev" delay="0">
                   <p:tgtEl>
                     <p:sldTgt/>
                   </p:tgtEl>
                 </p:cond>
               </p:prevCondLst>
               <p:nextCondLst>
-                <p:cond delay="0" evt="onNext">
+                <p:cond evt="onNext" delay="0">
                   <p:tgtEl>
                     <p:sldTgt/>
                   </p:tgtEl>
@@ -4223,13 +5136,14 @@
 </file>
 
 <file path=ppt/slides/slide2.xml><?xml version="1.0" encoding="utf-8"?>
-<p:sld xmlns:a="http://schemas.openxmlformats.org/drawingml/2006/main" xmlns:p="http://schemas.openxmlformats.org/presentationml/2006/main" xmlns:r="http://schemas.openxmlformats.org/officeDocument/2006/relationships" xmlns:p14="http://schemas.microsoft.com/office/powerpoint/2010/main" xmlns:p15="http://schemas.microsoft.com/office/powerpoint/2012/main" xmlns:mc="http://schemas.openxmlformats.org/markup-compatibility/2006">
+<p:sld xmlns:a="http://schemas.openxmlformats.org/drawingml/2006/main" xmlns:r="http://schemas.openxmlformats.org/officeDocument/2006/relationships" xmlns:p="http://schemas.openxmlformats.org/presentationml/2006/main">
   <p:cSld>
     <p:bg>
       <p:bgPr>
         <a:solidFill>
-          <a:srgbClr val="f2f2f2"/>
+          <a:srgbClr val="F2F2F2"/>
         </a:solidFill>
+        <a:effectLst/>
       </p:bgPr>
     </p:bg>
     <p:spTree>
@@ -4266,13 +5180,20 @@
           </a:ln>
         </p:spPr>
         <p:style>
-          <a:lnRef idx="0"/>
-          <a:fillRef idx="0"/>
-          <a:effectRef idx="0"/>
+          <a:lnRef idx="0">
+            <a:scrgbClr r="0" g="0" b="0"/>
+          </a:lnRef>
+          <a:fillRef idx="0">
+            <a:scrgbClr r="0" g="0" b="0"/>
+          </a:fillRef>
+          <a:effectRef idx="0">
+            <a:scrgbClr r="0" g="0" b="0"/>
+          </a:effectRef>
           <a:fontRef idx="minor"/>
         </p:style>
         <p:txBody>
-          <a:bodyPr lIns="0" rIns="0" tIns="0" bIns="0"/>
+          <a:bodyPr lIns="0" tIns="0" rIns="0" bIns="0"/>
+          <a:lstStyle/>
           <a:p>
             <a:pPr>
               <a:lnSpc>
@@ -4283,21 +5204,21 @@
               </a:spcBef>
             </a:pPr>
             <a:r>
-              <a:rPr b="0" lang="en-US" sz="1800" spc="-1" strike="noStrike">
+              <a:rPr lang="en-US" sz="1800" b="0" strike="noStrike" spc="-1" dirty="0">
                 <a:solidFill>
                   <a:srgbClr val="262626"/>
                 </a:solidFill>
                 <a:latin typeface="Calibri"/>
                 <a:ea typeface="DejaVu Sans"/>
               </a:rPr>
-              <a:t>Let's explore the dataset to see what it contains.</a:t>
-            </a:r>
-            <a:endParaRPr b="0" lang="en-US" sz="1800" spc="-1" strike="noStrike">
-              <a:latin typeface="Arial"/>
-            </a:endParaRPr>
-          </a:p>
-          <a:p>
-            <a:pPr lvl="1" marL="449280" indent="-177480">
+              <a:t>Let's explore the dataset to see what it contains. </a:t>
+            </a:r>
+            <a:endParaRPr lang="en-US" sz="1800" b="0" strike="noStrike" spc="-1" dirty="0">
+              <a:latin typeface="Arial"/>
+            </a:endParaRPr>
+          </a:p>
+          <a:p>
+            <a:pPr marL="449280" lvl="1" indent="-177480">
               <a:lnSpc>
                 <a:spcPct val="90000"/>
               </a:lnSpc>
@@ -4314,31 +5235,21 @@
               <a:buAutoNum type="arabicParenR"/>
             </a:pPr>
             <a:r>
-              <a:rPr b="0" lang="en-US" sz="1800" spc="-1" strike="noStrike">
+              <a:rPr lang="en-US" sz="1800" b="0" strike="noStrike" spc="-1" dirty="0">
                 <a:solidFill>
                   <a:srgbClr val="262626"/>
                 </a:solidFill>
                 <a:latin typeface="Calibri"/>
                 <a:ea typeface="DejaVu Sans"/>
               </a:rPr>
-              <a:t> </a:t>
-            </a:r>
-            <a:r>
-              <a:rPr b="0" lang="en-US" sz="1800" spc="-1" strike="noStrike">
-                <a:solidFill>
-                  <a:srgbClr val="262626"/>
-                </a:solidFill>
-                <a:latin typeface="Calibri"/>
-                <a:ea typeface="DejaVu Sans"/>
-              </a:rPr>
-              <a:t>Have look at the file in R text editor to get familiar with it</a:t>
-            </a:r>
-            <a:endParaRPr b="0" lang="en-US" sz="1800" spc="-1" strike="noStrike">
-              <a:latin typeface="Arial"/>
-            </a:endParaRPr>
-          </a:p>
-          <a:p>
-            <a:pPr lvl="1" marL="449280" indent="-177480">
+              <a:t> Have look at the file in R text editor to get familiar with it.</a:t>
+            </a:r>
+            <a:endParaRPr lang="en-US" sz="1800" b="0" strike="noStrike" spc="-1" dirty="0">
+              <a:latin typeface="Arial"/>
+            </a:endParaRPr>
+          </a:p>
+          <a:p>
+            <a:pPr marL="449280" lvl="1" indent="-177480">
               <a:lnSpc>
                 <a:spcPct val="90000"/>
               </a:lnSpc>
@@ -4355,31 +5266,21 @@
               <a:buAutoNum type="arabicParenR"/>
             </a:pPr>
             <a:r>
-              <a:rPr b="0" lang="en-US" sz="1800" spc="-1" strike="noStrike">
+              <a:rPr lang="en-US" sz="1800" b="0" strike="noStrike" spc="-1" dirty="0">
                 <a:solidFill>
                   <a:srgbClr val="262626"/>
                 </a:solidFill>
                 <a:latin typeface="Calibri"/>
                 <a:ea typeface="DejaVu Sans"/>
               </a:rPr>
-              <a:t> </a:t>
-            </a:r>
-            <a:r>
-              <a:rPr b="0" lang="en-US" sz="1800" spc="-1" strike="noStrike">
-                <a:solidFill>
-                  <a:srgbClr val="262626"/>
-                </a:solidFill>
-                <a:latin typeface="Calibri"/>
-                <a:ea typeface="DejaVu Sans"/>
-              </a:rPr>
-              <a:t>Open a new script file in R studio, comment it and save it.</a:t>
-            </a:r>
-            <a:endParaRPr b="0" lang="en-US" sz="1800" spc="-1" strike="noStrike">
-              <a:latin typeface="Arial"/>
-            </a:endParaRPr>
-          </a:p>
-          <a:p>
-            <a:pPr lvl="1" marL="449280" indent="-177480">
+              <a:t> Open a new script file in R studio, comment it and save it.</a:t>
+            </a:r>
+            <a:endParaRPr lang="en-US" sz="1800" b="0" strike="noStrike" spc="-1" dirty="0">
+              <a:latin typeface="Arial"/>
+            </a:endParaRPr>
+          </a:p>
+          <a:p>
+            <a:pPr marL="449280" lvl="1" indent="-177480">
               <a:lnSpc>
                 <a:spcPct val="90000"/>
               </a:lnSpc>
@@ -4396,31 +5297,21 @@
               <a:buAutoNum type="arabicParenR"/>
             </a:pPr>
             <a:r>
-              <a:rPr b="0" lang="en-US" sz="1800" spc="-1" strike="noStrike">
+              <a:rPr lang="en-US" sz="1800" b="0" strike="noStrike" spc="-1" dirty="0">
                 <a:solidFill>
                   <a:srgbClr val="262626"/>
                 </a:solidFill>
                 <a:latin typeface="Calibri"/>
                 <a:ea typeface="DejaVu Sans"/>
               </a:rPr>
-              <a:t> </a:t>
-            </a:r>
-            <a:r>
-              <a:rPr b="0" lang="en-US" sz="1800" spc="-1" strike="noStrike">
-                <a:solidFill>
-                  <a:srgbClr val="262626"/>
-                </a:solidFill>
-                <a:latin typeface="Calibri"/>
-                <a:ea typeface="DejaVu Sans"/>
-              </a:rPr>
-              <a:t>Read the file, assign it to object "df". Examine "df". </a:t>
-            </a:r>
-            <a:endParaRPr b="0" lang="en-US" sz="1800" spc="-1" strike="noStrike">
-              <a:latin typeface="Arial"/>
-            </a:endParaRPr>
-          </a:p>
-          <a:p>
-            <a:pPr lvl="2" marL="648000" indent="-212400">
+              <a:t> Read the file, assign it to object "df". Examine "df". </a:t>
+            </a:r>
+            <a:endParaRPr lang="en-US" sz="1800" b="0" strike="noStrike" spc="-1" dirty="0">
+              <a:latin typeface="Arial"/>
+            </a:endParaRPr>
+          </a:p>
+          <a:p>
+            <a:pPr marL="648000" lvl="2" indent="-212400">
               <a:lnSpc>
                 <a:spcPct val="90000"/>
               </a:lnSpc>
@@ -4437,7 +5328,7 @@
               <a:buAutoNum type="alphaLcParenR"/>
             </a:pPr>
             <a:r>
-              <a:rPr b="0" lang="en-US" sz="1800" spc="-1" strike="noStrike">
+              <a:rPr lang="en-US" sz="1800" b="0" strike="noStrike" spc="-1" dirty="0">
                 <a:solidFill>
                   <a:srgbClr val="262626"/>
                 </a:solidFill>
@@ -4446,12 +5337,12 @@
               </a:rPr>
               <a:t>How many observations and variables does the dataset have? </a:t>
             </a:r>
-            <a:endParaRPr b="0" lang="en-US" sz="1800" spc="-1" strike="noStrike">
-              <a:latin typeface="Arial"/>
-            </a:endParaRPr>
-          </a:p>
-          <a:p>
-            <a:pPr lvl="2" marL="648000" indent="-212400">
+            <a:endParaRPr lang="en-US" sz="1800" b="0" strike="noStrike" spc="-1" dirty="0">
+              <a:latin typeface="Arial"/>
+            </a:endParaRPr>
+          </a:p>
+          <a:p>
+            <a:pPr marL="648000" lvl="2" indent="-212400">
               <a:lnSpc>
                 <a:spcPct val="90000"/>
               </a:lnSpc>
@@ -4468,7 +5359,7 @@
               <a:buAutoNum type="alphaLcParenR"/>
             </a:pPr>
             <a:r>
-              <a:rPr b="0" lang="en-US" sz="1800" spc="-1" strike="noStrike">
+              <a:rPr lang="en-US" sz="1800" b="0" strike="noStrike" spc="-1" dirty="0">
                 <a:solidFill>
                   <a:srgbClr val="262626"/>
                 </a:solidFill>
@@ -4477,12 +5368,12 @@
               </a:rPr>
               <a:t>What is the structure of the dataset?  </a:t>
             </a:r>
-            <a:endParaRPr b="0" lang="en-US" sz="1800" spc="-1" strike="noStrike">
-              <a:latin typeface="Arial"/>
-            </a:endParaRPr>
-          </a:p>
-          <a:p>
-            <a:pPr lvl="2" marL="648000" indent="-212400">
+            <a:endParaRPr lang="en-US" sz="1800" b="0" strike="noStrike" spc="-1" dirty="0">
+              <a:latin typeface="Arial"/>
+            </a:endParaRPr>
+          </a:p>
+          <a:p>
+            <a:pPr marL="648000" lvl="2" indent="-212400">
               <a:lnSpc>
                 <a:spcPct val="90000"/>
               </a:lnSpc>
@@ -4499,7 +5390,7 @@
               <a:buAutoNum type="alphaLcParenR"/>
             </a:pPr>
             <a:r>
-              <a:rPr b="0" lang="en-US" sz="1800" spc="-1" strike="noStrike">
+              <a:rPr lang="en-US" sz="1800" b="0" strike="noStrike" spc="-1" dirty="0">
                 <a:solidFill>
                   <a:srgbClr val="262626"/>
                 </a:solidFill>
@@ -4508,12 +5399,12 @@
               </a:rPr>
               <a:t>What are the names and types of the variables? </a:t>
             </a:r>
-            <a:endParaRPr b="0" lang="en-US" sz="1800" spc="-1" strike="noStrike">
-              <a:latin typeface="Arial"/>
-            </a:endParaRPr>
-          </a:p>
-          <a:p>
-            <a:pPr lvl="2" marL="648000" indent="-212400">
+            <a:endParaRPr lang="en-US" sz="1800" b="0" strike="noStrike" spc="-1" dirty="0">
+              <a:latin typeface="Arial"/>
+            </a:endParaRPr>
+          </a:p>
+          <a:p>
+            <a:pPr marL="648000" lvl="2" indent="-212400">
               <a:lnSpc>
                 <a:spcPct val="90000"/>
               </a:lnSpc>
@@ -4530,7 +5421,7 @@
               <a:buAutoNum type="alphaLcParenR"/>
             </a:pPr>
             <a:r>
-              <a:rPr b="0" lang="en-US" sz="1800" spc="-1" strike="noStrike">
+              <a:rPr lang="en-US" sz="1800" b="0" strike="noStrike" spc="-1" dirty="0">
                 <a:solidFill>
                   <a:srgbClr val="262626"/>
                 </a:solidFill>
@@ -4539,12 +5430,12 @@
               </a:rPr>
               <a:t>Get the summary statistics of  "df".</a:t>
             </a:r>
-            <a:endParaRPr b="0" lang="en-US" sz="1800" spc="-1" strike="noStrike">
-              <a:latin typeface="Arial"/>
-            </a:endParaRPr>
-          </a:p>
-          <a:p>
-            <a:pPr lvl="1" marL="449280" indent="-177480">
+            <a:endParaRPr lang="en-US" sz="1800" b="0" strike="noStrike" spc="-1" dirty="0">
+              <a:latin typeface="Arial"/>
+            </a:endParaRPr>
+          </a:p>
+          <a:p>
+            <a:pPr marL="449280" lvl="1" indent="-177480">
               <a:lnSpc>
                 <a:spcPct val="90000"/>
               </a:lnSpc>
@@ -4561,31 +5452,141 @@
               <a:buAutoNum type="arabicParenR"/>
             </a:pPr>
             <a:r>
-              <a:rPr b="0" lang="en-US" sz="1800" spc="-1" strike="noStrike">
+              <a:rPr lang="en-US" sz="1800" b="0" strike="noStrike" spc="-1" dirty="0">
                 <a:solidFill>
                   <a:srgbClr val="262626"/>
                 </a:solidFill>
                 <a:latin typeface="Calibri"/>
                 <a:ea typeface="DejaVu Sans"/>
               </a:rPr>
-              <a:t> </a:t>
-            </a:r>
-            <a:r>
-              <a:rPr b="0" lang="en-US" sz="1800" spc="-1" strike="noStrike">
+              <a:t> Calculate the BMI of each person and add an extra variable "</a:t>
+            </a:r>
+            <a:r>
+              <a:rPr lang="en-US" sz="1800" b="0" strike="noStrike" spc="-1" dirty="0" err="1">
                 <a:solidFill>
                   <a:srgbClr val="262626"/>
                 </a:solidFill>
                 <a:latin typeface="Calibri"/>
                 <a:ea typeface="DejaVu Sans"/>
               </a:rPr>
-              <a:t>Calculate the BMI of each person and add an extra variable "bmi" to a new data frame "df_bmi". Export it to a csv file. (Google the BMI formula). </a:t>
-            </a:r>
-            <a:endParaRPr b="0" lang="en-US" sz="1800" spc="-1" strike="noStrike">
-              <a:latin typeface="Arial"/>
-            </a:endParaRPr>
-          </a:p>
-          <a:p>
-            <a:pPr lvl="1" marL="449280" indent="-177480">
+              <a:t>bmi</a:t>
+            </a:r>
+            <a:r>
+              <a:rPr lang="en-US" sz="1800" b="0" strike="noStrike" spc="-1" dirty="0">
+                <a:solidFill>
+                  <a:srgbClr val="262626"/>
+                </a:solidFill>
+                <a:latin typeface="Calibri"/>
+                <a:ea typeface="DejaVu Sans"/>
+              </a:rPr>
+              <a:t>" to a new data frame "</a:t>
+            </a:r>
+            <a:r>
+              <a:rPr lang="en-US" sz="1800" b="0" strike="noStrike" spc="-1" dirty="0" err="1">
+                <a:solidFill>
+                  <a:srgbClr val="262626"/>
+                </a:solidFill>
+                <a:latin typeface="Calibri"/>
+                <a:ea typeface="DejaVu Sans"/>
+              </a:rPr>
+              <a:t>df_bmi</a:t>
+            </a:r>
+            <a:r>
+              <a:rPr lang="en-US" sz="1800" b="0" strike="noStrike" spc="-1" dirty="0">
+                <a:solidFill>
+                  <a:srgbClr val="262626"/>
+                </a:solidFill>
+                <a:latin typeface="Calibri"/>
+                <a:ea typeface="DejaVu Sans"/>
+              </a:rPr>
+              <a:t>". Check that </a:t>
+            </a:r>
+            <a:r>
+              <a:rPr lang="en-US" sz="1800" b="0" strike="noStrike" spc="-1" dirty="0" err="1">
+                <a:solidFill>
+                  <a:srgbClr val="262626"/>
+                </a:solidFill>
+                <a:latin typeface="Calibri"/>
+                <a:ea typeface="DejaVu Sans"/>
+              </a:rPr>
+              <a:t>df_bmi</a:t>
+            </a:r>
+            <a:r>
+              <a:rPr lang="en-US" sz="1800" b="0" strike="noStrike" spc="-1" dirty="0">
+                <a:solidFill>
+                  <a:srgbClr val="262626"/>
+                </a:solidFill>
+                <a:latin typeface="Calibri"/>
+                <a:ea typeface="DejaVu Sans"/>
+              </a:rPr>
+              <a:t> contains a new column </a:t>
+            </a:r>
+            <a:r>
+              <a:rPr lang="en-US" spc="-1" dirty="0">
+                <a:solidFill>
+                  <a:srgbClr val="262626"/>
+                </a:solidFill>
+                <a:latin typeface="Calibri"/>
+                <a:ea typeface="DejaVu Sans"/>
+              </a:rPr>
+              <a:t>“</a:t>
+            </a:r>
+            <a:r>
+              <a:rPr lang="en-US" spc="-1" dirty="0" err="1">
+                <a:solidFill>
+                  <a:srgbClr val="262626"/>
+                </a:solidFill>
+                <a:latin typeface="Calibri"/>
+                <a:ea typeface="DejaVu Sans"/>
+              </a:rPr>
+              <a:t>bmi</a:t>
+            </a:r>
+            <a:r>
+              <a:rPr lang="en-US" spc="-1" dirty="0">
+                <a:solidFill>
+                  <a:srgbClr val="262626"/>
+                </a:solidFill>
+                <a:latin typeface="Calibri"/>
+                <a:ea typeface="DejaVu Sans"/>
+              </a:rPr>
+              <a:t>”. </a:t>
+            </a:r>
+            <a:r>
+              <a:rPr lang="en-US" sz="1800" b="0" strike="noStrike" spc="-1" dirty="0">
+                <a:solidFill>
+                  <a:srgbClr val="262626"/>
+                </a:solidFill>
+                <a:latin typeface="Calibri"/>
+                <a:ea typeface="DejaVu Sans"/>
+              </a:rPr>
+              <a:t>Export </a:t>
+            </a:r>
+            <a:r>
+              <a:rPr lang="en-US" sz="1800" b="0" strike="noStrike" spc="-1" dirty="0" err="1">
+                <a:solidFill>
+                  <a:srgbClr val="262626"/>
+                </a:solidFill>
+                <a:latin typeface="Calibri"/>
+                <a:ea typeface="DejaVu Sans"/>
+              </a:rPr>
+              <a:t>df_bmi</a:t>
+            </a:r>
+            <a:r>
+              <a:rPr lang="en-US" sz="1800" b="0" strike="noStrike" spc="-1" dirty="0">
+                <a:solidFill>
+                  <a:srgbClr val="262626"/>
+                </a:solidFill>
+                <a:latin typeface="Calibri"/>
+                <a:ea typeface="DejaVu Sans"/>
+              </a:rPr>
+              <a:t> to a csv file. (Google the BMI formula). </a:t>
+            </a:r>
+            <a:endParaRPr lang="en-US" sz="1800" b="0" strike="noStrike" spc="-1" dirty="0">
+              <a:latin typeface="Arial"/>
+            </a:endParaRPr>
+          </a:p>
+          <a:p>
+            <a:pPr marL="449280" lvl="1" indent="-177480">
               <a:lnSpc>
                 <a:spcPct val="90000"/>
               </a:lnSpc>
@@ -4602,80 +5603,16 @@
               <a:buAutoNum type="arabicParenR"/>
             </a:pPr>
             <a:r>
-              <a:rPr b="0" lang="en-US" sz="1800" spc="-1" strike="noStrike">
+              <a:rPr lang="en-US" sz="1800" b="0" strike="noStrike" spc="-1" dirty="0">
                 <a:solidFill>
                   <a:srgbClr val="262626"/>
                 </a:solidFill>
                 <a:latin typeface="Calibri"/>
                 <a:ea typeface="DejaVu Sans"/>
               </a:rPr>
-              <a:t> </a:t>
-            </a:r>
-            <a:r>
-              <a:rPr b="0" lang="en-US" sz="1800" spc="-1" strike="noStrike">
-                <a:solidFill>
-                  <a:srgbClr val="262626"/>
-                </a:solidFill>
-                <a:latin typeface="Calibri"/>
-                <a:ea typeface="DejaVu Sans"/>
-              </a:rPr>
-              <a:t>Check that "df_bmi" and" etubiol_bmi.csv" contain the new bmi variable.</a:t>
-            </a:r>
-            <a:endParaRPr b="0" lang="en-US" sz="1800" spc="-1" strike="noStrike">
-              <a:latin typeface="Arial"/>
-            </a:endParaRPr>
-          </a:p>
-          <a:p>
-            <a:pPr lvl="1" marL="449280" indent="-177480">
-              <a:lnSpc>
-                <a:spcPct val="90000"/>
-              </a:lnSpc>
-              <a:spcBef>
-                <a:spcPts val="782"/>
-              </a:spcBef>
-              <a:spcAft>
-                <a:spcPts val="283"/>
-              </a:spcAft>
-              <a:buClr>
-                <a:srgbClr val="262626"/>
-              </a:buClr>
-              <a:buFont typeface="Arial"/>
-              <a:buAutoNum type="arabicParenR"/>
-            </a:pPr>
-            <a:r>
-              <a:rPr b="0" lang="en-US" sz="1800" spc="-1" strike="noStrike">
-                <a:solidFill>
-                  <a:srgbClr val="262626"/>
-                </a:solidFill>
-                <a:latin typeface="Calibri"/>
-                <a:ea typeface="DejaVu Sans"/>
-              </a:rPr>
-              <a:t> </a:t>
-            </a:r>
-            <a:r>
-              <a:rPr b="0" lang="en-US" sz="1800" spc="-1" strike="noStrike">
-                <a:solidFill>
-                  <a:srgbClr val="262626"/>
-                </a:solidFill>
-                <a:latin typeface="Calibri"/>
-                <a:ea typeface="DejaVu Sans"/>
-              </a:rPr>
-              <a:t>Make a global scatter plot of all pairs of variables in the dataset.</a:t>
-            </a:r>
-            <a:endParaRPr b="0" lang="en-US" sz="1800" spc="-1" strike="noStrike">
-              <a:latin typeface="Arial"/>
-            </a:endParaRPr>
-          </a:p>
-          <a:p>
-            <a:pPr marL="266760">
-              <a:lnSpc>
-                <a:spcPct val="90000"/>
-              </a:lnSpc>
-              <a:spcBef>
-                <a:spcPts val="1001"/>
-              </a:spcBef>
-            </a:pPr>
-            <a:endParaRPr b="0" lang="en-US" sz="1800" spc="-1" strike="noStrike">
+              <a:t> Make a global scatter plot of all pairs of variables in the dataset.</a:t>
+            </a:r>
+            <a:endParaRPr lang="en-US" sz="1800" b="0" strike="noStrike" spc="-1" dirty="0">
               <a:latin typeface="Arial"/>
             </a:endParaRPr>
           </a:p>
@@ -4701,13 +5638,20 @@
           </a:ln>
         </p:spPr>
         <p:style>
-          <a:lnRef idx="0"/>
-          <a:fillRef idx="0"/>
-          <a:effectRef idx="0"/>
+          <a:lnRef idx="0">
+            <a:scrgbClr r="0" g="0" b="0"/>
+          </a:lnRef>
+          <a:fillRef idx="0">
+            <a:scrgbClr r="0" g="0" b="0"/>
+          </a:fillRef>
+          <a:effectRef idx="0">
+            <a:scrgbClr r="0" g="0" b="0"/>
+          </a:effectRef>
           <a:fontRef idx="minor"/>
         </p:style>
         <p:txBody>
-          <a:bodyPr lIns="90000" rIns="90000" tIns="45000" bIns="45000"/>
+          <a:bodyPr lIns="90000" tIns="45000" rIns="90000" bIns="45000"/>
+          <a:lstStyle/>
           <a:p>
             <a:pPr>
               <a:lnSpc>
@@ -4715,16 +5659,16 @@
               </a:lnSpc>
             </a:pPr>
             <a:r>
-              <a:rPr b="0" lang="en-US" sz="4400" spc="-1" strike="noStrike">
+              <a:rPr lang="en-US" sz="4400" b="0" strike="noStrike" spc="-1">
                 <a:solidFill>
-                  <a:srgbClr val="4f81bd"/>
+                  <a:srgbClr val="4F81BD"/>
                 </a:solidFill>
                 <a:latin typeface="Calibri Light"/>
                 <a:ea typeface="DejaVu Sans"/>
               </a:rPr>
               <a:t>Exam, Part I</a:t>
             </a:r>
-            <a:endParaRPr b="0" lang="en-US" sz="4400" spc="-1" strike="noStrike">
+            <a:endParaRPr lang="en-US" sz="4400" b="0" strike="noStrike" spc="-1">
               <a:latin typeface="Arial"/>
             </a:endParaRPr>
           </a:p>
@@ -4732,22 +5676,25 @@
       </p:sp>
     </p:spTree>
   </p:cSld>
+  <p:clrMapOvr>
+    <a:masterClrMapping/>
+  </p:clrMapOvr>
   <p:timing>
     <p:tnLst>
       <p:par>
-        <p:cTn id="3" dur="indefinite" restart="never" nodeType="tmRoot">
+        <p:cTn id="1" dur="indefinite" restart="never" nodeType="tmRoot">
           <p:childTnLst>
             <p:seq>
-              <p:cTn id="4" dur="indefinite" nodeType="mainSeq"/>
+              <p:cTn id="2" dur="indefinite" nodeType="mainSeq"/>
               <p:prevCondLst>
-                <p:cond delay="0" evt="onPrev">
+                <p:cond evt="onPrev" delay="0">
                   <p:tgtEl>
                     <p:sldTgt/>
                   </p:tgtEl>
                 </p:cond>
               </p:prevCondLst>
               <p:nextCondLst>
-                <p:cond delay="0" evt="onNext">
+                <p:cond evt="onNext" delay="0">
                   <p:tgtEl>
                     <p:sldTgt/>
                   </p:tgtEl>
@@ -4763,13 +5710,14 @@
 </file>
 
 <file path=ppt/slides/slide3.xml><?xml version="1.0" encoding="utf-8"?>
-<p:sld xmlns:a="http://schemas.openxmlformats.org/drawingml/2006/main" xmlns:p="http://schemas.openxmlformats.org/presentationml/2006/main" xmlns:r="http://schemas.openxmlformats.org/officeDocument/2006/relationships" xmlns:p14="http://schemas.microsoft.com/office/powerpoint/2010/main" xmlns:p15="http://schemas.microsoft.com/office/powerpoint/2012/main" xmlns:mc="http://schemas.openxmlformats.org/markup-compatibility/2006">
+<p:sld xmlns:a="http://schemas.openxmlformats.org/drawingml/2006/main" xmlns:r="http://schemas.openxmlformats.org/officeDocument/2006/relationships" xmlns:p="http://schemas.openxmlformats.org/presentationml/2006/main">
   <p:cSld>
     <p:bg>
       <p:bgPr>
         <a:solidFill>
-          <a:srgbClr val="f2f2f2"/>
+          <a:srgbClr val="F2F2F2"/>
         </a:solidFill>
+        <a:effectLst/>
       </p:bgPr>
     </p:bg>
     <p:spTree>
@@ -4806,13 +5754,20 @@
           </a:ln>
         </p:spPr>
         <p:style>
-          <a:lnRef idx="0"/>
-          <a:fillRef idx="0"/>
-          <a:effectRef idx="0"/>
+          <a:lnRef idx="0">
+            <a:scrgbClr r="0" g="0" b="0"/>
+          </a:lnRef>
+          <a:fillRef idx="0">
+            <a:scrgbClr r="0" g="0" b="0"/>
+          </a:fillRef>
+          <a:effectRef idx="0">
+            <a:scrgbClr r="0" g="0" b="0"/>
+          </a:effectRef>
           <a:fontRef idx="minor"/>
         </p:style>
         <p:txBody>
-          <a:bodyPr lIns="0" rIns="0" tIns="0" bIns="0"/>
+          <a:bodyPr lIns="0" tIns="0" rIns="0" bIns="0"/>
+          <a:lstStyle/>
           <a:p>
             <a:pPr>
               <a:lnSpc>
@@ -4825,7 +5780,7 @@
                 <a:spcPts val="283"/>
               </a:spcAft>
             </a:pPr>
-            <a:endParaRPr b="0" lang="en-US" sz="1800" spc="-1" strike="noStrike">
+            <a:endParaRPr lang="en-US" sz="1800" b="0" strike="noStrike" spc="-1" dirty="0">
               <a:latin typeface="Arial"/>
             </a:endParaRPr>
           </a:p>
@@ -4842,7 +5797,7 @@
               </a:spcAft>
             </a:pPr>
             <a:r>
-              <a:rPr b="0" lang="en-US" sz="1800" spc="-1" strike="noStrike">
+              <a:rPr lang="en-US" sz="1800" b="0" strike="noStrike" spc="-1" dirty="0">
                 <a:solidFill>
                   <a:srgbClr val="000000"/>
                 </a:solidFill>
@@ -4851,12 +5806,12 @@
               </a:rPr>
               <a:t>Assume that you have been given the following questions for hypothesis testing.</a:t>
             </a:r>
-            <a:endParaRPr b="0" lang="en-US" sz="1800" spc="-1" strike="noStrike">
-              <a:latin typeface="Arial"/>
-            </a:endParaRPr>
-          </a:p>
-          <a:p>
-            <a:pPr lvl="1" marL="612360" indent="-340920">
+            <a:endParaRPr lang="en-US" sz="1800" b="0" strike="noStrike" spc="-1" dirty="0">
+              <a:latin typeface="Arial"/>
+            </a:endParaRPr>
+          </a:p>
+          <a:p>
+            <a:pPr marL="612360" lvl="1" indent="-340920">
               <a:lnSpc>
                 <a:spcPct val="90000"/>
               </a:lnSpc>
@@ -4873,31 +5828,41 @@
               <a:buAutoNum type="arabicPeriod"/>
             </a:pPr>
             <a:r>
-              <a:rPr b="0" lang="en-US" sz="1600" spc="-1" strike="noStrike">
+              <a:rPr lang="en-US" sz="1600" b="0" strike="noStrike" spc="-1" dirty="0">
                 <a:solidFill>
                   <a:srgbClr val="000000"/>
                 </a:solidFill>
                 <a:latin typeface="Calibri"/>
                 <a:ea typeface="DejaVu Sans"/>
               </a:rPr>
-              <a:t> </a:t>
-            </a:r>
-            <a:r>
-              <a:rPr b="0" lang="en-US" sz="1600" spc="-1" strike="noStrike">
+              <a:t> Is there a significant difference in </a:t>
+            </a:r>
+            <a:r>
+              <a:rPr lang="en-US" sz="1600" b="0" strike="noStrike" spc="-1" dirty="0" err="1">
                 <a:solidFill>
                   <a:srgbClr val="000000"/>
                 </a:solidFill>
                 <a:latin typeface="Calibri"/>
                 <a:ea typeface="DejaVu Sans"/>
               </a:rPr>
-              <a:t>Is there a significant difference in bmi means between males and females?</a:t>
-            </a:r>
-            <a:endParaRPr b="0" lang="en-US" sz="1600" spc="-1" strike="noStrike">
-              <a:latin typeface="Arial"/>
-            </a:endParaRPr>
-          </a:p>
-          <a:p>
-            <a:pPr lvl="1" marL="612360" indent="-340920">
+              <a:t>bmi</a:t>
+            </a:r>
+            <a:r>
+              <a:rPr lang="en-US" sz="1600" b="0" strike="noStrike" spc="-1" dirty="0">
+                <a:solidFill>
+                  <a:srgbClr val="000000"/>
+                </a:solidFill>
+                <a:latin typeface="Calibri"/>
+                <a:ea typeface="DejaVu Sans"/>
+              </a:rPr>
+              <a:t> means between males and females?</a:t>
+            </a:r>
+            <a:endParaRPr lang="en-US" sz="1600" b="0" strike="noStrike" spc="-1" dirty="0">
+              <a:latin typeface="Arial"/>
+            </a:endParaRPr>
+          </a:p>
+          <a:p>
+            <a:pPr marL="612360" lvl="1" indent="-340920">
               <a:lnSpc>
                 <a:spcPct val="90000"/>
               </a:lnSpc>
@@ -4914,31 +5879,41 @@
               <a:buAutoNum type="arabicPeriod"/>
             </a:pPr>
             <a:r>
-              <a:rPr b="0" lang="en-US" sz="1600" spc="-1" strike="noStrike">
+              <a:rPr lang="en-US" sz="1600" b="0" strike="noStrike" spc="-1" dirty="0">
                 <a:solidFill>
                   <a:srgbClr val="000000"/>
                 </a:solidFill>
                 <a:latin typeface="Calibri"/>
                 <a:ea typeface="DejaVu Sans"/>
               </a:rPr>
-              <a:t> </a:t>
-            </a:r>
-            <a:r>
-              <a:rPr b="0" lang="en-US" sz="1600" spc="-1" strike="noStrike">
+              <a:t> Is there a significant difference in </a:t>
+            </a:r>
+            <a:r>
+              <a:rPr lang="en-US" sz="1600" b="0" strike="noStrike" spc="-1" dirty="0" err="1">
                 <a:solidFill>
                   <a:srgbClr val="000000"/>
                 </a:solidFill>
                 <a:latin typeface="Calibri"/>
                 <a:ea typeface="DejaVu Sans"/>
               </a:rPr>
-              <a:t>Is there a significant difference in bmi means between smokers and non smokers?</a:t>
-            </a:r>
-            <a:endParaRPr b="0" lang="en-US" sz="1600" spc="-1" strike="noStrike">
-              <a:latin typeface="Arial"/>
-            </a:endParaRPr>
-          </a:p>
-          <a:p>
-            <a:pPr lvl="1" marL="612360" indent="-340920">
+              <a:t>bmi</a:t>
+            </a:r>
+            <a:r>
+              <a:rPr lang="en-US" sz="1600" b="0" strike="noStrike" spc="-1" dirty="0">
+                <a:solidFill>
+                  <a:srgbClr val="000000"/>
+                </a:solidFill>
+                <a:latin typeface="Calibri"/>
+                <a:ea typeface="DejaVu Sans"/>
+              </a:rPr>
+              <a:t> means between smokers and non smokers?</a:t>
+            </a:r>
+            <a:endParaRPr lang="en-US" sz="1600" b="0" strike="noStrike" spc="-1" dirty="0">
+              <a:latin typeface="Arial"/>
+            </a:endParaRPr>
+          </a:p>
+          <a:p>
+            <a:pPr marL="612360" lvl="1" indent="-340920">
               <a:lnSpc>
                 <a:spcPct val="90000"/>
               </a:lnSpc>
@@ -4955,31 +5930,21 @@
               <a:buAutoNum type="arabicPeriod"/>
             </a:pPr>
             <a:r>
-              <a:rPr b="0" lang="en-US" sz="1600" spc="-1" strike="noStrike">
+              <a:rPr lang="en-US" sz="1600" b="0" strike="noStrike" spc="-1" dirty="0">
                 <a:solidFill>
                   <a:srgbClr val="000000"/>
                 </a:solidFill>
                 <a:latin typeface="Calibri"/>
                 <a:ea typeface="DejaVu Sans"/>
               </a:rPr>
-              <a:t> </a:t>
-            </a:r>
-            <a:r>
-              <a:rPr b="0" lang="en-US" sz="1600" spc="-1" strike="noStrike">
-                <a:solidFill>
-                  <a:srgbClr val="000000"/>
-                </a:solidFill>
-                <a:latin typeface="Calibri"/>
-                <a:ea typeface="DejaVu Sans"/>
-              </a:rPr>
-              <a:t>How strong is the linear (Pearson) correlation between shoe size and height? Is it significant?</a:t>
-            </a:r>
-            <a:endParaRPr b="0" lang="en-US" sz="1600" spc="-1" strike="noStrike">
-              <a:latin typeface="Arial"/>
-            </a:endParaRPr>
-          </a:p>
-          <a:p>
-            <a:pPr lvl="1" marL="612360" indent="-340920">
+              <a:t> How strong is the linear (Pearson) correlation between shoe size and height? Is it significant?</a:t>
+            </a:r>
+            <a:endParaRPr lang="en-US" sz="1600" b="0" strike="noStrike" spc="-1" dirty="0">
+              <a:latin typeface="Arial"/>
+            </a:endParaRPr>
+          </a:p>
+          <a:p>
+            <a:pPr marL="612360" lvl="1" indent="-340920">
               <a:lnSpc>
                 <a:spcPct val="90000"/>
               </a:lnSpc>
@@ -4996,31 +5961,21 @@
               <a:buAutoNum type="arabicPeriod"/>
             </a:pPr>
             <a:r>
-              <a:rPr b="0" lang="en-US" sz="1600" spc="-1" strike="noStrike">
+              <a:rPr lang="en-US" sz="1600" b="0" strike="noStrike" spc="-1" dirty="0">
                 <a:solidFill>
                   <a:srgbClr val="000000"/>
                 </a:solidFill>
                 <a:latin typeface="Calibri"/>
                 <a:ea typeface="DejaVu Sans"/>
               </a:rPr>
-              <a:t> </a:t>
-            </a:r>
-            <a:r>
-              <a:rPr b="0" lang="en-US" sz="1600" spc="-1" strike="noStrike">
-                <a:solidFill>
-                  <a:srgbClr val="000000"/>
-                </a:solidFill>
-                <a:latin typeface="Calibri"/>
-                <a:ea typeface="DejaVu Sans"/>
-              </a:rPr>
-              <a:t>If you model a linear relationship, how much does the shoe size increase per added cm of height? Is the change significant? What if you do this for males and females separately?</a:t>
-            </a:r>
-            <a:endParaRPr b="0" lang="en-US" sz="1600" spc="-1" strike="noStrike">
-              <a:latin typeface="Arial"/>
-            </a:endParaRPr>
-          </a:p>
-          <a:p>
-            <a:pPr lvl="1" marL="612360" indent="-340920">
+              <a:t> If you model a linear relationship, how much does the shoe size increase per added cm of height? Is the change significant? What if you do this for males and females separately?</a:t>
+            </a:r>
+            <a:endParaRPr lang="en-US" sz="1600" b="0" strike="noStrike" spc="-1" dirty="0">
+              <a:latin typeface="Arial"/>
+            </a:endParaRPr>
+          </a:p>
+          <a:p>
+            <a:pPr marL="612360" lvl="1" indent="-340920">
               <a:lnSpc>
                 <a:spcPct val="90000"/>
               </a:lnSpc>
@@ -5037,16 +5992,36 @@
               <a:buAutoNum type="arabicPeriod"/>
             </a:pPr>
             <a:r>
-              <a:rPr b="0" lang="en-US" sz="1600" spc="-1" strike="noStrike">
+              <a:rPr lang="en-US" sz="1600" b="0" strike="noStrike" spc="-1" dirty="0">
                 <a:solidFill>
                   <a:srgbClr val="000000"/>
                 </a:solidFill>
                 <a:latin typeface="Calibri"/>
                 <a:ea typeface="DejaVu Sans"/>
               </a:rPr>
-              <a:t>Come up with a question for hypothesis testing of your own that includes one or more variable(s) of your choosing from the etubiol data set. </a:t>
-            </a:r>
-            <a:endParaRPr b="0" lang="en-US" sz="1600" spc="-1" strike="noStrike">
+              <a:t>Come up with a question for hypothesis testing of your own that includes one or more variable(s) of your choosing from the </a:t>
+            </a:r>
+            <a:r>
+              <a:rPr lang="en-US" sz="1600" b="0" strike="noStrike" spc="-1" dirty="0" err="1">
+                <a:solidFill>
+                  <a:srgbClr val="000000"/>
+                </a:solidFill>
+                <a:latin typeface="Calibri"/>
+                <a:ea typeface="DejaVu Sans"/>
+              </a:rPr>
+              <a:t>etubiol</a:t>
+            </a:r>
+            <a:r>
+              <a:rPr lang="en-US" sz="1600" b="0" strike="noStrike" spc="-1" dirty="0">
+                <a:solidFill>
+                  <a:srgbClr val="000000"/>
+                </a:solidFill>
+                <a:latin typeface="Calibri"/>
+                <a:ea typeface="DejaVu Sans"/>
+              </a:rPr>
+              <a:t> data set. </a:t>
+            </a:r>
+            <a:endParaRPr lang="en-US" sz="1600" b="0" strike="noStrike" spc="-1" dirty="0">
               <a:latin typeface="Arial"/>
             </a:endParaRPr>
           </a:p>
@@ -5068,7 +6043,7 @@
               <a:buChar char="•"/>
             </a:pPr>
             <a:r>
-              <a:rPr b="0" lang="en-US" sz="1800" spc="-1" strike="noStrike">
+              <a:rPr lang="en-US" sz="1800" b="0" strike="noStrike" spc="-1" dirty="0">
                 <a:solidFill>
                   <a:srgbClr val="000000"/>
                 </a:solidFill>
@@ -5077,7 +6052,7 @@
               </a:rPr>
               <a:t>Make plots as seen in the course to try to give visualization-based answers to these questions.</a:t>
             </a:r>
-            <a:endParaRPr b="0" lang="en-US" sz="1800" spc="-1" strike="noStrike">
+            <a:endParaRPr lang="en-US" sz="1800" b="0" strike="noStrike" spc="-1" dirty="0">
               <a:latin typeface="Arial"/>
             </a:endParaRPr>
           </a:p>
@@ -5099,7 +6074,7 @@
               <a:buChar char="•"/>
             </a:pPr>
             <a:r>
-              <a:rPr b="0" lang="en-US" sz="1800" spc="-1" strike="noStrike">
+              <a:rPr lang="en-US" sz="1800" b="0" strike="noStrike" spc="-1" dirty="0">
                 <a:solidFill>
                   <a:srgbClr val="000000"/>
                 </a:solidFill>
@@ -5108,8 +6083,53 @@
               </a:rPr>
               <a:t>Test your hypotheses using tests and modeling techniques from the course, based on the type of variables you have. Include tests of normality where appropriate.</a:t>
             </a:r>
-            <a:endParaRPr b="0" lang="en-US" sz="1800" spc="-1" strike="noStrike">
-              <a:latin typeface="Arial"/>
+          </a:p>
+          <a:p>
+            <a:pPr marL="344880" indent="-340560">
+              <a:lnSpc>
+                <a:spcPct val="90000"/>
+              </a:lnSpc>
+              <a:spcBef>
+                <a:spcPts val="782"/>
+              </a:spcBef>
+              <a:spcAft>
+                <a:spcPts val="283"/>
+              </a:spcAft>
+              <a:buClr>
+                <a:srgbClr val="000000"/>
+              </a:buClr>
+              <a:buFont typeface="Arial"/>
+              <a:buChar char="•"/>
+            </a:pPr>
+            <a:endParaRPr lang="en-US" spc="-1" dirty="0">
+              <a:solidFill>
+                <a:srgbClr val="000000"/>
+              </a:solidFill>
+              <a:latin typeface="Calibri"/>
+              <a:ea typeface="DejaVu Sans"/>
+            </a:endParaRPr>
+          </a:p>
+          <a:p>
+            <a:pPr marL="4320">
+              <a:lnSpc>
+                <a:spcPct val="90000"/>
+              </a:lnSpc>
+              <a:spcBef>
+                <a:spcPts val="782"/>
+              </a:spcBef>
+              <a:spcAft>
+                <a:spcPts val="283"/>
+              </a:spcAft>
+              <a:buClr>
+                <a:srgbClr val="000000"/>
+              </a:buClr>
+            </a:pPr>
+            <a:endParaRPr lang="en-US" sz="1800" b="0" strike="noStrike" spc="-1" dirty="0">
+              <a:solidFill>
+                <a:srgbClr val="000000"/>
+              </a:solidFill>
+              <a:latin typeface="Calibri"/>
+              <a:ea typeface="DejaVu Sans"/>
             </a:endParaRPr>
           </a:p>
         </p:txBody>
@@ -5134,13 +6154,20 @@
           </a:ln>
         </p:spPr>
         <p:style>
-          <a:lnRef idx="0"/>
-          <a:fillRef idx="0"/>
-          <a:effectRef idx="0"/>
+          <a:lnRef idx="0">
+            <a:scrgbClr r="0" g="0" b="0"/>
+          </a:lnRef>
+          <a:fillRef idx="0">
+            <a:scrgbClr r="0" g="0" b="0"/>
+          </a:fillRef>
+          <a:effectRef idx="0">
+            <a:scrgbClr r="0" g="0" b="0"/>
+          </a:effectRef>
           <a:fontRef idx="minor"/>
         </p:style>
         <p:txBody>
-          <a:bodyPr lIns="90000" rIns="90000" tIns="45000" bIns="45000"/>
+          <a:bodyPr lIns="90000" tIns="45000" rIns="90000" bIns="45000"/>
+          <a:lstStyle/>
           <a:p>
             <a:pPr>
               <a:lnSpc>
@@ -5148,39 +6175,377 @@
               </a:lnSpc>
             </a:pPr>
             <a:r>
-              <a:rPr b="0" lang="en-US" sz="4400" spc="-1" strike="noStrike">
+              <a:rPr lang="en-US" sz="4400" b="0" strike="noStrike" spc="-1">
                 <a:solidFill>
-                  <a:srgbClr val="4f81bd"/>
+                  <a:srgbClr val="4F81BD"/>
                 </a:solidFill>
                 <a:latin typeface="Calibri Light"/>
                 <a:ea typeface="DejaVu Sans"/>
               </a:rPr>
               <a:t>Exam, Part II</a:t>
             </a:r>
-            <a:endParaRPr b="0" lang="en-US" sz="4400" spc="-1" strike="noStrike">
-              <a:latin typeface="Arial"/>
+            <a:endParaRPr lang="en-US" sz="4400" b="0" strike="noStrike" spc="-1">
+              <a:latin typeface="Arial"/>
+            </a:endParaRPr>
+          </a:p>
+        </p:txBody>
+      </p:sp>
+      <p:sp>
+        <p:nvSpPr>
+          <p:cNvPr id="2" name="TextBox 1">
+            <a:extLst>
+              <a:ext uri="{FF2B5EF4-FFF2-40B4-BE49-F238E27FC236}">
+                <a16:creationId xmlns:a16="http://schemas.microsoft.com/office/drawing/2014/main" id="{42E4A1C9-C4D2-4B2C-960F-60F690155B77}"/>
+              </a:ext>
+            </a:extLst>
+          </p:cNvPr>
+          <p:cNvSpPr txBox="1"/>
+          <p:nvPr/>
+        </p:nvSpPr>
+        <p:spPr>
+          <a:xfrm>
+            <a:off x="698642" y="5567830"/>
+            <a:ext cx="7900827" cy="923330"/>
+          </a:xfrm>
+          <a:prstGeom prst="rect">
+            <a:avLst/>
+          </a:prstGeom>
+          <a:noFill/>
+          <a:ln>
+            <a:solidFill>
+              <a:schemeClr val="tx1"/>
+            </a:solidFill>
+          </a:ln>
+        </p:spPr>
+        <p:txBody>
+          <a:bodyPr wrap="square" rtlCol="0">
+            <a:spAutoFit/>
+          </a:bodyPr>
+          <a:lstStyle/>
+          <a:p>
+            <a:r>
+              <a:rPr lang="de-CH" b="1" dirty="0">
+                <a:latin typeface="Calibri" panose="020F0502020204030204" pitchFamily="34" charset="0"/>
+                <a:cs typeface="Calibri" panose="020F0502020204030204" pitchFamily="34" charset="0"/>
+              </a:rPr>
+              <a:t>Note on variable </a:t>
+            </a:r>
+            <a:r>
+              <a:rPr lang="de-CH" b="1" dirty="0" err="1">
+                <a:latin typeface="Calibri" panose="020F0502020204030204" pitchFamily="34" charset="0"/>
+                <a:cs typeface="Calibri" panose="020F0502020204030204" pitchFamily="34" charset="0"/>
+              </a:rPr>
+              <a:t>names</a:t>
+            </a:r>
+            <a:r>
+              <a:rPr lang="de-CH" b="1" dirty="0">
+                <a:latin typeface="Calibri" panose="020F0502020204030204" pitchFamily="34" charset="0"/>
+                <a:cs typeface="Calibri" panose="020F0502020204030204" pitchFamily="34" charset="0"/>
+              </a:rPr>
+              <a:t> in </a:t>
+            </a:r>
+            <a:r>
+              <a:rPr lang="de-CH" b="1" dirty="0" err="1">
+                <a:latin typeface="Calibri" panose="020F0502020204030204" pitchFamily="34" charset="0"/>
+                <a:cs typeface="Calibri" panose="020F0502020204030204" pitchFamily="34" charset="0"/>
+              </a:rPr>
+              <a:t>the</a:t>
+            </a:r>
+            <a:r>
+              <a:rPr lang="de-CH" b="1" dirty="0">
+                <a:latin typeface="Calibri" panose="020F0502020204030204" pitchFamily="34" charset="0"/>
+                <a:cs typeface="Calibri" panose="020F0502020204030204" pitchFamily="34" charset="0"/>
+              </a:rPr>
+              <a:t> </a:t>
+            </a:r>
+            <a:r>
+              <a:rPr lang="de-CH" b="1" dirty="0" err="1">
+                <a:latin typeface="Calibri" panose="020F0502020204030204" pitchFamily="34" charset="0"/>
+                <a:cs typeface="Calibri" panose="020F0502020204030204" pitchFamily="34" charset="0"/>
+              </a:rPr>
+              <a:t>data</a:t>
+            </a:r>
+            <a:r>
+              <a:rPr lang="de-CH" b="1" dirty="0">
+                <a:latin typeface="Calibri" panose="020F0502020204030204" pitchFamily="34" charset="0"/>
+                <a:cs typeface="Calibri" panose="020F0502020204030204" pitchFamily="34" charset="0"/>
+              </a:rPr>
+              <a:t> </a:t>
+            </a:r>
+            <a:r>
+              <a:rPr lang="de-CH" b="1" dirty="0" err="1">
+                <a:latin typeface="Calibri" panose="020F0502020204030204" pitchFamily="34" charset="0"/>
+                <a:cs typeface="Calibri" panose="020F0502020204030204" pitchFamily="34" charset="0"/>
+              </a:rPr>
+              <a:t>set</a:t>
+            </a:r>
+            <a:r>
+              <a:rPr lang="de-CH" b="1" dirty="0">
+                <a:latin typeface="Calibri" panose="020F0502020204030204" pitchFamily="34" charset="0"/>
+                <a:cs typeface="Calibri" panose="020F0502020204030204" pitchFamily="34" charset="0"/>
+              </a:rPr>
+              <a:t>:</a:t>
+            </a:r>
+          </a:p>
+          <a:p>
+            <a:r>
+              <a:rPr lang="de-CH" dirty="0" err="1">
+                <a:latin typeface="Calibri" panose="020F0502020204030204" pitchFamily="34" charset="0"/>
+                <a:cs typeface="Calibri" panose="020F0502020204030204" pitchFamily="34" charset="0"/>
+              </a:rPr>
+              <a:t>height_M</a:t>
+            </a:r>
+            <a:r>
+              <a:rPr lang="de-CH" dirty="0">
+                <a:latin typeface="Calibri" panose="020F0502020204030204" pitchFamily="34" charset="0"/>
+                <a:cs typeface="Calibri" panose="020F0502020204030204" pitchFamily="34" charset="0"/>
+              </a:rPr>
+              <a:t>:   </a:t>
+            </a:r>
+            <a:r>
+              <a:rPr lang="de-CH" dirty="0" err="1">
+                <a:latin typeface="Calibri" panose="020F0502020204030204" pitchFamily="34" charset="0"/>
+                <a:cs typeface="Calibri" panose="020F0502020204030204" pitchFamily="34" charset="0"/>
+              </a:rPr>
+              <a:t>height</a:t>
+            </a:r>
+            <a:r>
+              <a:rPr lang="de-CH" dirty="0">
+                <a:latin typeface="Calibri" panose="020F0502020204030204" pitchFamily="34" charset="0"/>
+                <a:cs typeface="Calibri" panose="020F0502020204030204" pitchFamily="34" charset="0"/>
+              </a:rPr>
+              <a:t> </a:t>
+            </a:r>
+            <a:r>
+              <a:rPr lang="de-CH" dirty="0" err="1">
+                <a:latin typeface="Calibri" panose="020F0502020204030204" pitchFamily="34" charset="0"/>
+                <a:cs typeface="Calibri" panose="020F0502020204030204" pitchFamily="34" charset="0"/>
+              </a:rPr>
+              <a:t>of</a:t>
+            </a:r>
+            <a:r>
+              <a:rPr lang="de-CH" dirty="0">
+                <a:latin typeface="Calibri" panose="020F0502020204030204" pitchFamily="34" charset="0"/>
+                <a:cs typeface="Calibri" panose="020F0502020204030204" pitchFamily="34" charset="0"/>
+              </a:rPr>
+              <a:t> </a:t>
+            </a:r>
+            <a:r>
+              <a:rPr lang="de-CH" dirty="0" err="1">
+                <a:latin typeface="Calibri" panose="020F0502020204030204" pitchFamily="34" charset="0"/>
+                <a:cs typeface="Calibri" panose="020F0502020204030204" pitchFamily="34" charset="0"/>
+              </a:rPr>
+              <a:t>mother</a:t>
+            </a:r>
+            <a:r>
+              <a:rPr lang="de-CH" dirty="0">
+                <a:latin typeface="Calibri" panose="020F0502020204030204" pitchFamily="34" charset="0"/>
+                <a:cs typeface="Calibri" panose="020F0502020204030204" pitchFamily="34" charset="0"/>
+              </a:rPr>
+              <a:t>		</a:t>
+            </a:r>
+            <a:r>
+              <a:rPr lang="de-CH" dirty="0" err="1">
+                <a:latin typeface="Calibri" panose="020F0502020204030204" pitchFamily="34" charset="0"/>
+                <a:cs typeface="Calibri" panose="020F0502020204030204" pitchFamily="34" charset="0"/>
+              </a:rPr>
+              <a:t>n_siblings_F</a:t>
+            </a:r>
+            <a:r>
+              <a:rPr lang="de-CH" dirty="0">
+                <a:latin typeface="Calibri" panose="020F0502020204030204" pitchFamily="34" charset="0"/>
+                <a:cs typeface="Calibri" panose="020F0502020204030204" pitchFamily="34" charset="0"/>
+              </a:rPr>
+              <a:t>:  </a:t>
+            </a:r>
+            <a:r>
+              <a:rPr lang="de-CH" dirty="0" err="1">
+                <a:latin typeface="Calibri" panose="020F0502020204030204" pitchFamily="34" charset="0"/>
+                <a:cs typeface="Calibri" panose="020F0502020204030204" pitchFamily="34" charset="0"/>
+              </a:rPr>
+              <a:t>number</a:t>
+            </a:r>
+            <a:r>
+              <a:rPr lang="de-CH" dirty="0">
+                <a:latin typeface="Calibri" panose="020F0502020204030204" pitchFamily="34" charset="0"/>
+                <a:cs typeface="Calibri" panose="020F0502020204030204" pitchFamily="34" charset="0"/>
+              </a:rPr>
+              <a:t> </a:t>
+            </a:r>
+            <a:r>
+              <a:rPr lang="de-CH" dirty="0" err="1">
+                <a:latin typeface="Calibri" panose="020F0502020204030204" pitchFamily="34" charset="0"/>
+                <a:cs typeface="Calibri" panose="020F0502020204030204" pitchFamily="34" charset="0"/>
+              </a:rPr>
+              <a:t>of</a:t>
+            </a:r>
+            <a:r>
+              <a:rPr lang="de-CH" dirty="0">
+                <a:latin typeface="Calibri" panose="020F0502020204030204" pitchFamily="34" charset="0"/>
+                <a:cs typeface="Calibri" panose="020F0502020204030204" pitchFamily="34" charset="0"/>
+              </a:rPr>
+              <a:t> </a:t>
+            </a:r>
+            <a:r>
+              <a:rPr lang="de-CH" dirty="0" err="1">
+                <a:latin typeface="Calibri" panose="020F0502020204030204" pitchFamily="34" charset="0"/>
+                <a:cs typeface="Calibri" panose="020F0502020204030204" pitchFamily="34" charset="0"/>
+              </a:rPr>
+              <a:t>female</a:t>
+            </a:r>
+            <a:r>
+              <a:rPr lang="de-CH" dirty="0">
+                <a:latin typeface="Calibri" panose="020F0502020204030204" pitchFamily="34" charset="0"/>
+                <a:cs typeface="Calibri" panose="020F0502020204030204" pitchFamily="34" charset="0"/>
+              </a:rPr>
+              <a:t> </a:t>
+            </a:r>
+            <a:r>
+              <a:rPr lang="de-CH" dirty="0" err="1">
+                <a:latin typeface="Calibri" panose="020F0502020204030204" pitchFamily="34" charset="0"/>
+                <a:cs typeface="Calibri" panose="020F0502020204030204" pitchFamily="34" charset="0"/>
+              </a:rPr>
+              <a:t>siblings</a:t>
+            </a:r>
+            <a:endParaRPr lang="de-CH" dirty="0">
+              <a:latin typeface="Calibri" panose="020F0502020204030204" pitchFamily="34" charset="0"/>
+              <a:cs typeface="Calibri" panose="020F0502020204030204" pitchFamily="34" charset="0"/>
+            </a:endParaRPr>
+          </a:p>
+          <a:p>
+            <a:r>
+              <a:rPr lang="de-CH" dirty="0" err="1">
+                <a:latin typeface="Calibri" panose="020F0502020204030204" pitchFamily="34" charset="0"/>
+                <a:cs typeface="Calibri" panose="020F0502020204030204" pitchFamily="34" charset="0"/>
+              </a:rPr>
+              <a:t>height_F</a:t>
+            </a:r>
+            <a:r>
+              <a:rPr lang="de-CH" dirty="0">
+                <a:latin typeface="Calibri" panose="020F0502020204030204" pitchFamily="34" charset="0"/>
+                <a:cs typeface="Calibri" panose="020F0502020204030204" pitchFamily="34" charset="0"/>
+              </a:rPr>
+              <a:t>:     </a:t>
+            </a:r>
+            <a:r>
+              <a:rPr lang="de-CH" dirty="0" err="1">
+                <a:latin typeface="Calibri" panose="020F0502020204030204" pitchFamily="34" charset="0"/>
+                <a:cs typeface="Calibri" panose="020F0502020204030204" pitchFamily="34" charset="0"/>
+              </a:rPr>
+              <a:t>height</a:t>
+            </a:r>
+            <a:r>
+              <a:rPr lang="de-CH" dirty="0">
+                <a:latin typeface="Calibri" panose="020F0502020204030204" pitchFamily="34" charset="0"/>
+                <a:cs typeface="Calibri" panose="020F0502020204030204" pitchFamily="34" charset="0"/>
+              </a:rPr>
+              <a:t> </a:t>
+            </a:r>
+            <a:r>
+              <a:rPr lang="de-CH" dirty="0" err="1">
+                <a:latin typeface="Calibri" panose="020F0502020204030204" pitchFamily="34" charset="0"/>
+                <a:cs typeface="Calibri" panose="020F0502020204030204" pitchFamily="34" charset="0"/>
+              </a:rPr>
+              <a:t>of</a:t>
+            </a:r>
+            <a:r>
+              <a:rPr lang="de-CH" dirty="0">
+                <a:latin typeface="Calibri" panose="020F0502020204030204" pitchFamily="34" charset="0"/>
+                <a:cs typeface="Calibri" panose="020F0502020204030204" pitchFamily="34" charset="0"/>
+              </a:rPr>
+              <a:t> </a:t>
+            </a:r>
+            <a:r>
+              <a:rPr lang="de-CH" dirty="0" err="1">
+                <a:latin typeface="Calibri" panose="020F0502020204030204" pitchFamily="34" charset="0"/>
+                <a:cs typeface="Calibri" panose="020F0502020204030204" pitchFamily="34" charset="0"/>
+              </a:rPr>
+              <a:t>father</a:t>
+            </a:r>
+            <a:r>
+              <a:rPr lang="de-CH" dirty="0">
+                <a:latin typeface="Calibri" panose="020F0502020204030204" pitchFamily="34" charset="0"/>
+                <a:cs typeface="Calibri" panose="020F0502020204030204" pitchFamily="34" charset="0"/>
+              </a:rPr>
+              <a:t>		</a:t>
+            </a:r>
+            <a:r>
+              <a:rPr lang="de-CH" dirty="0" err="1">
+                <a:latin typeface="Calibri" panose="020F0502020204030204" pitchFamily="34" charset="0"/>
+                <a:cs typeface="Calibri" panose="020F0502020204030204" pitchFamily="34" charset="0"/>
+              </a:rPr>
+              <a:t>n_siblings_M</a:t>
+            </a:r>
+            <a:r>
+              <a:rPr lang="de-CH" dirty="0">
+                <a:latin typeface="Calibri" panose="020F0502020204030204" pitchFamily="34" charset="0"/>
+                <a:cs typeface="Calibri" panose="020F0502020204030204" pitchFamily="34" charset="0"/>
+              </a:rPr>
+              <a:t>: </a:t>
+            </a:r>
+            <a:r>
+              <a:rPr lang="de-CH" dirty="0" err="1">
+                <a:latin typeface="Calibri" panose="020F0502020204030204" pitchFamily="34" charset="0"/>
+                <a:cs typeface="Calibri" panose="020F0502020204030204" pitchFamily="34" charset="0"/>
+              </a:rPr>
+              <a:t>number</a:t>
+            </a:r>
+            <a:r>
+              <a:rPr lang="de-CH" dirty="0">
+                <a:latin typeface="Calibri" panose="020F0502020204030204" pitchFamily="34" charset="0"/>
+                <a:cs typeface="Calibri" panose="020F0502020204030204" pitchFamily="34" charset="0"/>
+              </a:rPr>
+              <a:t> </a:t>
+            </a:r>
+            <a:r>
+              <a:rPr lang="de-CH" dirty="0" err="1">
+                <a:latin typeface="Calibri" panose="020F0502020204030204" pitchFamily="34" charset="0"/>
+                <a:cs typeface="Calibri" panose="020F0502020204030204" pitchFamily="34" charset="0"/>
+              </a:rPr>
+              <a:t>of</a:t>
+            </a:r>
+            <a:r>
+              <a:rPr lang="de-CH" dirty="0">
+                <a:latin typeface="Calibri" panose="020F0502020204030204" pitchFamily="34" charset="0"/>
+                <a:cs typeface="Calibri" panose="020F0502020204030204" pitchFamily="34" charset="0"/>
+              </a:rPr>
+              <a:t> male </a:t>
+            </a:r>
+            <a:r>
+              <a:rPr lang="de-CH" dirty="0" err="1">
+                <a:latin typeface="Calibri" panose="020F0502020204030204" pitchFamily="34" charset="0"/>
+                <a:cs typeface="Calibri" panose="020F0502020204030204" pitchFamily="34" charset="0"/>
+              </a:rPr>
+              <a:t>siblings</a:t>
+            </a:r>
+            <a:endParaRPr lang="en-CH" dirty="0">
+              <a:latin typeface="Calibri" panose="020F0502020204030204" pitchFamily="34" charset="0"/>
+              <a:cs typeface="Calibri" panose="020F0502020204030204" pitchFamily="34" charset="0"/>
             </a:endParaRPr>
           </a:p>
         </p:txBody>
       </p:sp>
     </p:spTree>
   </p:cSld>
+  <p:clrMapOvr>
+    <a:masterClrMapping/>
+  </p:clrMapOvr>
   <p:timing>
     <p:tnLst>
       <p:par>
-        <p:cTn id="5" dur="indefinite" restart="never" nodeType="tmRoot">
+        <p:cTn id="1" dur="indefinite" restart="never" nodeType="tmRoot">
           <p:childTnLst>
             <p:seq>
-              <p:cTn id="6" dur="indefinite" nodeType="mainSeq"/>
+              <p:cTn id="2" dur="indefinite" nodeType="mainSeq"/>
               <p:prevCondLst>
-                <p:cond delay="0" evt="onPrev">
+                <p:cond evt="onPrev" delay="0">
                   <p:tgtEl>
                     <p:sldTgt/>
                   </p:tgtEl>
                 </p:cond>
               </p:prevCondLst>
               <p:nextCondLst>
-                <p:cond delay="0" evt="onNext">
+                <p:cond evt="onNext" delay="0">
                   <p:tgtEl>
                     <p:sldTgt/>
                   </p:tgtEl>
@@ -5196,13 +6561,14 @@
 </file>
 
 <file path=ppt/slides/slide4.xml><?xml version="1.0" encoding="utf-8"?>
-<p:sld xmlns:a="http://schemas.openxmlformats.org/drawingml/2006/main" xmlns:p="http://schemas.openxmlformats.org/presentationml/2006/main" xmlns:r="http://schemas.openxmlformats.org/officeDocument/2006/relationships" xmlns:p14="http://schemas.microsoft.com/office/powerpoint/2010/main" xmlns:p15="http://schemas.microsoft.com/office/powerpoint/2012/main" xmlns:mc="http://schemas.openxmlformats.org/markup-compatibility/2006">
+<p:sld xmlns:a="http://schemas.openxmlformats.org/drawingml/2006/main" xmlns:r="http://schemas.openxmlformats.org/officeDocument/2006/relationships" xmlns:p="http://schemas.openxmlformats.org/presentationml/2006/main">
   <p:cSld>
     <p:bg>
       <p:bgPr>
         <a:solidFill>
-          <a:srgbClr val="f2f2f2"/>
+          <a:srgbClr val="F2F2F2"/>
         </a:solidFill>
+        <a:effectLst/>
       </p:bgPr>
     </p:bg>
     <p:spTree>
@@ -5239,13 +6605,20 @@
           </a:ln>
         </p:spPr>
         <p:style>
-          <a:lnRef idx="0"/>
-          <a:fillRef idx="0"/>
-          <a:effectRef idx="0"/>
+          <a:lnRef idx="0">
+            <a:scrgbClr r="0" g="0" b="0"/>
+          </a:lnRef>
+          <a:fillRef idx="0">
+            <a:scrgbClr r="0" g="0" b="0"/>
+          </a:fillRef>
+          <a:effectRef idx="0">
+            <a:scrgbClr r="0" g="0" b="0"/>
+          </a:effectRef>
           <a:fontRef idx="minor"/>
         </p:style>
         <p:txBody>
-          <a:bodyPr lIns="0" rIns="0" tIns="0" bIns="0"/>
+          <a:bodyPr lIns="0" tIns="0" rIns="0" bIns="0"/>
+          <a:lstStyle/>
           <a:p>
             <a:pPr marL="457200" indent="-452160">
               <a:lnSpc>
@@ -5261,7 +6634,7 @@
               <a:buAutoNum type="arabicPeriod"/>
             </a:pPr>
             <a:r>
-              <a:rPr b="0" lang="en-US" sz="2000" spc="-1" strike="noStrike">
+              <a:rPr lang="en-US" sz="2000" b="0" strike="noStrike" spc="-1">
                 <a:solidFill>
                   <a:srgbClr val="262626"/>
                 </a:solidFill>
@@ -5271,9 +6644,9 @@
               <a:t>Specify your biological question and your experimental design very clearly, </a:t>
             </a:r>
             <a:r>
-              <a:rPr b="0" lang="en-US" sz="2000" spc="-1" strike="noStrike">
+              <a:rPr lang="en-US" sz="2000" b="0" strike="noStrike" spc="-1">
                 <a:solidFill>
-                  <a:srgbClr val="4f81bd"/>
+                  <a:srgbClr val="4F81BD"/>
                 </a:solidFill>
                 <a:latin typeface="Calibri"/>
                 <a:ea typeface="DejaVu Sans"/>
@@ -5281,7 +6654,7 @@
               <a:t>then</a:t>
             </a:r>
             <a:r>
-              <a:rPr b="0" lang="en-US" sz="2000" spc="-1" strike="noStrike">
+              <a:rPr lang="en-US" sz="2000" b="0" strike="noStrike" spc="-1">
                 <a:solidFill>
                   <a:srgbClr val="262626"/>
                 </a:solidFill>
@@ -5290,7 +6663,7 @@
               </a:rPr>
               <a:t> collect your data.</a:t>
             </a:r>
-            <a:endParaRPr b="0" lang="en-US" sz="2000" spc="-1" strike="noStrike">
+            <a:endParaRPr lang="en-US" sz="2000" b="0" strike="noStrike" spc="-1">
               <a:latin typeface="Arial"/>
             </a:endParaRPr>
           </a:p>
@@ -5309,7 +6682,7 @@
               <a:buAutoNum type="arabicPeriod"/>
             </a:pPr>
             <a:r>
-              <a:rPr b="0" lang="en-US" sz="2000" spc="-1" strike="noStrike">
+              <a:rPr lang="en-US" sz="2000" b="0" strike="noStrike" spc="-1">
                 <a:solidFill>
                   <a:srgbClr val="262626"/>
                 </a:solidFill>
@@ -5319,9 +6692,9 @@
               <a:t>Save your data into a </a:t>
             </a:r>
             <a:r>
-              <a:rPr b="0" lang="en-US" sz="2000" spc="-1" strike="noStrike">
+              <a:rPr lang="en-US" sz="2000" b="0" strike="noStrike" spc="-1">
                 <a:solidFill>
-                  <a:srgbClr val="4f81bd"/>
+                  <a:srgbClr val="4F81BD"/>
                 </a:solidFill>
                 <a:latin typeface="Calibri"/>
                 <a:ea typeface="DejaVu Sans"/>
@@ -5329,7 +6702,7 @@
               <a:t>csv format</a:t>
             </a:r>
             <a:r>
-              <a:rPr b="0" lang="en-US" sz="2000" spc="-1" strike="noStrike">
+              <a:rPr lang="en-US" sz="2000" b="0" strike="noStrike" spc="-1">
                 <a:solidFill>
                   <a:srgbClr val="262626"/>
                 </a:solidFill>
@@ -5338,7 +6711,7 @@
               </a:rPr>
               <a:t> in a dedicated folder.</a:t>
             </a:r>
-            <a:endParaRPr b="0" lang="en-US" sz="2000" spc="-1" strike="noStrike">
+            <a:endParaRPr lang="en-US" sz="2000" b="0" strike="noStrike" spc="-1">
               <a:latin typeface="Arial"/>
             </a:endParaRPr>
           </a:p>
@@ -5357,7 +6730,7 @@
               <a:buAutoNum type="arabicPeriod"/>
             </a:pPr>
             <a:r>
-              <a:rPr b="0" lang="en-US" sz="2000" spc="-1" strike="noStrike">
+              <a:rPr lang="en-US" sz="2000" b="0" strike="noStrike" spc="-1">
                 <a:solidFill>
                   <a:srgbClr val="262626"/>
                 </a:solidFill>
@@ -5367,9 +6740,9 @@
               <a:t>Start up R , open a new script file and save it where you save your data. Don't forget to </a:t>
             </a:r>
             <a:r>
-              <a:rPr b="0" lang="en-US" sz="2000" spc="-1" strike="noStrike">
+              <a:rPr lang="en-US" sz="2000" b="0" strike="noStrike" spc="-1">
                 <a:solidFill>
-                  <a:srgbClr val="4f81bd"/>
+                  <a:srgbClr val="4F81BD"/>
                 </a:solidFill>
                 <a:latin typeface="Calibri"/>
                 <a:ea typeface="DejaVu Sans"/>
@@ -5377,7 +6750,7 @@
               <a:t>annotate it</a:t>
             </a:r>
             <a:r>
-              <a:rPr b="0" lang="en-US" sz="2000" spc="-1" strike="noStrike">
+              <a:rPr lang="en-US" sz="2000" b="0" strike="noStrike" spc="-1">
                 <a:solidFill>
                   <a:srgbClr val="262626"/>
                 </a:solidFill>
@@ -5386,7 +6759,7 @@
               </a:rPr>
               <a:t> and save it regularly.</a:t>
             </a:r>
-            <a:endParaRPr b="0" lang="en-US" sz="2000" spc="-1" strike="noStrike">
+            <a:endParaRPr lang="en-US" sz="2000" b="0" strike="noStrike" spc="-1">
               <a:latin typeface="Arial"/>
             </a:endParaRPr>
           </a:p>
@@ -5405,7 +6778,7 @@
               <a:buAutoNum type="arabicPeriod"/>
             </a:pPr>
             <a:r>
-              <a:rPr b="0" lang="en-US" sz="2000" spc="-1" strike="noStrike">
+              <a:rPr lang="en-US" sz="2000" b="0" strike="noStrike" spc="-1">
                 <a:solidFill>
                   <a:srgbClr val="262626"/>
                 </a:solidFill>
@@ -5415,9 +6788,9 @@
               <a:t>Import your data into R. </a:t>
             </a:r>
             <a:r>
-              <a:rPr b="0" lang="en-US" sz="2000" spc="-1" strike="noStrike">
+              <a:rPr lang="en-US" sz="2000" b="0" strike="noStrike" spc="-1">
                 <a:solidFill>
-                  <a:srgbClr val="4f81bd"/>
+                  <a:srgbClr val="4F81BD"/>
                 </a:solidFill>
                 <a:latin typeface="Calibri"/>
                 <a:ea typeface="DejaVu Sans"/>
@@ -5425,7 +6798,7 @@
               <a:t>Check everything</a:t>
             </a:r>
             <a:r>
-              <a:rPr b="0" lang="en-US" sz="2000" spc="-1" strike="noStrike">
+              <a:rPr lang="en-US" sz="2000" b="0" strike="noStrike" spc="-1">
                 <a:solidFill>
                   <a:srgbClr val="262626"/>
                 </a:solidFill>
@@ -5434,7 +6807,7 @@
               </a:rPr>
               <a:t> in your data. Make sure it is what you expect it to be. </a:t>
             </a:r>
-            <a:endParaRPr b="0" lang="en-US" sz="2000" spc="-1" strike="noStrike">
+            <a:endParaRPr lang="en-US" sz="2000" b="0" strike="noStrike" spc="-1">
               <a:latin typeface="Arial"/>
             </a:endParaRPr>
           </a:p>
@@ -5453,9 +6826,9 @@
               <a:buAutoNum type="arabicPeriod"/>
             </a:pPr>
             <a:r>
-              <a:rPr b="0" lang="en-US" sz="2000" spc="-1" strike="noStrike">
+              <a:rPr lang="en-US" sz="2000" b="0" strike="noStrike" spc="-1">
                 <a:solidFill>
-                  <a:srgbClr val="4f81bd"/>
+                  <a:srgbClr val="4F81BD"/>
                 </a:solidFill>
                 <a:latin typeface="Calibri"/>
                 <a:ea typeface="DejaVu Sans"/>
@@ -5463,7 +6836,7 @@
               <a:t>Explore your data</a:t>
             </a:r>
             <a:r>
-              <a:rPr b="0" lang="en-US" sz="2000" spc="-1" strike="noStrike">
+              <a:rPr lang="en-US" sz="2000" b="0" strike="noStrike" spc="-1">
                 <a:solidFill>
                   <a:srgbClr val="262626"/>
                 </a:solidFill>
@@ -5472,7 +6845,7 @@
               </a:rPr>
               <a:t>, first with R's plotting functions. Make an hypothesis. Try to guess the answer that your statistical test should give you.</a:t>
             </a:r>
-            <a:endParaRPr b="0" lang="en-US" sz="2000" spc="-1" strike="noStrike">
+            <a:endParaRPr lang="en-US" sz="2000" b="0" strike="noStrike" spc="-1">
               <a:latin typeface="Arial"/>
             </a:endParaRPr>
           </a:p>
@@ -5491,7 +6864,7 @@
               <a:buAutoNum type="arabicPeriod"/>
             </a:pPr>
             <a:r>
-              <a:rPr b="0" lang="en-US" sz="2000" spc="-1" strike="noStrike">
+              <a:rPr lang="en-US" sz="2000" b="0" strike="noStrike" spc="-1">
                 <a:solidFill>
                   <a:srgbClr val="262626"/>
                 </a:solidFill>
@@ -5500,7 +6873,7 @@
               </a:rPr>
               <a:t>Perform your test to confirm your answer.</a:t>
             </a:r>
-            <a:endParaRPr b="0" lang="en-US" sz="2000" spc="-1" strike="noStrike">
+            <a:endParaRPr lang="en-US" sz="2000" b="0" strike="noStrike" spc="-1">
               <a:latin typeface="Arial"/>
             </a:endParaRPr>
           </a:p>
@@ -5519,7 +6892,7 @@
               <a:buAutoNum type="arabicPeriod"/>
             </a:pPr>
             <a:r>
-              <a:rPr b="0" lang="en-US" sz="2000" spc="-1" strike="noStrike">
+              <a:rPr lang="en-US" sz="2000" b="0" strike="noStrike" spc="-1">
                 <a:solidFill>
                   <a:srgbClr val="262626"/>
                 </a:solidFill>
@@ -5528,7 +6901,7 @@
               </a:rPr>
               <a:t>Communicate your findings.</a:t>
             </a:r>
-            <a:endParaRPr b="0" lang="en-US" sz="2000" spc="-1" strike="noStrike">
+            <a:endParaRPr lang="en-US" sz="2000" b="0" strike="noStrike" spc="-1">
               <a:latin typeface="Arial"/>
             </a:endParaRPr>
           </a:p>
@@ -5547,9 +6920,9 @@
               <a:buAutoNum type="arabicPeriod"/>
             </a:pPr>
             <a:r>
-              <a:rPr b="0" lang="en-US" sz="2000" spc="-1" strike="noStrike">
+              <a:rPr lang="en-US" sz="2000" b="0" strike="noStrike" spc="-1">
                 <a:solidFill>
-                  <a:srgbClr val="4f81bd"/>
+                  <a:srgbClr val="4F81BD"/>
                 </a:solidFill>
                 <a:latin typeface="Calibri"/>
                 <a:ea typeface="DejaVu Sans"/>
@@ -5557,7 +6930,7 @@
               <a:t>Make sure your files (data, scripts, figures, reports) are well organized</a:t>
             </a:r>
             <a:r>
-              <a:rPr b="0" lang="en-US" sz="2000" spc="-1" strike="noStrike">
+              <a:rPr lang="en-US" sz="2000" b="0" strike="noStrike" spc="-1">
                 <a:solidFill>
                   <a:srgbClr val="262626"/>
                 </a:solidFill>
@@ -5566,7 +6939,7 @@
               </a:rPr>
               <a:t> in your folder.</a:t>
             </a:r>
-            <a:endParaRPr b="0" lang="en-US" sz="2000" spc="-1" strike="noStrike">
+            <a:endParaRPr lang="en-US" sz="2000" b="0" strike="noStrike" spc="-1">
               <a:latin typeface="Arial"/>
             </a:endParaRPr>
           </a:p>
@@ -5592,13 +6965,20 @@
           </a:ln>
         </p:spPr>
         <p:style>
-          <a:lnRef idx="0"/>
-          <a:fillRef idx="0"/>
-          <a:effectRef idx="0"/>
+          <a:lnRef idx="0">
+            <a:scrgbClr r="0" g="0" b="0"/>
+          </a:lnRef>
+          <a:fillRef idx="0">
+            <a:scrgbClr r="0" g="0" b="0"/>
+          </a:fillRef>
+          <a:effectRef idx="0">
+            <a:scrgbClr r="0" g="0" b="0"/>
+          </a:effectRef>
           <a:fontRef idx="minor"/>
         </p:style>
         <p:txBody>
-          <a:bodyPr lIns="90000" rIns="90000" tIns="45000" bIns="45000"/>
+          <a:bodyPr lIns="90000" tIns="45000" rIns="90000" bIns="45000"/>
+          <a:lstStyle/>
           <a:p>
             <a:pPr>
               <a:lnSpc>
@@ -5606,16 +6986,16 @@
               </a:lnSpc>
             </a:pPr>
             <a:r>
-              <a:rPr b="0" lang="en-US" sz="4400" spc="-1" strike="noStrike">
+              <a:rPr lang="en-US" sz="4400" b="0" strike="noStrike" spc="-1">
                 <a:solidFill>
-                  <a:srgbClr val="4f81bd"/>
+                  <a:srgbClr val="4F81BD"/>
                 </a:solidFill>
                 <a:latin typeface="Calibri Light"/>
                 <a:ea typeface="DejaVu Sans"/>
               </a:rPr>
               <a:t>Exam – proposed workflow</a:t>
             </a:r>
-            <a:endParaRPr b="0" lang="en-US" sz="4400" spc="-1" strike="noStrike">
+            <a:endParaRPr lang="en-US" sz="4400" b="0" strike="noStrike" spc="-1">
               <a:latin typeface="Arial"/>
             </a:endParaRPr>
           </a:p>
@@ -5623,35 +7003,38 @@
       </p:sp>
     </p:spTree>
   </p:cSld>
+  <p:clrMapOvr>
+    <a:masterClrMapping/>
+  </p:clrMapOvr>
   <p:timing>
     <p:tnLst>
       <p:par>
-        <p:cTn id="7" dur="indefinite" restart="never" nodeType="tmRoot">
+        <p:cTn id="1" dur="indefinite" restart="never" nodeType="tmRoot">
           <p:childTnLst>
             <p:seq>
-              <p:cTn id="8" dur="indefinite" nodeType="mainSeq">
+              <p:cTn id="2" dur="indefinite" nodeType="mainSeq">
                 <p:childTnLst>
                   <p:par>
-                    <p:cTn id="9" fill="hold">
+                    <p:cTn id="3" fill="hold">
                       <p:stCondLst>
                         <p:cond delay="indefinite"/>
                       </p:stCondLst>
                       <p:childTnLst>
                         <p:par>
-                          <p:cTn id="10" fill="hold">
+                          <p:cTn id="4" fill="hold">
                             <p:stCondLst>
                               <p:cond delay="0"/>
                             </p:stCondLst>
                             <p:childTnLst>
                               <p:par>
-                                <p:cTn id="11" nodeType="clickEffect" fill="hold" presetClass="entr" presetID="1">
+                                <p:cTn id="5" presetID="1" presetClass="entr" fill="hold" nodeType="clickEffect">
                                   <p:stCondLst>
                                     <p:cond delay="0"/>
                                   </p:stCondLst>
                                   <p:childTnLst>
                                     <p:set>
                                       <p:cBhvr>
-                                        <p:cTn id="12" dur="1" fill="hold">
+                                        <p:cTn id="6" dur="1" fill="hold">
                                           <p:stCondLst>
                                             <p:cond delay="0"/>
                                           </p:stCondLst>
@@ -5681,26 +7064,26 @@
                     </p:cTn>
                   </p:par>
                   <p:par>
-                    <p:cTn id="13" fill="hold">
+                    <p:cTn id="7" fill="hold">
                       <p:stCondLst>
                         <p:cond delay="indefinite"/>
                       </p:stCondLst>
                       <p:childTnLst>
                         <p:par>
-                          <p:cTn id="14" fill="hold">
+                          <p:cTn id="8" fill="hold">
                             <p:stCondLst>
                               <p:cond delay="0"/>
                             </p:stCondLst>
                             <p:childTnLst>
                               <p:par>
-                                <p:cTn id="15" nodeType="clickEffect" fill="hold" presetClass="entr" presetID="1">
+                                <p:cTn id="9" presetID="1" presetClass="entr" fill="hold" nodeType="clickEffect">
                                   <p:stCondLst>
                                     <p:cond delay="0"/>
                                   </p:stCondLst>
                                   <p:childTnLst>
                                     <p:set>
                                       <p:cBhvr>
-                                        <p:cTn id="16" dur="1" fill="hold">
+                                        <p:cTn id="10" dur="1" fill="hold">
                                           <p:stCondLst>
                                             <p:cond delay="0"/>
                                           </p:stCondLst>
@@ -5730,26 +7113,26 @@
                     </p:cTn>
                   </p:par>
                   <p:par>
-                    <p:cTn id="17" fill="hold">
+                    <p:cTn id="11" fill="hold">
                       <p:stCondLst>
                         <p:cond delay="indefinite"/>
                       </p:stCondLst>
                       <p:childTnLst>
                         <p:par>
-                          <p:cTn id="18" fill="hold">
+                          <p:cTn id="12" fill="hold">
                             <p:stCondLst>
                               <p:cond delay="0"/>
                             </p:stCondLst>
                             <p:childTnLst>
                               <p:par>
-                                <p:cTn id="19" nodeType="clickEffect" fill="hold" presetClass="entr" presetID="1">
+                                <p:cTn id="13" presetID="1" presetClass="entr" fill="hold" nodeType="clickEffect">
                                   <p:stCondLst>
                                     <p:cond delay="0"/>
                                   </p:stCondLst>
                                   <p:childTnLst>
                                     <p:set>
                                       <p:cBhvr>
-                                        <p:cTn id="20" dur="1" fill="hold">
+                                        <p:cTn id="14" dur="1" fill="hold">
                                           <p:stCondLst>
                                             <p:cond delay="0"/>
                                           </p:stCondLst>
@@ -5779,26 +7162,26 @@
                     </p:cTn>
                   </p:par>
                   <p:par>
-                    <p:cTn id="21" fill="hold">
+                    <p:cTn id="15" fill="hold">
                       <p:stCondLst>
                         <p:cond delay="indefinite"/>
                       </p:stCondLst>
                       <p:childTnLst>
                         <p:par>
-                          <p:cTn id="22" fill="hold">
+                          <p:cTn id="16" fill="hold">
                             <p:stCondLst>
                               <p:cond delay="0"/>
                             </p:stCondLst>
                             <p:childTnLst>
                               <p:par>
-                                <p:cTn id="23" nodeType="clickEffect" fill="hold" presetClass="entr" presetID="1">
+                                <p:cTn id="17" presetID="1" presetClass="entr" fill="hold" nodeType="clickEffect">
                                   <p:stCondLst>
                                     <p:cond delay="0"/>
                                   </p:stCondLst>
                                   <p:childTnLst>
                                     <p:set>
                                       <p:cBhvr>
-                                        <p:cTn id="24" dur="1" fill="hold">
+                                        <p:cTn id="18" dur="1" fill="hold">
                                           <p:stCondLst>
                                             <p:cond delay="0"/>
                                           </p:stCondLst>
@@ -5828,26 +7211,26 @@
                     </p:cTn>
                   </p:par>
                   <p:par>
-                    <p:cTn id="25" fill="hold">
+                    <p:cTn id="19" fill="hold">
                       <p:stCondLst>
                         <p:cond delay="indefinite"/>
                       </p:stCondLst>
                       <p:childTnLst>
                         <p:par>
-                          <p:cTn id="26" fill="hold">
+                          <p:cTn id="20" fill="hold">
                             <p:stCondLst>
                               <p:cond delay="0"/>
                             </p:stCondLst>
                             <p:childTnLst>
                               <p:par>
-                                <p:cTn id="27" nodeType="clickEffect" fill="hold" presetClass="entr" presetID="1">
+                                <p:cTn id="21" presetID="1" presetClass="entr" fill="hold" nodeType="clickEffect">
                                   <p:stCondLst>
                                     <p:cond delay="0"/>
                                   </p:stCondLst>
                                   <p:childTnLst>
                                     <p:set>
                                       <p:cBhvr>
-                                        <p:cTn id="28" dur="1" fill="hold">
+                                        <p:cTn id="22" dur="1" fill="hold">
                                           <p:stCondLst>
                                             <p:cond delay="0"/>
                                           </p:stCondLst>
@@ -5877,26 +7260,26 @@
                     </p:cTn>
                   </p:par>
                   <p:par>
-                    <p:cTn id="29" fill="hold">
+                    <p:cTn id="23" fill="hold">
                       <p:stCondLst>
                         <p:cond delay="indefinite"/>
                       </p:stCondLst>
                       <p:childTnLst>
                         <p:par>
-                          <p:cTn id="30" fill="hold">
+                          <p:cTn id="24" fill="hold">
                             <p:stCondLst>
                               <p:cond delay="0"/>
                             </p:stCondLst>
                             <p:childTnLst>
                               <p:par>
-                                <p:cTn id="31" nodeType="clickEffect" fill="hold" presetClass="entr" presetID="1">
+                                <p:cTn id="25" presetID="1" presetClass="entr" fill="hold" nodeType="clickEffect">
                                   <p:stCondLst>
                                     <p:cond delay="0"/>
                                   </p:stCondLst>
                                   <p:childTnLst>
                                     <p:set>
                                       <p:cBhvr>
-                                        <p:cTn id="32" dur="1" fill="hold">
+                                        <p:cTn id="26" dur="1" fill="hold">
                                           <p:stCondLst>
                                             <p:cond delay="0"/>
                                           </p:stCondLst>
@@ -5926,26 +7309,26 @@
                     </p:cTn>
                   </p:par>
                   <p:par>
-                    <p:cTn id="33" fill="hold">
+                    <p:cTn id="27" fill="hold">
                       <p:stCondLst>
                         <p:cond delay="indefinite"/>
                       </p:stCondLst>
                       <p:childTnLst>
                         <p:par>
-                          <p:cTn id="34" fill="hold">
+                          <p:cTn id="28" fill="hold">
                             <p:stCondLst>
                               <p:cond delay="0"/>
                             </p:stCondLst>
                             <p:childTnLst>
                               <p:par>
-                                <p:cTn id="35" nodeType="clickEffect" fill="hold" presetClass="entr" presetID="1">
+                                <p:cTn id="29" presetID="1" presetClass="entr" fill="hold" nodeType="clickEffect">
                                   <p:stCondLst>
                                     <p:cond delay="0"/>
                                   </p:stCondLst>
                                   <p:childTnLst>
                                     <p:set>
                                       <p:cBhvr>
-                                        <p:cTn id="36" dur="1" fill="hold">
+                                        <p:cTn id="30" dur="1" fill="hold">
                                           <p:stCondLst>
                                             <p:cond delay="0"/>
                                           </p:stCondLst>
@@ -5975,26 +7358,26 @@
                     </p:cTn>
                   </p:par>
                   <p:par>
-                    <p:cTn id="37" fill="hold">
+                    <p:cTn id="31" fill="hold">
                       <p:stCondLst>
                         <p:cond delay="indefinite"/>
                       </p:stCondLst>
                       <p:childTnLst>
                         <p:par>
-                          <p:cTn id="38" fill="hold">
+                          <p:cTn id="32" fill="hold">
                             <p:stCondLst>
                               <p:cond delay="0"/>
                             </p:stCondLst>
                             <p:childTnLst>
                               <p:par>
-                                <p:cTn id="39" nodeType="clickEffect" fill="hold" presetClass="entr" presetID="1">
+                                <p:cTn id="33" presetID="1" presetClass="entr" fill="hold" nodeType="clickEffect">
                                   <p:stCondLst>
                                     <p:cond delay="0"/>
                                   </p:stCondLst>
                                   <p:childTnLst>
                                     <p:set>
                                       <p:cBhvr>
-                                        <p:cTn id="40" dur="1" fill="hold">
+                                        <p:cTn id="34" dur="1" fill="hold">
                                           <p:stCondLst>
                                             <p:cond delay="0"/>
                                           </p:stCondLst>
@@ -6026,14 +7409,14 @@
                 </p:childTnLst>
               </p:cTn>
               <p:prevCondLst>
-                <p:cond delay="0" evt="onPrev">
+                <p:cond evt="onPrev" delay="0">
                   <p:tgtEl>
                     <p:sldTgt/>
                   </p:tgtEl>
                 </p:cond>
               </p:prevCondLst>
               <p:nextCondLst>
-                <p:cond delay="0" evt="onNext">
+                <p:cond evt="onNext" delay="0">
                   <p:tgtEl>
                     <p:sldTgt/>
                   </p:tgtEl>
@@ -6059,31 +7442,31 @@
         <a:sysClr val="window" lastClr="FFFFFF"/>
       </a:lt1>
       <a:dk2>
-        <a:srgbClr val="1f497d"/>
+        <a:srgbClr val="1F497D"/>
       </a:dk2>
       <a:lt2>
-        <a:srgbClr val="eeece1"/>
+        <a:srgbClr val="EEECE1"/>
       </a:lt2>
       <a:accent1>
-        <a:srgbClr val="4f81bd"/>
+        <a:srgbClr val="4F81BD"/>
       </a:accent1>
       <a:accent2>
-        <a:srgbClr val="c0504d"/>
+        <a:srgbClr val="C0504D"/>
       </a:accent2>
       <a:accent3>
-        <a:srgbClr val="9bbb59"/>
+        <a:srgbClr val="9BBB59"/>
       </a:accent3>
       <a:accent4>
-        <a:srgbClr val="8064a2"/>
+        <a:srgbClr val="8064A2"/>
       </a:accent4>
       <a:accent5>
-        <a:srgbClr val="4bacc6"/>
+        <a:srgbClr val="4BACC6"/>
       </a:accent5>
       <a:accent6>
-        <a:srgbClr val="f79646"/>
+        <a:srgbClr val="F79646"/>
       </a:accent6>
       <a:hlink>
-        <a:srgbClr val="0000ff"/>
+        <a:srgbClr val="0000FF"/>
       </a:hlink>
       <a:folHlink>
         <a:srgbClr val="800080"/>
@@ -6268,6 +7651,8 @@
       </a:bgFillStyleLst>
     </a:fmtScheme>
   </a:themeElements>
+  <a:objectDefaults/>
+  <a:extraClrSchemeLst/>
 </a:theme>
 </file>
 
@@ -6282,34 +7667,34 @@
         <a:sysClr val="window" lastClr="FFFFFF"/>
       </a:lt1>
       <a:dk2>
-        <a:srgbClr val="44546a"/>
+        <a:srgbClr val="44546A"/>
       </a:dk2>
       <a:lt2>
-        <a:srgbClr val="e7e6e6"/>
+        <a:srgbClr val="E7E6E6"/>
       </a:lt2>
       <a:accent1>
-        <a:srgbClr val="5b9bd5"/>
+        <a:srgbClr val="5B9BD5"/>
       </a:accent1>
       <a:accent2>
-        <a:srgbClr val="ed7d31"/>
+        <a:srgbClr val="ED7D31"/>
       </a:accent2>
       <a:accent3>
-        <a:srgbClr val="a5a5a5"/>
+        <a:srgbClr val="A5A5A5"/>
       </a:accent3>
       <a:accent4>
-        <a:srgbClr val="ffc000"/>
+        <a:srgbClr val="FFC000"/>
       </a:accent4>
       <a:accent5>
-        <a:srgbClr val="4472c4"/>
+        <a:srgbClr val="4472C4"/>
       </a:accent5>
       <a:accent6>
-        <a:srgbClr val="70ad47"/>
+        <a:srgbClr val="70AD47"/>
       </a:accent6>
       <a:hlink>
-        <a:srgbClr val="0563c1"/>
+        <a:srgbClr val="0563C1"/>
       </a:hlink>
       <a:folHlink>
-        <a:srgbClr val="954f72"/>
+        <a:srgbClr val="954F72"/>
       </a:folHlink>
     </a:clrScheme>
     <a:fontScheme name="Office">
@@ -6491,6 +7876,8 @@
       </a:bgFillStyleLst>
     </a:fmtScheme>
   </a:themeElements>
+  <a:objectDefaults/>
+  <a:extraClrSchemeLst/>
 </a:theme>
 </file>
 
@@ -6505,31 +7892,31 @@
         <a:sysClr val="window" lastClr="FFFFFF"/>
       </a:lt1>
       <a:dk2>
-        <a:srgbClr val="1f497d"/>
+        <a:srgbClr val="1F497D"/>
       </a:dk2>
       <a:lt2>
-        <a:srgbClr val="eeece1"/>
+        <a:srgbClr val="EEECE1"/>
       </a:lt2>
       <a:accent1>
-        <a:srgbClr val="4f81bd"/>
+        <a:srgbClr val="4F81BD"/>
       </a:accent1>
       <a:accent2>
-        <a:srgbClr val="c0504d"/>
+        <a:srgbClr val="C0504D"/>
       </a:accent2>
       <a:accent3>
-        <a:srgbClr val="9bbb59"/>
+        <a:srgbClr val="9BBB59"/>
       </a:accent3>
       <a:accent4>
-        <a:srgbClr val="8064a2"/>
+        <a:srgbClr val="8064A2"/>
       </a:accent4>
       <a:accent5>
-        <a:srgbClr val="4bacc6"/>
+        <a:srgbClr val="4BACC6"/>
       </a:accent5>
       <a:accent6>
-        <a:srgbClr val="f79646"/>
+        <a:srgbClr val="F79646"/>
       </a:accent6>
       <a:hlink>
-        <a:srgbClr val="0000ff"/>
+        <a:srgbClr val="0000FF"/>
       </a:hlink>
       <a:folHlink>
         <a:srgbClr val="800080"/>
@@ -6714,5 +8101,7 @@
       </a:bgFillStyleLst>
     </a:fmtScheme>
   </a:themeElements>
+  <a:objectDefaults/>
+  <a:extraClrSchemeLst/>
 </a:theme>
 </file>
--- a/assets/pptx/exam_R.pptx
+++ b/assets/pptx/exam_R.pptx
@@ -119,6 +119,14 @@
 </p:presentation>
 </file>
 
+<file path=ppt/revisionInfo.xml><?xml version="1.0" encoding="utf-8"?>
+<p1510:revInfo xmlns:a="http://schemas.openxmlformats.org/drawingml/2006/main" xmlns:r="http://schemas.openxmlformats.org/officeDocument/2006/relationships" xmlns:p1510="http://schemas.microsoft.com/office/powerpoint/2015/10/main">
+  <p1510:revLst>
+    <p1510:client id="{D2AD5DB3-4FF5-E6FB-ADD3-E12E35D32980}" v="35" dt="2022-10-13T09:11:51.348"/>
+  </p1510:revLst>
+</p1510:revInfo>
+</file>
+
 <file path=ppt/notesMasters/notesMaster1.xml><?xml version="1.0" encoding="utf-8"?>
 <p:notesMaster xmlns:a="http://schemas.openxmlformats.org/drawingml/2006/main" xmlns:r="http://schemas.openxmlformats.org/officeDocument/2006/relationships" xmlns:p="http://schemas.openxmlformats.org/presentationml/2006/main">
   <p:cSld>
@@ -467,7 +475,7 @@
         <p:spPr>
           <a:xfrm>
             <a:off x="1371600" y="1143000"/>
-            <a:ext cx="4109400" cy="3080880"/>
+            <a:ext cx="4110038" cy="3081338"/>
           </a:xfrm>
           <a:prstGeom prst="rect">
             <a:avLst/>
@@ -4604,7 +4612,7 @@
           <a:fontRef idx="minor"/>
         </p:style>
         <p:txBody>
-          <a:bodyPr lIns="90000" tIns="45000" rIns="90000" bIns="45000">
+          <a:bodyPr lIns="90000" tIns="45000" rIns="90000" bIns="45000" anchor="t">
             <a:normAutofit fontScale="85000" lnSpcReduction="20000"/>
           </a:bodyPr>
           <a:lstStyle/>
@@ -4622,9 +4630,9 @@
                 <a:solidFill>
                   <a:srgbClr val="262626"/>
                 </a:solidFill>
-                <a:latin typeface="Calibri" panose="020F0502020204030204" pitchFamily="34" charset="0"/>
+                <a:latin typeface="Calibri"/>
                 <a:ea typeface="DejaVu Sans"/>
-                <a:cs typeface="Calibri" panose="020F0502020204030204" pitchFamily="34" charset="0"/>
+                <a:cs typeface="Calibri"/>
               </a:rPr>
               <a:t>Data: </a:t>
             </a:r>
@@ -4633,9 +4641,9 @@
                 <a:solidFill>
                   <a:srgbClr val="262626"/>
                 </a:solidFill>
-                <a:latin typeface="Calibri" panose="020F0502020204030204" pitchFamily="34" charset="0"/>
+                <a:latin typeface="Calibri"/>
                 <a:ea typeface="DejaVu Sans"/>
-                <a:cs typeface="Calibri" panose="020F0502020204030204" pitchFamily="34" charset="0"/>
+                <a:cs typeface="Calibri"/>
               </a:rPr>
               <a:t>A set of data collected from students at the University of Lausanne is available in the file </a:t>
             </a:r>
@@ -4644,9 +4652,9 @@
                 <a:solidFill>
                   <a:srgbClr val="000000"/>
                 </a:solidFill>
-                <a:latin typeface="Calibri" panose="020F0502020204030204" pitchFamily="34" charset="0"/>
+                <a:latin typeface="Calibri"/>
                 <a:ea typeface="DejaVu Sans"/>
-                <a:cs typeface="Calibri" panose="020F0502020204030204" pitchFamily="34" charset="0"/>
+                <a:cs typeface="Calibri"/>
               </a:rPr>
               <a:t>etubiol.csv</a:t>
             </a:r>
@@ -4655,44 +4663,22 @@
                 <a:solidFill>
                   <a:srgbClr val="000000"/>
                 </a:solidFill>
-                <a:latin typeface="Calibri" panose="020F0502020204030204" pitchFamily="34" charset="0"/>
+                <a:latin typeface="Calibri"/>
                 <a:ea typeface="DejaVu Sans"/>
-                <a:cs typeface="Calibri" panose="020F0502020204030204" pitchFamily="34" charset="0"/>
-              </a:rPr>
-              <a:t> (courtesy of F. </a:t>
-            </a:r>
-            <a:r>
-              <a:rPr lang="en-US" sz="2200" b="0" strike="noStrike" spc="-1" dirty="0" err="1">
-                <a:solidFill>
-                  <a:srgbClr val="000000"/>
-                </a:solidFill>
-                <a:latin typeface="Calibri" panose="020F0502020204030204" pitchFamily="34" charset="0"/>
-                <a:ea typeface="DejaVu Sans"/>
-                <a:cs typeface="Calibri" panose="020F0502020204030204" pitchFamily="34" charset="0"/>
-              </a:rPr>
-              <a:t>Schütz</a:t>
-            </a:r>
-            <a:r>
-              <a:rPr lang="en-US" sz="2200" b="0" strike="noStrike" spc="-1" dirty="0">
-                <a:solidFill>
-                  <a:srgbClr val="000000"/>
-                </a:solidFill>
-                <a:latin typeface="Calibri" panose="020F0502020204030204" pitchFamily="34" charset="0"/>
-                <a:ea typeface="DejaVu Sans"/>
-                <a:cs typeface="Calibri" panose="020F0502020204030204" pitchFamily="34" charset="0"/>
-              </a:rPr>
-              <a:t>).</a:t>
-            </a:r>
-            <a:r>
-              <a:rPr lang="en-US" sz="2200" b="0" strike="noStrike" spc="-1" dirty="0">
+                <a:cs typeface="Calibri"/>
+              </a:rPr>
+              <a:t> (courtesy of F. Schütz).</a:t>
+            </a:r>
+            <a:r>
+              <a:rPr lang="en-US" sz="2200" spc="-1" dirty="0">
                 <a:solidFill>
                   <a:srgbClr val="FF0000"/>
                 </a:solidFill>
-                <a:latin typeface="Calibri" panose="020F0502020204030204" pitchFamily="34" charset="0"/>
+                <a:latin typeface="Calibri"/>
                 <a:ea typeface="DejaVu Sans"/>
-                <a:cs typeface="Calibri" panose="020F0502020204030204" pitchFamily="34" charset="0"/>
-              </a:rPr>
-              <a:t> </a:t>
+                <a:cs typeface="Calibri"/>
+              </a:rPr>
+              <a:t> </a:t>
             </a:r>
             <a:endParaRPr lang="en-US" sz="2200" b="0" strike="noStrike" spc="-1" dirty="0">
               <a:latin typeface="Calibri" panose="020F0502020204030204" pitchFamily="34" charset="0"/>
@@ -4800,7 +4786,7 @@
             </a:endParaRPr>
           </a:p>
           <a:p>
-            <a:pPr marL="460080" lvl="2" indent="-226440">
+            <a:pPr marL="459740" lvl="2" indent="-226060">
               <a:lnSpc>
                 <a:spcPct val="90000"/>
               </a:lnSpc>
@@ -4830,7 +4816,7 @@
             </a:endParaRPr>
           </a:p>
           <a:p>
-            <a:pPr marL="460080" lvl="2" indent="-226440">
+            <a:pPr marL="459740" lvl="2" indent="-226060">
               <a:lnSpc>
                 <a:spcPct val="90000"/>
               </a:lnSpc>
@@ -4860,7 +4846,7 @@
             </a:endParaRPr>
           </a:p>
           <a:p>
-            <a:pPr marL="460080" lvl="2" indent="-226440">
+            <a:pPr marL="459740" lvl="2" indent="-226060">
               <a:lnSpc>
                 <a:spcPct val="90000"/>
               </a:lnSpc>
@@ -4904,7 +4890,7 @@
             </a:endParaRPr>
           </a:p>
           <a:p>
-            <a:pPr marL="723960" lvl="1" indent="-261720">
+            <a:pPr marL="723900" lvl="1" indent="-261620">
               <a:lnSpc>
                 <a:spcPct val="90000"/>
               </a:lnSpc>
@@ -4922,47 +4908,36 @@
                 <a:solidFill>
                   <a:srgbClr val="262626"/>
                 </a:solidFill>
-                <a:latin typeface="Calibri" panose="020F0502020204030204" pitchFamily="34" charset="0"/>
+                <a:latin typeface="Calibri"/>
                 <a:ea typeface="DejaVu Sans"/>
-                <a:cs typeface="Calibri" panose="020F0502020204030204" pitchFamily="34" charset="0"/>
-              </a:rPr>
-              <a:t>Submit analysis by e-mail to  </a:t>
-            </a:r>
-            <a:r>
-              <a:rPr lang="en-US" sz="2200" b="0" strike="noStrike" spc="-1" dirty="0" err="1">
-                <a:solidFill>
-                  <a:srgbClr val="262626"/>
-                </a:solidFill>
-                <a:latin typeface="Calibri" panose="020F0502020204030204" pitchFamily="34" charset="0"/>
-                <a:ea typeface="DejaVu Sans"/>
-                <a:cs typeface="Calibri" panose="020F0502020204030204" pitchFamily="34" charset="0"/>
-              </a:rPr>
-              <a:t>Leonore.wigger@sib.swiss</a:t>
-            </a:r>
-            <a:r>
-              <a:rPr lang="en-US" sz="2200" b="0" strike="noStrike" spc="-1" dirty="0">
-                <a:solidFill>
-                  <a:srgbClr val="262626"/>
-                </a:solidFill>
-                <a:latin typeface="Calibri" panose="020F0502020204030204" pitchFamily="34" charset="0"/>
-                <a:ea typeface="DejaVu Sans"/>
-                <a:cs typeface="Calibri" panose="020F0502020204030204" pitchFamily="34" charset="0"/>
-              </a:rPr>
-              <a:t> </a:t>
+                <a:cs typeface="Calibri"/>
+              </a:rPr>
+              <a:t>Submit analysis by e-mail to</a:t>
             </a:r>
             <a:r>
               <a:rPr lang="en-US" sz="2200" spc="-1" dirty="0">
                 <a:solidFill>
                   <a:srgbClr val="262626"/>
                 </a:solidFill>
-                <a:latin typeface="Calibri" panose="020F0502020204030204" pitchFamily="34" charset="0"/>
-                <a:cs typeface="Calibri" panose="020F0502020204030204" pitchFamily="34" charset="0"/>
-              </a:rPr>
-              <a:t>by June 16,2022, 23:59:59.</a:t>
-            </a:r>
-          </a:p>
-          <a:p>
-            <a:pPr marL="723960" lvl="1" indent="-261720">
+                <a:latin typeface="Calibri"/>
+                <a:ea typeface="DejaVu Sans"/>
+                <a:cs typeface="Calibri"/>
+              </a:rPr>
+              <a:t> </a:t>
+            </a:r>
+            <a:r>
+              <a:rPr lang="en-US" sz="2200" spc="-1" dirty="0">
+                <a:solidFill>
+                  <a:srgbClr val="262626"/>
+                </a:solidFill>
+                <a:latin typeface="Calibri"/>
+                <a:cs typeface="Calibri"/>
+              </a:rPr>
+              <a:t> the trainer, at the latest 1 week after the course.</a:t>
+            </a:r>
+          </a:p>
+          <a:p>
+            <a:pPr marL="723900" lvl="1" indent="-261620">
               <a:lnSpc>
                 <a:spcPct val="90000"/>
               </a:lnSpc>
@@ -5000,7 +4975,7 @@
             </a:endParaRPr>
           </a:p>
           <a:p>
-            <a:pPr marL="723960" lvl="1" indent="-261720">
+            <a:pPr marL="723900" lvl="1" indent="-261620">
               <a:lnSpc>
                 <a:spcPct val="90000"/>
               </a:lnSpc>
@@ -5766,7 +5741,7 @@
           <a:fontRef idx="minor"/>
         </p:style>
         <p:txBody>
-          <a:bodyPr lIns="0" tIns="0" rIns="0" bIns="0"/>
+          <a:bodyPr lIns="0" tIns="0" rIns="0" bIns="0" anchor="t"/>
           <a:lstStyle/>
           <a:p>
             <a:pPr>
@@ -5780,12 +5755,16 @@
                 <a:spcPts val="283"/>
               </a:spcAft>
             </a:pPr>
-            <a:endParaRPr lang="en-US" sz="1800" b="0" strike="noStrike" spc="-1" dirty="0">
-              <a:latin typeface="Arial"/>
-            </a:endParaRPr>
-          </a:p>
-          <a:p>
-            <a:pPr marL="2160">
+            <a:endParaRPr lang="en-US" spc="-1" dirty="0">
+              <a:solidFill>
+                <a:srgbClr val="000000"/>
+              </a:solidFill>
+              <a:latin typeface="Calibri"/>
+              <a:ea typeface="DejaVu Sans"/>
+            </a:endParaRPr>
+          </a:p>
+          <a:p>
+            <a:pPr>
               <a:lnSpc>
                 <a:spcPct val="90000"/>
               </a:lnSpc>
@@ -5804,14 +5783,24 @@
                 <a:latin typeface="Calibri"/>
                 <a:ea typeface="DejaVu Sans"/>
               </a:rPr>
-              <a:t>Assume that you have been given the following questions for hypothesis testing.</a:t>
+              <a:t>Assume that you have been given the following questions.</a:t>
+            </a:r>
+            <a:r>
+              <a:rPr lang="en-US" spc="-1" dirty="0">
+                <a:solidFill>
+                  <a:srgbClr val="000000"/>
+                </a:solidFill>
+                <a:latin typeface="Calibri"/>
+                <a:ea typeface="DejaVu Sans"/>
+              </a:rPr>
+              <a:t> </a:t>
             </a:r>
             <a:endParaRPr lang="en-US" sz="1800" b="0" strike="noStrike" spc="-1" dirty="0">
               <a:latin typeface="Arial"/>
             </a:endParaRPr>
           </a:p>
           <a:p>
-            <a:pPr marL="612360" lvl="1" indent="-340920">
+            <a:pPr marL="612140" lvl="1" indent="-340360">
               <a:lnSpc>
                 <a:spcPct val="90000"/>
               </a:lnSpc>
@@ -5862,7 +5851,7 @@
             </a:endParaRPr>
           </a:p>
           <a:p>
-            <a:pPr marL="612360" lvl="1" indent="-340920">
+            <a:pPr marL="612140" lvl="1" indent="-340360">
               <a:lnSpc>
                 <a:spcPct val="90000"/>
               </a:lnSpc>
@@ -5879,6 +5868,16 @@
               <a:buAutoNum type="arabicPeriod"/>
             </a:pPr>
             <a:r>
+              <a:rPr lang="en-US" sz="1600" spc="-1" dirty="0">
+                <a:solidFill>
+                  <a:srgbClr val="000000"/>
+                </a:solidFill>
+                <a:latin typeface="Calibri"/>
+                <a:ea typeface="DejaVu Sans"/>
+              </a:rPr>
+              <a:t> </a:t>
+            </a:r>
+            <a:r>
               <a:rPr lang="en-US" sz="1600" b="0" strike="noStrike" spc="-1" dirty="0">
                 <a:solidFill>
                   <a:srgbClr val="000000"/>
@@ -5886,7 +5885,7 @@
                 <a:latin typeface="Calibri"/>
                 <a:ea typeface="DejaVu Sans"/>
               </a:rPr>
-              <a:t> Is there a significant difference in </a:t>
+              <a:t>Is there a significant difference in </a:t>
             </a:r>
             <a:r>
               <a:rPr lang="en-US" sz="1600" b="0" strike="noStrike" spc="-1" dirty="0" err="1">
@@ -5913,7 +5912,7 @@
             </a:endParaRPr>
           </a:p>
           <a:p>
-            <a:pPr marL="612360" lvl="1" indent="-340920">
+            <a:pPr marL="612140" lvl="1" indent="-340360">
               <a:lnSpc>
                 <a:spcPct val="90000"/>
               </a:lnSpc>
@@ -5944,7 +5943,7 @@
             </a:endParaRPr>
           </a:p>
           <a:p>
-            <a:pPr marL="612360" lvl="1" indent="-340920">
+            <a:pPr marL="612140" lvl="1" indent="-340360">
               <a:lnSpc>
                 <a:spcPct val="90000"/>
               </a:lnSpc>
@@ -5975,7 +5974,7 @@
             </a:endParaRPr>
           </a:p>
           <a:p>
-            <a:pPr marL="612360" lvl="1" indent="-340920">
+            <a:pPr marL="612140" lvl="1" indent="-340360">
               <a:lnSpc>
                 <a:spcPct val="90000"/>
               </a:lnSpc>
@@ -6019,14 +6018,24 @@
                 <a:latin typeface="Calibri"/>
                 <a:ea typeface="DejaVu Sans"/>
               </a:rPr>
-              <a:t> data set. </a:t>
+              <a:t> data set.</a:t>
+            </a:r>
+            <a:r>
+              <a:rPr lang="en-US" sz="1600" spc="-1" dirty="0">
+                <a:solidFill>
+                  <a:srgbClr val="000000"/>
+                </a:solidFill>
+                <a:latin typeface="Calibri"/>
+                <a:ea typeface="DejaVu Sans"/>
+              </a:rPr>
+              <a:t> </a:t>
             </a:r>
             <a:endParaRPr lang="en-US" sz="1600" b="0" strike="noStrike" spc="-1" dirty="0">
               <a:latin typeface="Arial"/>
             </a:endParaRPr>
           </a:p>
           <a:p>
-            <a:pPr marL="344880" indent="-340560">
+            <a:pPr marL="344805" indent="-340360">
               <a:lnSpc>
                 <a:spcPct val="90000"/>
               </a:lnSpc>
@@ -6057,7 +6066,7 @@
             </a:endParaRPr>
           </a:p>
           <a:p>
-            <a:pPr marL="344880" indent="-340560">
+            <a:pPr marL="344805" indent="-340360">
               <a:lnSpc>
                 <a:spcPct val="90000"/>
               </a:lnSpc>
@@ -6074,6 +6083,16 @@
               <a:buChar char="•"/>
             </a:pPr>
             <a:r>
+              <a:rPr lang="en-US" spc="-1" dirty="0">
+                <a:solidFill>
+                  <a:srgbClr val="000000"/>
+                </a:solidFill>
+                <a:latin typeface="Calibri"/>
+                <a:ea typeface="DejaVu Sans"/>
+              </a:rPr>
+              <a:t>Test</a:t>
+            </a:r>
+            <a:r>
               <a:rPr lang="en-US" sz="1800" b="0" strike="noStrike" spc="-1" dirty="0">
                 <a:solidFill>
                   <a:srgbClr val="000000"/>
@@ -6081,11 +6100,11 @@
                 <a:latin typeface="Calibri"/>
                 <a:ea typeface="DejaVu Sans"/>
               </a:rPr>
-              <a:t>Test your hypotheses using tests and modeling techniques from the course, based on the type of variables you have. Include tests of normality where appropriate.</a:t>
-            </a:r>
-          </a:p>
-          <a:p>
-            <a:pPr marL="344880" indent="-340560">
+              <a:t> your hypotheses using tests and modeling techniques from the course, based on the type of variables you have. Include tests of normality where appropriate.</a:t>
+            </a:r>
+          </a:p>
+          <a:p>
+            <a:pPr marL="344805" indent="-340360">
               <a:lnSpc>
                 <a:spcPct val="90000"/>
               </a:lnSpc>
@@ -6110,7 +6129,7 @@
             </a:endParaRPr>
           </a:p>
           <a:p>
-            <a:pPr marL="4320">
+            <a:pPr marL="3810">
               <a:lnSpc>
                 <a:spcPct val="90000"/>
               </a:lnSpc>

--- a/assets/pptx/exam_R.pptx
+++ b/assets/pptx/exam_R.pptx
@@ -123,6 +123,7 @@
 <p1510:revInfo xmlns:a="http://schemas.openxmlformats.org/drawingml/2006/main" xmlns:r="http://schemas.openxmlformats.org/officeDocument/2006/relationships" xmlns:p1510="http://schemas.microsoft.com/office/powerpoint/2015/10/main">
   <p1510:revLst>
     <p1510:client id="{D2AD5DB3-4FF5-E6FB-ADD3-E12E35D32980}" v="35" dt="2022-10-13T09:11:51.348"/>
+    <p1510:client id="{F78D7D33-8800-898A-981C-AB82725D44AF}" v="168" dt="2023-01-27T14:46:05.432"/>
   </p1510:revLst>
 </p1510:revInfo>
 </file>
@@ -5167,7 +5168,7 @@
           <a:fontRef idx="minor"/>
         </p:style>
         <p:txBody>
-          <a:bodyPr lIns="0" tIns="0" rIns="0" bIns="0"/>
+          <a:bodyPr lIns="0" tIns="0" rIns="0" bIns="0" anchor="t"/>
           <a:lstStyle/>
           <a:p>
             <a:pPr>
@@ -5193,7 +5194,7 @@
             </a:endParaRPr>
           </a:p>
           <a:p>
-            <a:pPr marL="449280" lvl="1" indent="-177480">
+            <a:pPr marL="448945" lvl="1" indent="-177165">
               <a:lnSpc>
                 <a:spcPct val="90000"/>
               </a:lnSpc>
@@ -5224,7 +5225,7 @@
             </a:endParaRPr>
           </a:p>
           <a:p>
-            <a:pPr marL="449280" lvl="1" indent="-177480">
+            <a:pPr marL="448945" lvl="1" indent="-177165">
               <a:lnSpc>
                 <a:spcPct val="90000"/>
               </a:lnSpc>
@@ -5255,7 +5256,7 @@
             </a:endParaRPr>
           </a:p>
           <a:p>
-            <a:pPr marL="449280" lvl="1" indent="-177480">
+            <a:pPr marL="448945" lvl="1" indent="-177165">
               <a:lnSpc>
                 <a:spcPct val="90000"/>
               </a:lnSpc>
@@ -5286,7 +5287,7 @@
             </a:endParaRPr>
           </a:p>
           <a:p>
-            <a:pPr marL="648000" lvl="2" indent="-212400">
+            <a:pPr marL="647700" lvl="2" indent="-212090">
               <a:lnSpc>
                 <a:spcPct val="90000"/>
               </a:lnSpc>
@@ -5317,7 +5318,7 @@
             </a:endParaRPr>
           </a:p>
           <a:p>
-            <a:pPr marL="648000" lvl="2" indent="-212400">
+            <a:pPr marL="647700" lvl="2" indent="-212090">
               <a:lnSpc>
                 <a:spcPct val="90000"/>
               </a:lnSpc>
@@ -5348,7 +5349,7 @@
             </a:endParaRPr>
           </a:p>
           <a:p>
-            <a:pPr marL="648000" lvl="2" indent="-212400">
+            <a:pPr marL="647700" lvl="2" indent="-212090">
               <a:lnSpc>
                 <a:spcPct val="90000"/>
               </a:lnSpc>
@@ -5379,7 +5380,7 @@
             </a:endParaRPr>
           </a:p>
           <a:p>
-            <a:pPr marL="648000" lvl="2" indent="-212400">
+            <a:pPr marL="647700" lvl="2" indent="-212090">
               <a:lnSpc>
                 <a:spcPct val="90000"/>
               </a:lnSpc>
@@ -5410,7 +5411,7 @@
             </a:endParaRPr>
           </a:p>
           <a:p>
-            <a:pPr marL="449280" lvl="1" indent="-177480">
+            <a:pPr marL="448945" lvl="1" indent="-177165">
               <a:lnSpc>
                 <a:spcPct val="90000"/>
               </a:lnSpc>
@@ -5427,141 +5428,161 @@
               <a:buAutoNum type="arabicParenR"/>
             </a:pPr>
             <a:r>
-              <a:rPr lang="en-US" sz="1800" b="0" strike="noStrike" spc="-1" dirty="0">
+              <a:rPr lang="en-US" spc="-1" dirty="0">
                 <a:solidFill>
                   <a:srgbClr val="262626"/>
                 </a:solidFill>
                 <a:latin typeface="Calibri"/>
                 <a:ea typeface="DejaVu Sans"/>
               </a:rPr>
-              <a:t> Calculate the BMI of each person and add an extra variable "</a:t>
-            </a:r>
-            <a:r>
-              <a:rPr lang="en-US" sz="1800" b="0" strike="noStrike" spc="-1" dirty="0" err="1">
+              <a:t> </a:t>
+            </a:r>
+            <a:r>
+              <a:rPr lang="en-US" sz="1800" b="0" strike="noStrike" spc="-1" dirty="0">
                 <a:solidFill>
                   <a:srgbClr val="262626"/>
                 </a:solidFill>
                 <a:latin typeface="Calibri"/>
                 <a:ea typeface="DejaVu Sans"/>
               </a:rPr>
-              <a:t>bmi</a:t>
-            </a:r>
-            <a:r>
-              <a:rPr lang="en-US" sz="1800" b="0" strike="noStrike" spc="-1" dirty="0">
+              <a:t>Calculate the BMI of each person and add an extra variable "</a:t>
+            </a:r>
+            <a:r>
+              <a:rPr lang="en-US" sz="1800" b="0" strike="noStrike" spc="-1" dirty="0" err="1">
                 <a:solidFill>
                   <a:srgbClr val="262626"/>
                 </a:solidFill>
                 <a:latin typeface="Calibri"/>
                 <a:ea typeface="DejaVu Sans"/>
               </a:rPr>
-              <a:t>" to a new data frame "</a:t>
-            </a:r>
-            <a:r>
-              <a:rPr lang="en-US" sz="1800" b="0" strike="noStrike" spc="-1" dirty="0" err="1">
+              <a:t>bmi</a:t>
+            </a:r>
+            <a:r>
+              <a:rPr lang="en-US" sz="1800" b="0" strike="noStrike" spc="-1" dirty="0">
                 <a:solidFill>
                   <a:srgbClr val="262626"/>
                 </a:solidFill>
                 <a:latin typeface="Calibri"/>
                 <a:ea typeface="DejaVu Sans"/>
               </a:rPr>
-              <a:t>df_bmi</a:t>
-            </a:r>
-            <a:r>
-              <a:rPr lang="en-US" sz="1800" b="0" strike="noStrike" spc="-1" dirty="0">
+              <a:t>" to a new data frame "</a:t>
+            </a:r>
+            <a:r>
+              <a:rPr lang="en-US" sz="1800" b="0" strike="noStrike" spc="-1" dirty="0" err="1">
                 <a:solidFill>
                   <a:srgbClr val="262626"/>
                 </a:solidFill>
                 <a:latin typeface="Calibri"/>
                 <a:ea typeface="DejaVu Sans"/>
               </a:rPr>
-              <a:t>". Check that </a:t>
-            </a:r>
-            <a:r>
-              <a:rPr lang="en-US" sz="1800" b="0" strike="noStrike" spc="-1" dirty="0" err="1">
+              <a:t>df_bmi</a:t>
+            </a:r>
+            <a:r>
+              <a:rPr lang="en-US" sz="1800" b="0" strike="noStrike" spc="-1" dirty="0">
                 <a:solidFill>
                   <a:srgbClr val="262626"/>
                 </a:solidFill>
                 <a:latin typeface="Calibri"/>
                 <a:ea typeface="DejaVu Sans"/>
               </a:rPr>
-              <a:t>df_bmi</a:t>
-            </a:r>
-            <a:r>
-              <a:rPr lang="en-US" sz="1800" b="0" strike="noStrike" spc="-1" dirty="0">
+              <a:t>". Check that </a:t>
+            </a:r>
+            <a:r>
+              <a:rPr lang="en-US" sz="1800" b="0" strike="noStrike" spc="-1" dirty="0" err="1">
                 <a:solidFill>
                   <a:srgbClr val="262626"/>
                 </a:solidFill>
                 <a:latin typeface="Calibri"/>
                 <a:ea typeface="DejaVu Sans"/>
               </a:rPr>
-              <a:t> contains a new column </a:t>
-            </a:r>
-            <a:r>
-              <a:rPr lang="en-US" spc="-1" dirty="0">
+              <a:t>df_bmi</a:t>
+            </a:r>
+            <a:r>
+              <a:rPr lang="en-US" sz="1800" b="0" strike="noStrike" spc="-1" dirty="0">
                 <a:solidFill>
                   <a:srgbClr val="262626"/>
                 </a:solidFill>
                 <a:latin typeface="Calibri"/>
                 <a:ea typeface="DejaVu Sans"/>
               </a:rPr>
-              <a:t>“</a:t>
-            </a:r>
-            <a:r>
-              <a:rPr lang="en-US" spc="-1" dirty="0" err="1">
+              <a:t> contains a new column </a:t>
+            </a:r>
+            <a:r>
+              <a:rPr lang="en-US" spc="-1" dirty="0">
                 <a:solidFill>
                   <a:srgbClr val="262626"/>
                 </a:solidFill>
                 <a:latin typeface="Calibri"/>
                 <a:ea typeface="DejaVu Sans"/>
               </a:rPr>
-              <a:t>bmi</a:t>
-            </a:r>
-            <a:r>
-              <a:rPr lang="en-US" spc="-1" dirty="0">
+              <a:t>“</a:t>
+            </a:r>
+            <a:r>
+              <a:rPr lang="en-US" spc="-1" dirty="0" err="1">
                 <a:solidFill>
                   <a:srgbClr val="262626"/>
                 </a:solidFill>
                 <a:latin typeface="Calibri"/>
                 <a:ea typeface="DejaVu Sans"/>
               </a:rPr>
-              <a:t>”. </a:t>
-            </a:r>
-            <a:r>
-              <a:rPr lang="en-US" sz="1800" b="0" strike="noStrike" spc="-1" dirty="0">
+              <a:t>bmi</a:t>
+            </a:r>
+            <a:r>
+              <a:rPr lang="en-US" spc="-1" dirty="0">
                 <a:solidFill>
                   <a:srgbClr val="262626"/>
                 </a:solidFill>
                 <a:latin typeface="Calibri"/>
                 <a:ea typeface="DejaVu Sans"/>
               </a:rPr>
-              <a:t>Export </a:t>
-            </a:r>
-            <a:r>
-              <a:rPr lang="en-US" sz="1800" b="0" strike="noStrike" spc="-1" dirty="0" err="1">
+              <a:t>”. </a:t>
+            </a:r>
+            <a:r>
+              <a:rPr lang="en-US" sz="1800" b="0" strike="noStrike" spc="-1" dirty="0">
                 <a:solidFill>
                   <a:srgbClr val="262626"/>
                 </a:solidFill>
                 <a:latin typeface="Calibri"/>
                 <a:ea typeface="DejaVu Sans"/>
               </a:rPr>
-              <a:t>df_bmi</a:t>
-            </a:r>
-            <a:r>
-              <a:rPr lang="en-US" sz="1800" b="0" strike="noStrike" spc="-1" dirty="0">
+              <a:t>Export </a:t>
+            </a:r>
+            <a:r>
+              <a:rPr lang="en-US" sz="1800" b="0" strike="noStrike" spc="-1" dirty="0" err="1">
                 <a:solidFill>
                   <a:srgbClr val="262626"/>
                 </a:solidFill>
                 <a:latin typeface="Calibri"/>
                 <a:ea typeface="DejaVu Sans"/>
               </a:rPr>
-              <a:t> to a csv file. (Google the BMI formula). </a:t>
+              <a:t>df_bmi</a:t>
+            </a:r>
+            <a:r>
+              <a:rPr lang="en-US" sz="1800" b="0" strike="noStrike" spc="-1" dirty="0">
+                <a:solidFill>
+                  <a:srgbClr val="262626"/>
+                </a:solidFill>
+                <a:latin typeface="Calibri"/>
+                <a:ea typeface="DejaVu Sans"/>
+              </a:rPr>
+              <a:t> to a csv file. (Google the BMI formula</a:t>
+            </a:r>
+            <a:r>
+              <a:rPr lang="en-US" spc="-1" dirty="0">
+                <a:solidFill>
+                  <a:srgbClr val="262626"/>
+                </a:solidFill>
+                <a:latin typeface="Calibri"/>
+                <a:ea typeface="DejaVu Sans"/>
+              </a:rPr>
+              <a:t>). Typical BMI values should range between 15 and 35. Check if this is the case here.</a:t>
             </a:r>
             <a:endParaRPr lang="en-US" sz="1800" b="0" strike="noStrike" spc="-1" dirty="0">
               <a:latin typeface="Arial"/>
             </a:endParaRPr>
           </a:p>
           <a:p>
-            <a:pPr marL="449280" lvl="1" indent="-177480">
+            <a:pPr marL="448945" lvl="1" indent="-177165">
               <a:lnSpc>
                 <a:spcPct val="90000"/>
               </a:lnSpc>
@@ -5776,24 +5797,34 @@
               </a:spcAft>
             </a:pPr>
             <a:r>
-              <a:rPr lang="en-US" sz="1800" b="0" strike="noStrike" spc="-1" dirty="0">
+              <a:rPr lang="en-US" spc="-1" dirty="0">
                 <a:solidFill>
                   <a:srgbClr val="000000"/>
                 </a:solidFill>
                 <a:latin typeface="Calibri"/>
                 <a:ea typeface="DejaVu Sans"/>
               </a:rPr>
-              <a:t>Assume that you have been given the following questions.</a:t>
-            </a:r>
-            <a:r>
-              <a:rPr lang="en-US" spc="-1" dirty="0">
+              <a:t>Investigate the</a:t>
+            </a:r>
+            <a:r>
+              <a:rPr lang="en-US" sz="1800" b="0" strike="noStrike" spc="-1" dirty="0">
                 <a:solidFill>
                   <a:srgbClr val="000000"/>
                 </a:solidFill>
                 <a:latin typeface="Calibri"/>
                 <a:ea typeface="DejaVu Sans"/>
               </a:rPr>
-              <a:t> </a:t>
+              <a:t> following questions</a:t>
+            </a:r>
+            <a:r>
+              <a:rPr lang="en-US" spc="-1" dirty="0">
+                <a:solidFill>
+                  <a:srgbClr val="000000"/>
+                </a:solidFill>
+                <a:latin typeface="Calibri"/>
+                <a:ea typeface="DejaVu Sans"/>
+              </a:rPr>
+              <a:t> with numerical summaries and visual elements, as well as statistical analysis when possible:</a:t>
             </a:r>
             <a:endParaRPr lang="en-US" sz="1800" b="0" strike="noStrike" spc="-1" dirty="0">
               <a:latin typeface="Arial"/>
@@ -5824,7 +5855,7 @@
                 <a:latin typeface="Calibri"/>
                 <a:ea typeface="DejaVu Sans"/>
               </a:rPr>
-              <a:t> Is there a significant difference in </a:t>
+              <a:t>Is there a difference in </a:t>
             </a:r>
             <a:r>
               <a:rPr lang="en-US" sz="1600" b="0" strike="noStrike" spc="-1" dirty="0" err="1">
@@ -5868,44 +5899,54 @@
               <a:buAutoNum type="arabicPeriod"/>
             </a:pPr>
             <a:r>
-              <a:rPr lang="en-US" sz="1600" spc="-1" dirty="0">
+              <a:rPr lang="en-US" sz="1600" b="0" strike="noStrike" spc="-1" dirty="0">
                 <a:solidFill>
                   <a:srgbClr val="000000"/>
                 </a:solidFill>
                 <a:latin typeface="Calibri"/>
                 <a:ea typeface="DejaVu Sans"/>
               </a:rPr>
-              <a:t> </a:t>
-            </a:r>
-            <a:r>
-              <a:rPr lang="en-US" sz="1600" b="0" strike="noStrike" spc="-1" dirty="0">
+              <a:t>Is there a difference in </a:t>
+            </a:r>
+            <a:r>
+              <a:rPr lang="en-US" sz="1600" b="0" strike="noStrike" spc="-1" dirty="0" err="1">
                 <a:solidFill>
                   <a:srgbClr val="000000"/>
                 </a:solidFill>
                 <a:latin typeface="Calibri"/>
                 <a:ea typeface="DejaVu Sans"/>
               </a:rPr>
-              <a:t>Is there a significant difference in </a:t>
-            </a:r>
-            <a:r>
-              <a:rPr lang="en-US" sz="1600" b="0" strike="noStrike" spc="-1" dirty="0" err="1">
+              <a:t>bmi</a:t>
+            </a:r>
+            <a:r>
+              <a:rPr lang="en-US" sz="1600" b="0" strike="noStrike" spc="-1" dirty="0">
                 <a:solidFill>
                   <a:srgbClr val="000000"/>
                 </a:solidFill>
                 <a:latin typeface="Calibri"/>
                 <a:ea typeface="DejaVu Sans"/>
               </a:rPr>
-              <a:t>bmi</a:t>
-            </a:r>
-            <a:r>
-              <a:rPr lang="en-US" sz="1600" b="0" strike="noStrike" spc="-1" dirty="0">
+              <a:t> means between smokers and </a:t>
+            </a:r>
+            <a:r>
+              <a:rPr lang="en-US" sz="1600" spc="-1" dirty="0">
                 <a:solidFill>
                   <a:srgbClr val="000000"/>
                 </a:solidFill>
                 <a:latin typeface="Calibri"/>
                 <a:ea typeface="DejaVu Sans"/>
               </a:rPr>
-              <a:t> means between smokers and non smokers?</a:t>
+              <a:t>non-smokers</a:t>
+            </a:r>
+            <a:r>
+              <a:rPr lang="en-US" sz="1600" b="0" strike="noStrike" spc="-1" dirty="0">
+                <a:solidFill>
+                  <a:srgbClr val="000000"/>
+                </a:solidFill>
+                <a:latin typeface="Calibri"/>
+                <a:ea typeface="DejaVu Sans"/>
+              </a:rPr>
+              <a:t>?</a:t>
             </a:r>
             <a:endParaRPr lang="en-US" sz="1600" b="0" strike="noStrike" spc="-1" dirty="0">
               <a:latin typeface="Arial"/>
@@ -5936,7 +5977,7 @@
                 <a:latin typeface="Calibri"/>
                 <a:ea typeface="DejaVu Sans"/>
               </a:rPr>
-              <a:t> How strong is the linear (Pearson) correlation between shoe size and height? Is it significant?</a:t>
+              <a:t>How strong is the linear (Pearson) correlation between shoe size and height? Is it significant?</a:t>
             </a:r>
             <a:endParaRPr lang="en-US" sz="1600" b="0" strike="noStrike" spc="-1" dirty="0">
               <a:latin typeface="Arial"/>
@@ -5967,7 +6008,7 @@
                 <a:latin typeface="Calibri"/>
                 <a:ea typeface="DejaVu Sans"/>
               </a:rPr>
-              <a:t> If you model a linear relationship, how much does the shoe size increase per added cm of height? Is the change significant? What if you do this for males and females separately?</a:t>
+              <a:t>If you model a linear relationship, how much does the shoe size increase per added cm of height? Is the change significant? What if you do this for males and females separately?</a:t>
             </a:r>
             <a:endParaRPr lang="en-US" sz="1600" b="0" strike="noStrike" spc="-1" dirty="0">
               <a:latin typeface="Arial"/>
@@ -5998,7 +6039,7 @@
                 <a:latin typeface="Calibri"/>
                 <a:ea typeface="DejaVu Sans"/>
               </a:rPr>
-              <a:t>Come up with a question for hypothesis testing of your own that includes one or more variable(s) of your choosing from the </a:t>
+              <a:t>Come up with a question of your own that includes one or more variable(s) of your choosing from the </a:t>
             </a:r>
             <a:r>
               <a:rPr lang="en-US" sz="1600" b="0" strike="noStrike" spc="-1" dirty="0" err="1">
@@ -6018,7 +6059,7 @@
                 <a:latin typeface="Calibri"/>
                 <a:ea typeface="DejaVu Sans"/>
               </a:rPr>
-              <a:t> data set.</a:t>
+              <a:t> data set</a:t>
             </a:r>
             <a:r>
               <a:rPr lang="en-US" sz="1600" spc="-1" dirty="0">
@@ -6028,7 +6069,7 @@
                 <a:latin typeface="Calibri"/>
                 <a:ea typeface="DejaVu Sans"/>
               </a:rPr>
-              <a:t> </a:t>
+              <a:t> and investigate it.</a:t>
             </a:r>
             <a:endParaRPr lang="en-US" sz="1600" b="0" strike="noStrike" spc="-1" dirty="0">
               <a:latin typeface="Arial"/>
@@ -6060,6 +6101,16 @@
                 <a:ea typeface="DejaVu Sans"/>
               </a:rPr>
               <a:t>Make plots as seen in the course to try to give visualization-based answers to these questions.</a:t>
+            </a:r>
+            <a:r>
+              <a:rPr lang="en-US" spc="-1" dirty="0">
+                <a:solidFill>
+                  <a:srgbClr val="000000"/>
+                </a:solidFill>
+                <a:latin typeface="Calibri"/>
+                <a:ea typeface="DejaVu Sans"/>
+              </a:rPr>
+              <a:t> You can use multiple plots per question.</a:t>
             </a:r>
             <a:endParaRPr lang="en-US" sz="1800" b="0" strike="noStrike" spc="-1" dirty="0">
               <a:latin typeface="Arial"/>
@@ -6580,7 +6631,7 @@
 </file>
 
 <file path=ppt/slides/slide4.xml><?xml version="1.0" encoding="utf-8"?>
-<p:sld xmlns:a="http://schemas.openxmlformats.org/drawingml/2006/main" xmlns:r="http://schemas.openxmlformats.org/officeDocument/2006/relationships" xmlns:p="http://schemas.openxmlformats.org/presentationml/2006/main">
+<p:sld xmlns:a="http://schemas.openxmlformats.org/drawingml/2006/main" xmlns:r="http://schemas.openxmlformats.org/officeDocument/2006/relationships" xmlns:p="http://schemas.openxmlformats.org/presentationml/2006/main" show="0">
   <p:cSld>
     <p:bg>
       <p:bgPr>

--- a/assets/pptx/exam_R.pptx
+++ b/assets/pptx/exam_R.pptx
@@ -340,7 +340,7 @@
               <a:rPr lang="en-US" sz="1400" b="0" strike="noStrike" spc="-1">
                 <a:latin typeface="Times New Roman"/>
               </a:rPr>
-              <a:t>‹#›</a:t>
+              <a:t>‹N°›</a:t>
             </a:fld>
             <a:endParaRPr lang="en-US" sz="1400" b="0" strike="noStrike" spc="-1">
               <a:latin typeface="Times New Roman"/>
@@ -6151,7 +6151,97 @@
                 <a:latin typeface="Calibri"/>
                 <a:ea typeface="DejaVu Sans"/>
               </a:rPr>
-              <a:t> your hypotheses using tests and modeling techniques from the course, based on the type of variables you have. Include tests of normality where appropriate.</a:t>
+              <a:t> your hypotheses using tests and modeling techniques from the course, based on the type of variables you have. </a:t>
+            </a:r>
+            <a:r>
+              <a:rPr lang="fr-CH" spc="-1" dirty="0" err="1">
+                <a:solidFill>
+                  <a:srgbClr val="000000"/>
+                </a:solidFill>
+                <a:latin typeface="Calibri"/>
+              </a:rPr>
+              <a:t>Visually</a:t>
+            </a:r>
+            <a:r>
+              <a:rPr lang="fr-CH" spc="-1" dirty="0">
+                <a:solidFill>
+                  <a:srgbClr val="000000"/>
+                </a:solidFill>
+                <a:latin typeface="Calibri"/>
+              </a:rPr>
+              <a:t> </a:t>
+            </a:r>
+            <a:r>
+              <a:rPr lang="fr-CH" spc="-1" dirty="0" err="1">
+                <a:solidFill>
+                  <a:srgbClr val="000000"/>
+                </a:solidFill>
+                <a:latin typeface="Calibri"/>
+              </a:rPr>
+              <a:t>assess</a:t>
+            </a:r>
+            <a:r>
+              <a:rPr lang="fr-CH" spc="-1" dirty="0">
+                <a:solidFill>
+                  <a:srgbClr val="000000"/>
+                </a:solidFill>
+                <a:latin typeface="Calibri"/>
+              </a:rPr>
+              <a:t> </a:t>
+            </a:r>
+            <a:r>
+              <a:rPr lang="fr-CH" spc="-1" dirty="0" err="1">
+                <a:solidFill>
+                  <a:srgbClr val="000000"/>
+                </a:solidFill>
+                <a:latin typeface="Calibri"/>
+              </a:rPr>
+              <a:t>normality</a:t>
+            </a:r>
+            <a:r>
+              <a:rPr lang="fr-CH" spc="-1" dirty="0">
+                <a:solidFill>
+                  <a:srgbClr val="000000"/>
+                </a:solidFill>
+                <a:latin typeface="Calibri"/>
+              </a:rPr>
+              <a:t> </a:t>
+            </a:r>
+            <a:r>
+              <a:rPr lang="fr-CH" spc="-1" dirty="0" err="1">
+                <a:solidFill>
+                  <a:srgbClr val="000000"/>
+                </a:solidFill>
+                <a:latin typeface="Calibri"/>
+              </a:rPr>
+              <a:t>where</a:t>
+            </a:r>
+            <a:r>
+              <a:rPr lang="fr-CH" spc="-1" dirty="0">
+                <a:solidFill>
+                  <a:srgbClr val="000000"/>
+                </a:solidFill>
+                <a:latin typeface="Calibri"/>
+              </a:rPr>
+              <a:t> </a:t>
+            </a:r>
+            <a:r>
+              <a:rPr lang="fr-CH" spc="-1" dirty="0" err="1">
+                <a:solidFill>
+                  <a:srgbClr val="000000"/>
+                </a:solidFill>
+                <a:latin typeface="Calibri"/>
+              </a:rPr>
+              <a:t>appropriate</a:t>
+            </a:r>
+            <a:r>
+              <a:rPr lang="en-US" spc="-1" dirty="0">
+                <a:solidFill>
+                  <a:srgbClr val="000000"/>
+                </a:solidFill>
+                <a:latin typeface="Calibri"/>
+              </a:rPr>
+              <a:t>.</a:t>
             </a:r>
           </a:p>
           <a:p>
